--- a/01_ClinicalTrials/Introduction.pptx
+++ b/01_ClinicalTrials/Introduction.pptx
@@ -5,10 +5,15 @@
     <p:sldMasterId id="2147483648" r:id="rId1"/>
   </p:sldMasterIdLst>
   <p:notesMasterIdLst>
-    <p:notesMasterId r:id="rId3"/>
+    <p:notesMasterId r:id="rId8"/>
   </p:notesMasterIdLst>
   <p:sldIdLst>
-    <p:sldId id="385" r:id="rId2"/>
+    <p:sldId id="386" r:id="rId2"/>
+    <p:sldId id="385" r:id="rId3"/>
+    <p:sldId id="387" r:id="rId4"/>
+    <p:sldId id="388" r:id="rId5"/>
+    <p:sldId id="389" r:id="rId6"/>
+    <p:sldId id="390" r:id="rId7"/>
   </p:sldIdLst>
   <p:sldSz cx="12192000" cy="6858000"/>
   <p:notesSz cx="6858000" cy="9144000"/>
@@ -208,7 +213,7 @@
           <a:p>
             <a:fld id="{4F7F6603-6BDA-43A4-A923-2EE96B763CCA}" type="datetimeFigureOut">
               <a:rPr lang="id-ID" smtClean="0"/>
-              <a:t>14/08/2024</a:t>
+              <a:t>18/08/2024</a:t>
             </a:fld>
             <a:endParaRPr lang="id-ID"/>
           </a:p>
@@ -11934,6 +11939,67 @@
           <a:chExt cx="0" cy="0"/>
         </a:xfrm>
       </p:grpSpPr>
+      <p:pic>
+        <p:nvPicPr>
+          <p:cNvPr id="8" name="Picture 7" descr="A screenshot of a website&#10;&#10;Description automatically generated">
+            <a:extLst>
+              <a:ext uri="{FF2B5EF4-FFF2-40B4-BE49-F238E27FC236}">
+                <a16:creationId xmlns:a16="http://schemas.microsoft.com/office/drawing/2014/main" id="{96D93676-7F18-3234-D38D-C449B3402490}"/>
+              </a:ext>
+            </a:extLst>
+          </p:cNvPr>
+          <p:cNvPicPr>
+            <a:picLocks noChangeAspect="1"/>
+          </p:cNvPicPr>
+          <p:nvPr/>
+        </p:nvPicPr>
+        <p:blipFill>
+          <a:blip r:embed="rId2"/>
+          <a:stretch>
+            <a:fillRect/>
+          </a:stretch>
+        </p:blipFill>
+        <p:spPr>
+          <a:xfrm>
+            <a:off x="1319719" y="336358"/>
+            <a:ext cx="9552562" cy="6185283"/>
+          </a:xfrm>
+          <a:prstGeom prst="rect">
+            <a:avLst/>
+          </a:prstGeom>
+          <a:noFill/>
+        </p:spPr>
+      </p:pic>
+    </p:spTree>
+    <p:extLst>
+      <p:ext uri="{BB962C8B-B14F-4D97-AF65-F5344CB8AC3E}">
+        <p14:creationId xmlns:p14="http://schemas.microsoft.com/office/powerpoint/2010/main" val="2779262527"/>
+      </p:ext>
+    </p:extLst>
+  </p:cSld>
+  <p:clrMapOvr>
+    <a:masterClrMapping/>
+  </p:clrMapOvr>
+</p:sld>
+</file>
+
+<file path=ppt/slides/slide2.xml><?xml version="1.0" encoding="utf-8"?>
+<p:sld xmlns:a="http://schemas.openxmlformats.org/drawingml/2006/main" xmlns:r="http://schemas.openxmlformats.org/officeDocument/2006/relationships" xmlns:p="http://schemas.openxmlformats.org/presentationml/2006/main">
+  <p:cSld>
+    <p:spTree>
+      <p:nvGrpSpPr>
+        <p:cNvPr id="1" name=""/>
+        <p:cNvGrpSpPr/>
+        <p:nvPr/>
+      </p:nvGrpSpPr>
+      <p:grpSpPr>
+        <a:xfrm>
+          <a:off x="0" y="0"/>
+          <a:ext cx="0" cy="0"/>
+          <a:chOff x="0" y="0"/>
+          <a:chExt cx="0" cy="0"/>
+        </a:xfrm>
+      </p:grpSpPr>
       <p:sp>
         <p:nvSpPr>
           <p:cNvPr id="2" name="Rectangle 1">
@@ -11949,7 +12015,7 @@
         <p:spPr>
           <a:xfrm>
             <a:off x="-34744" y="0"/>
-            <a:ext cx="12192000" cy="6858000"/>
+            <a:ext cx="12226744" cy="6858000"/>
           </a:xfrm>
           <a:prstGeom prst="rect">
             <a:avLst/>
@@ -14286,6 +14352,8368 @@
 </p:sld>
 </file>
 
+<file path=ppt/slides/slide3.xml><?xml version="1.0" encoding="utf-8"?>
+<p:sld xmlns:a="http://schemas.openxmlformats.org/drawingml/2006/main" xmlns:r="http://schemas.openxmlformats.org/officeDocument/2006/relationships" xmlns:p="http://schemas.openxmlformats.org/presentationml/2006/main">
+  <p:cSld>
+    <p:spTree>
+      <p:nvGrpSpPr>
+        <p:cNvPr id="1" name=""/>
+        <p:cNvGrpSpPr/>
+        <p:nvPr/>
+      </p:nvGrpSpPr>
+      <p:grpSpPr>
+        <a:xfrm>
+          <a:off x="0" y="0"/>
+          <a:ext cx="0" cy="0"/>
+          <a:chOff x="0" y="0"/>
+          <a:chExt cx="0" cy="0"/>
+        </a:xfrm>
+      </p:grpSpPr>
+      <p:sp>
+        <p:nvSpPr>
+          <p:cNvPr id="17" name="Rectangle 16">
+            <a:extLst>
+              <a:ext uri="{FF2B5EF4-FFF2-40B4-BE49-F238E27FC236}">
+                <a16:creationId xmlns:a16="http://schemas.microsoft.com/office/drawing/2014/main" id="{37DAADDE-8074-D513-33A3-050484DF4527}"/>
+              </a:ext>
+            </a:extLst>
+          </p:cNvPr>
+          <p:cNvSpPr/>
+          <p:nvPr/>
+        </p:nvSpPr>
+        <p:spPr>
+          <a:xfrm>
+            <a:off x="0" y="0"/>
+            <a:ext cx="12192000" cy="904009"/>
+          </a:xfrm>
+          <a:prstGeom prst="rect">
+            <a:avLst/>
+          </a:prstGeom>
+          <a:solidFill>
+            <a:srgbClr val="CBBDE6"/>
+          </a:solidFill>
+        </p:spPr>
+        <p:style>
+          <a:lnRef idx="2">
+            <a:schemeClr val="accent1">
+              <a:shade val="15000"/>
+            </a:schemeClr>
+          </a:lnRef>
+          <a:fillRef idx="1">
+            <a:schemeClr val="accent1"/>
+          </a:fillRef>
+          <a:effectRef idx="0">
+            <a:schemeClr val="accent1"/>
+          </a:effectRef>
+          <a:fontRef idx="minor">
+            <a:schemeClr val="lt1"/>
+          </a:fontRef>
+        </p:style>
+        <p:txBody>
+          <a:bodyPr rtlCol="0" anchor="ctr"/>
+          <a:lstStyle/>
+          <a:p>
+            <a:pPr algn="ctr"/>
+            <a:endParaRPr lang="en-US"/>
+          </a:p>
+        </p:txBody>
+      </p:sp>
+      <p:sp>
+        <p:nvSpPr>
+          <p:cNvPr id="7" name="Picture Placeholder 9">
+            <a:extLst>
+              <a:ext uri="{FF2B5EF4-FFF2-40B4-BE49-F238E27FC236}">
+                <a16:creationId xmlns:a16="http://schemas.microsoft.com/office/drawing/2014/main" id="{E7A25D3B-90FB-999A-458F-7BA1C652466E}"/>
+              </a:ext>
+            </a:extLst>
+          </p:cNvPr>
+          <p:cNvSpPr txBox="1">
+            <a:spLocks/>
+          </p:cNvSpPr>
+          <p:nvPr/>
+        </p:nvSpPr>
+        <p:spPr>
+          <a:xfrm>
+            <a:off x="0" y="0"/>
+            <a:ext cx="12192000" cy="6858000"/>
+          </a:xfrm>
+          <a:prstGeom prst="rect">
+            <a:avLst/>
+          </a:prstGeom>
+          <a:solidFill>
+            <a:schemeClr val="bg1">
+              <a:lumMod val="95000"/>
+              <a:alpha val="50000"/>
+            </a:schemeClr>
+          </a:solidFill>
+        </p:spPr>
+        <p:txBody>
+          <a:bodyPr/>
+          <a:lstStyle>
+            <a:lvl1pPr marL="0" indent="0" algn="l" defTabSz="914400" rtl="0" eaLnBrk="1" latinLnBrk="0" hangingPunct="1">
+              <a:lnSpc>
+                <a:spcPct val="90000"/>
+              </a:lnSpc>
+              <a:spcBef>
+                <a:spcPts val="1000"/>
+              </a:spcBef>
+              <a:buFont typeface="Arial" panose="020B0604020202020204" pitchFamily="34" charset="0"/>
+              <a:buNone/>
+              <a:defRPr sz="2000" kern="1200">
+                <a:solidFill>
+                  <a:schemeClr val="bg1">
+                    <a:lumMod val="75000"/>
+                  </a:schemeClr>
+                </a:solidFill>
+                <a:latin typeface="+mn-lt"/>
+                <a:ea typeface="+mn-ea"/>
+                <a:cs typeface="+mn-cs"/>
+              </a:defRPr>
+            </a:lvl1pPr>
+            <a:lvl2pPr marL="685800" indent="-228600" algn="l" defTabSz="914400" rtl="0" eaLnBrk="1" latinLnBrk="0" hangingPunct="1">
+              <a:lnSpc>
+                <a:spcPct val="90000"/>
+              </a:lnSpc>
+              <a:spcBef>
+                <a:spcPts val="500"/>
+              </a:spcBef>
+              <a:buFont typeface="Arial" panose="020B0604020202020204" pitchFamily="34" charset="0"/>
+              <a:buChar char="•"/>
+              <a:defRPr sz="2400" kern="1200">
+                <a:solidFill>
+                  <a:schemeClr val="tx1"/>
+                </a:solidFill>
+                <a:latin typeface="+mn-lt"/>
+                <a:ea typeface="+mn-ea"/>
+                <a:cs typeface="+mn-cs"/>
+              </a:defRPr>
+            </a:lvl2pPr>
+            <a:lvl3pPr marL="1143000" indent="-228600" algn="l" defTabSz="914400" rtl="0" eaLnBrk="1" latinLnBrk="0" hangingPunct="1">
+              <a:lnSpc>
+                <a:spcPct val="90000"/>
+              </a:lnSpc>
+              <a:spcBef>
+                <a:spcPts val="500"/>
+              </a:spcBef>
+              <a:buFont typeface="Arial" panose="020B0604020202020204" pitchFamily="34" charset="0"/>
+              <a:buChar char="•"/>
+              <a:defRPr sz="2000" kern="1200">
+                <a:solidFill>
+                  <a:schemeClr val="tx1"/>
+                </a:solidFill>
+                <a:latin typeface="+mn-lt"/>
+                <a:ea typeface="+mn-ea"/>
+                <a:cs typeface="+mn-cs"/>
+              </a:defRPr>
+            </a:lvl3pPr>
+            <a:lvl4pPr marL="1600200" indent="-228600" algn="l" defTabSz="914400" rtl="0" eaLnBrk="1" latinLnBrk="0" hangingPunct="1">
+              <a:lnSpc>
+                <a:spcPct val="90000"/>
+              </a:lnSpc>
+              <a:spcBef>
+                <a:spcPts val="500"/>
+              </a:spcBef>
+              <a:buFont typeface="Arial" panose="020B0604020202020204" pitchFamily="34" charset="0"/>
+              <a:buChar char="•"/>
+              <a:defRPr sz="1800" kern="1200">
+                <a:solidFill>
+                  <a:schemeClr val="tx1"/>
+                </a:solidFill>
+                <a:latin typeface="+mn-lt"/>
+                <a:ea typeface="+mn-ea"/>
+                <a:cs typeface="+mn-cs"/>
+              </a:defRPr>
+            </a:lvl4pPr>
+            <a:lvl5pPr marL="2057400" indent="-228600" algn="l" defTabSz="914400" rtl="0" eaLnBrk="1" latinLnBrk="0" hangingPunct="1">
+              <a:lnSpc>
+                <a:spcPct val="90000"/>
+              </a:lnSpc>
+              <a:spcBef>
+                <a:spcPts val="500"/>
+              </a:spcBef>
+              <a:buFont typeface="Arial" panose="020B0604020202020204" pitchFamily="34" charset="0"/>
+              <a:buChar char="•"/>
+              <a:defRPr sz="1800" kern="1200">
+                <a:solidFill>
+                  <a:schemeClr val="tx1"/>
+                </a:solidFill>
+                <a:latin typeface="+mn-lt"/>
+                <a:ea typeface="+mn-ea"/>
+                <a:cs typeface="+mn-cs"/>
+              </a:defRPr>
+            </a:lvl5pPr>
+            <a:lvl6pPr marL="2514600" indent="-228600" algn="l" defTabSz="914400" rtl="0" eaLnBrk="1" latinLnBrk="0" hangingPunct="1">
+              <a:lnSpc>
+                <a:spcPct val="90000"/>
+              </a:lnSpc>
+              <a:spcBef>
+                <a:spcPts val="500"/>
+              </a:spcBef>
+              <a:buFont typeface="Arial" panose="020B0604020202020204" pitchFamily="34" charset="0"/>
+              <a:buChar char="•"/>
+              <a:defRPr sz="1800" kern="1200">
+                <a:solidFill>
+                  <a:schemeClr val="tx1"/>
+                </a:solidFill>
+                <a:latin typeface="+mn-lt"/>
+                <a:ea typeface="+mn-ea"/>
+                <a:cs typeface="+mn-cs"/>
+              </a:defRPr>
+            </a:lvl6pPr>
+            <a:lvl7pPr marL="2971800" indent="-228600" algn="l" defTabSz="914400" rtl="0" eaLnBrk="1" latinLnBrk="0" hangingPunct="1">
+              <a:lnSpc>
+                <a:spcPct val="90000"/>
+              </a:lnSpc>
+              <a:spcBef>
+                <a:spcPts val="500"/>
+              </a:spcBef>
+              <a:buFont typeface="Arial" panose="020B0604020202020204" pitchFamily="34" charset="0"/>
+              <a:buChar char="•"/>
+              <a:defRPr sz="1800" kern="1200">
+                <a:solidFill>
+                  <a:schemeClr val="tx1"/>
+                </a:solidFill>
+                <a:latin typeface="+mn-lt"/>
+                <a:ea typeface="+mn-ea"/>
+                <a:cs typeface="+mn-cs"/>
+              </a:defRPr>
+            </a:lvl7pPr>
+            <a:lvl8pPr marL="3429000" indent="-228600" algn="l" defTabSz="914400" rtl="0" eaLnBrk="1" latinLnBrk="0" hangingPunct="1">
+              <a:lnSpc>
+                <a:spcPct val="90000"/>
+              </a:lnSpc>
+              <a:spcBef>
+                <a:spcPts val="500"/>
+              </a:spcBef>
+              <a:buFont typeface="Arial" panose="020B0604020202020204" pitchFamily="34" charset="0"/>
+              <a:buChar char="•"/>
+              <a:defRPr sz="1800" kern="1200">
+                <a:solidFill>
+                  <a:schemeClr val="tx1"/>
+                </a:solidFill>
+                <a:latin typeface="+mn-lt"/>
+                <a:ea typeface="+mn-ea"/>
+                <a:cs typeface="+mn-cs"/>
+              </a:defRPr>
+            </a:lvl8pPr>
+            <a:lvl9pPr marL="3886200" indent="-228600" algn="l" defTabSz="914400" rtl="0" eaLnBrk="1" latinLnBrk="0" hangingPunct="1">
+              <a:lnSpc>
+                <a:spcPct val="90000"/>
+              </a:lnSpc>
+              <a:spcBef>
+                <a:spcPts val="500"/>
+              </a:spcBef>
+              <a:buFont typeface="Arial" panose="020B0604020202020204" pitchFamily="34" charset="0"/>
+              <a:buChar char="•"/>
+              <a:defRPr sz="1800" kern="1200">
+                <a:solidFill>
+                  <a:schemeClr val="tx1"/>
+                </a:solidFill>
+                <a:latin typeface="+mn-lt"/>
+                <a:ea typeface="+mn-ea"/>
+                <a:cs typeface="+mn-cs"/>
+              </a:defRPr>
+            </a:lvl9pPr>
+          </a:lstStyle>
+          <a:p>
+            <a:r>
+              <a:rPr lang="en-US" sz="3200" dirty="0">
+                <a:solidFill>
+                  <a:srgbClr val="0B2C4D"/>
+                </a:solidFill>
+                <a:latin typeface="Arial" panose="020B0604020202020204" pitchFamily="34" charset="0"/>
+                <a:cs typeface="Arial" panose="020B0604020202020204" pitchFamily="34" charset="0"/>
+              </a:rPr>
+              <a:t>Therapeutic Area Experience</a:t>
+            </a:r>
+          </a:p>
+        </p:txBody>
+      </p:sp>
+      <p:pic>
+        <p:nvPicPr>
+          <p:cNvPr id="9" name="Picture 8">
+            <a:extLst>
+              <a:ext uri="{FF2B5EF4-FFF2-40B4-BE49-F238E27FC236}">
+                <a16:creationId xmlns:a16="http://schemas.microsoft.com/office/drawing/2014/main" id="{88E01B47-9BF3-8E8E-81E8-CD3C929C6BC8}"/>
+              </a:ext>
+            </a:extLst>
+          </p:cNvPr>
+          <p:cNvPicPr>
+            <a:picLocks noChangeAspect="1"/>
+          </p:cNvPicPr>
+          <p:nvPr/>
+        </p:nvPicPr>
+        <p:blipFill>
+          <a:blip r:embed="rId2"/>
+          <a:stretch>
+            <a:fillRect/>
+          </a:stretch>
+        </p:blipFill>
+        <p:spPr>
+          <a:xfrm>
+            <a:off x="1861704" y="995362"/>
+            <a:ext cx="8468591" cy="5731722"/>
+          </a:xfrm>
+          <a:prstGeom prst="rect">
+            <a:avLst/>
+          </a:prstGeom>
+        </p:spPr>
+      </p:pic>
+    </p:spTree>
+    <p:extLst>
+      <p:ext uri="{BB962C8B-B14F-4D97-AF65-F5344CB8AC3E}">
+        <p14:creationId xmlns:p14="http://schemas.microsoft.com/office/powerpoint/2010/main" val="3222094533"/>
+      </p:ext>
+    </p:extLst>
+  </p:cSld>
+  <p:clrMapOvr>
+    <a:masterClrMapping/>
+  </p:clrMapOvr>
+</p:sld>
+</file>
+
+<file path=ppt/slides/slide4.xml><?xml version="1.0" encoding="utf-8"?>
+<p:sld xmlns:a="http://schemas.openxmlformats.org/drawingml/2006/main" xmlns:r="http://schemas.openxmlformats.org/officeDocument/2006/relationships" xmlns:p="http://schemas.openxmlformats.org/presentationml/2006/main">
+  <p:cSld>
+    <p:spTree>
+      <p:nvGrpSpPr>
+        <p:cNvPr id="1" name=""/>
+        <p:cNvGrpSpPr/>
+        <p:nvPr/>
+      </p:nvGrpSpPr>
+      <p:grpSpPr>
+        <a:xfrm>
+          <a:off x="0" y="0"/>
+          <a:ext cx="0" cy="0"/>
+          <a:chOff x="0" y="0"/>
+          <a:chExt cx="0" cy="0"/>
+        </a:xfrm>
+      </p:grpSpPr>
+      <p:sp>
+        <p:nvSpPr>
+          <p:cNvPr id="17" name="Rectangle 16">
+            <a:extLst>
+              <a:ext uri="{FF2B5EF4-FFF2-40B4-BE49-F238E27FC236}">
+                <a16:creationId xmlns:a16="http://schemas.microsoft.com/office/drawing/2014/main" id="{37DAADDE-8074-D513-33A3-050484DF4527}"/>
+              </a:ext>
+            </a:extLst>
+          </p:cNvPr>
+          <p:cNvSpPr/>
+          <p:nvPr/>
+        </p:nvSpPr>
+        <p:spPr>
+          <a:xfrm>
+            <a:off x="0" y="0"/>
+            <a:ext cx="12192000" cy="904009"/>
+          </a:xfrm>
+          <a:prstGeom prst="rect">
+            <a:avLst/>
+          </a:prstGeom>
+          <a:solidFill>
+            <a:srgbClr val="CBBDE6"/>
+          </a:solidFill>
+        </p:spPr>
+        <p:style>
+          <a:lnRef idx="2">
+            <a:schemeClr val="accent1">
+              <a:shade val="15000"/>
+            </a:schemeClr>
+          </a:lnRef>
+          <a:fillRef idx="1">
+            <a:schemeClr val="accent1"/>
+          </a:fillRef>
+          <a:effectRef idx="0">
+            <a:schemeClr val="accent1"/>
+          </a:effectRef>
+          <a:fontRef idx="minor">
+            <a:schemeClr val="lt1"/>
+          </a:fontRef>
+        </p:style>
+        <p:txBody>
+          <a:bodyPr rtlCol="0" anchor="ctr"/>
+          <a:lstStyle/>
+          <a:p>
+            <a:pPr algn="ctr"/>
+            <a:endParaRPr lang="en-US">
+              <a:latin typeface="Arial" panose="020B0604020202020204" pitchFamily="34" charset="0"/>
+              <a:cs typeface="Arial" panose="020B0604020202020204" pitchFamily="34" charset="0"/>
+            </a:endParaRPr>
+          </a:p>
+        </p:txBody>
+      </p:sp>
+      <p:sp>
+        <p:nvSpPr>
+          <p:cNvPr id="7" name="Picture Placeholder 9">
+            <a:extLst>
+              <a:ext uri="{FF2B5EF4-FFF2-40B4-BE49-F238E27FC236}">
+                <a16:creationId xmlns:a16="http://schemas.microsoft.com/office/drawing/2014/main" id="{E7A25D3B-90FB-999A-458F-7BA1C652466E}"/>
+              </a:ext>
+            </a:extLst>
+          </p:cNvPr>
+          <p:cNvSpPr txBox="1">
+            <a:spLocks/>
+          </p:cNvSpPr>
+          <p:nvPr/>
+        </p:nvSpPr>
+        <p:spPr>
+          <a:xfrm>
+            <a:off x="0" y="0"/>
+            <a:ext cx="12192000" cy="6858000"/>
+          </a:xfrm>
+          <a:prstGeom prst="rect">
+            <a:avLst/>
+          </a:prstGeom>
+          <a:solidFill>
+            <a:schemeClr val="bg1">
+              <a:lumMod val="95000"/>
+              <a:alpha val="50000"/>
+            </a:schemeClr>
+          </a:solidFill>
+        </p:spPr>
+        <p:txBody>
+          <a:bodyPr/>
+          <a:lstStyle>
+            <a:lvl1pPr marL="0" indent="0" algn="l" defTabSz="914400" rtl="0" eaLnBrk="1" latinLnBrk="0" hangingPunct="1">
+              <a:lnSpc>
+                <a:spcPct val="90000"/>
+              </a:lnSpc>
+              <a:spcBef>
+                <a:spcPts val="1000"/>
+              </a:spcBef>
+              <a:buFont typeface="Arial" panose="020B0604020202020204" pitchFamily="34" charset="0"/>
+              <a:buNone/>
+              <a:defRPr sz="2000" kern="1200">
+                <a:solidFill>
+                  <a:schemeClr val="bg1">
+                    <a:lumMod val="75000"/>
+                  </a:schemeClr>
+                </a:solidFill>
+                <a:latin typeface="+mn-lt"/>
+                <a:ea typeface="+mn-ea"/>
+                <a:cs typeface="+mn-cs"/>
+              </a:defRPr>
+            </a:lvl1pPr>
+            <a:lvl2pPr marL="685800" indent="-228600" algn="l" defTabSz="914400" rtl="0" eaLnBrk="1" latinLnBrk="0" hangingPunct="1">
+              <a:lnSpc>
+                <a:spcPct val="90000"/>
+              </a:lnSpc>
+              <a:spcBef>
+                <a:spcPts val="500"/>
+              </a:spcBef>
+              <a:buFont typeface="Arial" panose="020B0604020202020204" pitchFamily="34" charset="0"/>
+              <a:buChar char="•"/>
+              <a:defRPr sz="2400" kern="1200">
+                <a:solidFill>
+                  <a:schemeClr val="tx1"/>
+                </a:solidFill>
+                <a:latin typeface="+mn-lt"/>
+                <a:ea typeface="+mn-ea"/>
+                <a:cs typeface="+mn-cs"/>
+              </a:defRPr>
+            </a:lvl2pPr>
+            <a:lvl3pPr marL="1143000" indent="-228600" algn="l" defTabSz="914400" rtl="0" eaLnBrk="1" latinLnBrk="0" hangingPunct="1">
+              <a:lnSpc>
+                <a:spcPct val="90000"/>
+              </a:lnSpc>
+              <a:spcBef>
+                <a:spcPts val="500"/>
+              </a:spcBef>
+              <a:buFont typeface="Arial" panose="020B0604020202020204" pitchFamily="34" charset="0"/>
+              <a:buChar char="•"/>
+              <a:defRPr sz="2000" kern="1200">
+                <a:solidFill>
+                  <a:schemeClr val="tx1"/>
+                </a:solidFill>
+                <a:latin typeface="+mn-lt"/>
+                <a:ea typeface="+mn-ea"/>
+                <a:cs typeface="+mn-cs"/>
+              </a:defRPr>
+            </a:lvl3pPr>
+            <a:lvl4pPr marL="1600200" indent="-228600" algn="l" defTabSz="914400" rtl="0" eaLnBrk="1" latinLnBrk="0" hangingPunct="1">
+              <a:lnSpc>
+                <a:spcPct val="90000"/>
+              </a:lnSpc>
+              <a:spcBef>
+                <a:spcPts val="500"/>
+              </a:spcBef>
+              <a:buFont typeface="Arial" panose="020B0604020202020204" pitchFamily="34" charset="0"/>
+              <a:buChar char="•"/>
+              <a:defRPr sz="1800" kern="1200">
+                <a:solidFill>
+                  <a:schemeClr val="tx1"/>
+                </a:solidFill>
+                <a:latin typeface="+mn-lt"/>
+                <a:ea typeface="+mn-ea"/>
+                <a:cs typeface="+mn-cs"/>
+              </a:defRPr>
+            </a:lvl4pPr>
+            <a:lvl5pPr marL="2057400" indent="-228600" algn="l" defTabSz="914400" rtl="0" eaLnBrk="1" latinLnBrk="0" hangingPunct="1">
+              <a:lnSpc>
+                <a:spcPct val="90000"/>
+              </a:lnSpc>
+              <a:spcBef>
+                <a:spcPts val="500"/>
+              </a:spcBef>
+              <a:buFont typeface="Arial" panose="020B0604020202020204" pitchFamily="34" charset="0"/>
+              <a:buChar char="•"/>
+              <a:defRPr sz="1800" kern="1200">
+                <a:solidFill>
+                  <a:schemeClr val="tx1"/>
+                </a:solidFill>
+                <a:latin typeface="+mn-lt"/>
+                <a:ea typeface="+mn-ea"/>
+                <a:cs typeface="+mn-cs"/>
+              </a:defRPr>
+            </a:lvl5pPr>
+            <a:lvl6pPr marL="2514600" indent="-228600" algn="l" defTabSz="914400" rtl="0" eaLnBrk="1" latinLnBrk="0" hangingPunct="1">
+              <a:lnSpc>
+                <a:spcPct val="90000"/>
+              </a:lnSpc>
+              <a:spcBef>
+                <a:spcPts val="500"/>
+              </a:spcBef>
+              <a:buFont typeface="Arial" panose="020B0604020202020204" pitchFamily="34" charset="0"/>
+              <a:buChar char="•"/>
+              <a:defRPr sz="1800" kern="1200">
+                <a:solidFill>
+                  <a:schemeClr val="tx1"/>
+                </a:solidFill>
+                <a:latin typeface="+mn-lt"/>
+                <a:ea typeface="+mn-ea"/>
+                <a:cs typeface="+mn-cs"/>
+              </a:defRPr>
+            </a:lvl6pPr>
+            <a:lvl7pPr marL="2971800" indent="-228600" algn="l" defTabSz="914400" rtl="0" eaLnBrk="1" latinLnBrk="0" hangingPunct="1">
+              <a:lnSpc>
+                <a:spcPct val="90000"/>
+              </a:lnSpc>
+              <a:spcBef>
+                <a:spcPts val="500"/>
+              </a:spcBef>
+              <a:buFont typeface="Arial" panose="020B0604020202020204" pitchFamily="34" charset="0"/>
+              <a:buChar char="•"/>
+              <a:defRPr sz="1800" kern="1200">
+                <a:solidFill>
+                  <a:schemeClr val="tx1"/>
+                </a:solidFill>
+                <a:latin typeface="+mn-lt"/>
+                <a:ea typeface="+mn-ea"/>
+                <a:cs typeface="+mn-cs"/>
+              </a:defRPr>
+            </a:lvl7pPr>
+            <a:lvl8pPr marL="3429000" indent="-228600" algn="l" defTabSz="914400" rtl="0" eaLnBrk="1" latinLnBrk="0" hangingPunct="1">
+              <a:lnSpc>
+                <a:spcPct val="90000"/>
+              </a:lnSpc>
+              <a:spcBef>
+                <a:spcPts val="500"/>
+              </a:spcBef>
+              <a:buFont typeface="Arial" panose="020B0604020202020204" pitchFamily="34" charset="0"/>
+              <a:buChar char="•"/>
+              <a:defRPr sz="1800" kern="1200">
+                <a:solidFill>
+                  <a:schemeClr val="tx1"/>
+                </a:solidFill>
+                <a:latin typeface="+mn-lt"/>
+                <a:ea typeface="+mn-ea"/>
+                <a:cs typeface="+mn-cs"/>
+              </a:defRPr>
+            </a:lvl8pPr>
+            <a:lvl9pPr marL="3886200" indent="-228600" algn="l" defTabSz="914400" rtl="0" eaLnBrk="1" latinLnBrk="0" hangingPunct="1">
+              <a:lnSpc>
+                <a:spcPct val="90000"/>
+              </a:lnSpc>
+              <a:spcBef>
+                <a:spcPts val="500"/>
+              </a:spcBef>
+              <a:buFont typeface="Arial" panose="020B0604020202020204" pitchFamily="34" charset="0"/>
+              <a:buChar char="•"/>
+              <a:defRPr sz="1800" kern="1200">
+                <a:solidFill>
+                  <a:schemeClr val="tx1"/>
+                </a:solidFill>
+                <a:latin typeface="+mn-lt"/>
+                <a:ea typeface="+mn-ea"/>
+                <a:cs typeface="+mn-cs"/>
+              </a:defRPr>
+            </a:lvl9pPr>
+          </a:lstStyle>
+          <a:p>
+            <a:r>
+              <a:rPr lang="en-US" sz="3200" dirty="0">
+                <a:solidFill>
+                  <a:srgbClr val="0B2C4D"/>
+                </a:solidFill>
+                <a:latin typeface="Arial" panose="020B0604020202020204" pitchFamily="34" charset="0"/>
+                <a:cs typeface="Arial" panose="020B0604020202020204" pitchFamily="34" charset="0"/>
+              </a:rPr>
+              <a:t>Study Design</a:t>
+            </a:r>
+          </a:p>
+        </p:txBody>
+      </p:sp>
+      <p:sp>
+        <p:nvSpPr>
+          <p:cNvPr id="6" name="Freeform 5">
+            <a:extLst>
+              <a:ext uri="{FF2B5EF4-FFF2-40B4-BE49-F238E27FC236}">
+                <a16:creationId xmlns:a16="http://schemas.microsoft.com/office/drawing/2014/main" id="{FD920464-0B69-929F-A91E-32BB2D278846}"/>
+              </a:ext>
+            </a:extLst>
+          </p:cNvPr>
+          <p:cNvSpPr/>
+          <p:nvPr/>
+        </p:nvSpPr>
+        <p:spPr bwMode="auto">
+          <a:xfrm>
+            <a:off x="583059" y="1743209"/>
+            <a:ext cx="1599658" cy="3667957"/>
+          </a:xfrm>
+          <a:custGeom>
+            <a:avLst/>
+            <a:gdLst>
+              <a:gd name="T0" fmla="*/ 130 w 258"/>
+              <a:gd name="T1" fmla="*/ 0 h 590"/>
+              <a:gd name="T2" fmla="*/ 128 w 258"/>
+              <a:gd name="T3" fmla="*/ 0 h 590"/>
+              <a:gd name="T4" fmla="*/ 0 w 258"/>
+              <a:gd name="T5" fmla="*/ 128 h 590"/>
+              <a:gd name="T6" fmla="*/ 0 w 258"/>
+              <a:gd name="T7" fmla="*/ 590 h 590"/>
+              <a:gd name="T8" fmla="*/ 258 w 258"/>
+              <a:gd name="T9" fmla="*/ 590 h 590"/>
+              <a:gd name="T10" fmla="*/ 258 w 258"/>
+              <a:gd name="T11" fmla="*/ 128 h 590"/>
+              <a:gd name="T12" fmla="*/ 130 w 258"/>
+              <a:gd name="T13" fmla="*/ 0 h 590"/>
+            </a:gdLst>
+            <a:ahLst/>
+            <a:cxnLst>
+              <a:cxn ang="0">
+                <a:pos x="T0" y="T1"/>
+              </a:cxn>
+              <a:cxn ang="0">
+                <a:pos x="T2" y="T3"/>
+              </a:cxn>
+              <a:cxn ang="0">
+                <a:pos x="T4" y="T5"/>
+              </a:cxn>
+              <a:cxn ang="0">
+                <a:pos x="T6" y="T7"/>
+              </a:cxn>
+              <a:cxn ang="0">
+                <a:pos x="T8" y="T9"/>
+              </a:cxn>
+              <a:cxn ang="0">
+                <a:pos x="T10" y="T11"/>
+              </a:cxn>
+              <a:cxn ang="0">
+                <a:pos x="T12" y="T13"/>
+              </a:cxn>
+            </a:cxnLst>
+            <a:rect l="0" t="0" r="r" b="b"/>
+            <a:pathLst>
+              <a:path w="258" h="590">
+                <a:moveTo>
+                  <a:pt x="130" y="0"/>
+                </a:moveTo>
+                <a:cubicBezTo>
+                  <a:pt x="128" y="0"/>
+                  <a:pt x="128" y="0"/>
+                  <a:pt x="128" y="0"/>
+                </a:cubicBezTo>
+                <a:cubicBezTo>
+                  <a:pt x="57" y="0"/>
+                  <a:pt x="0" y="57"/>
+                  <a:pt x="0" y="128"/>
+                </a:cubicBezTo>
+                <a:cubicBezTo>
+                  <a:pt x="0" y="590"/>
+                  <a:pt x="0" y="590"/>
+                  <a:pt x="0" y="590"/>
+                </a:cubicBezTo>
+                <a:cubicBezTo>
+                  <a:pt x="258" y="590"/>
+                  <a:pt x="258" y="590"/>
+                  <a:pt x="258" y="590"/>
+                </a:cubicBezTo>
+                <a:cubicBezTo>
+                  <a:pt x="258" y="128"/>
+                  <a:pt x="258" y="128"/>
+                  <a:pt x="258" y="128"/>
+                </a:cubicBezTo>
+                <a:cubicBezTo>
+                  <a:pt x="258" y="57"/>
+                  <a:pt x="201" y="0"/>
+                  <a:pt x="130" y="0"/>
+                </a:cubicBezTo>
+              </a:path>
+            </a:pathLst>
+          </a:custGeom>
+          <a:solidFill>
+            <a:srgbClr val="D1CC62"/>
+          </a:solidFill>
+          <a:ln w="12700" cap="flat" cmpd="sng" algn="ctr">
+            <a:noFill/>
+            <a:prstDash val="solid"/>
+            <a:miter lim="800000"/>
+          </a:ln>
+          <a:effectLst>
+            <a:outerShdw blurRad="63500" algn="ctr" rotWithShape="0">
+              <a:prstClr val="black">
+                <a:alpha val="40000"/>
+              </a:prstClr>
+            </a:outerShdw>
+          </a:effectLst>
+        </p:spPr>
+        <p:txBody>
+          <a:bodyPr wrap="square" rtlCol="0" anchor="ctr">
+            <a:noAutofit/>
+          </a:bodyPr>
+          <a:lstStyle/>
+          <a:p>
+            <a:pPr algn="ctr" defTabSz="650230">
+              <a:defRPr/>
+            </a:pPr>
+            <a:endParaRPr lang="zh-CN" altLang="en-US" sz="1280" kern="0">
+              <a:solidFill>
+                <a:prstClr val="white"/>
+              </a:solidFill>
+              <a:latin typeface="Arial" panose="020B0604020202020204" pitchFamily="34" charset="0"/>
+              <a:ea typeface="宋体" panose="02010600030101010101" pitchFamily="2" charset="-122"/>
+              <a:cs typeface="Arial" panose="020B0604020202020204" pitchFamily="34" charset="0"/>
+            </a:endParaRPr>
+          </a:p>
+        </p:txBody>
+      </p:sp>
+      <p:sp>
+        <p:nvSpPr>
+          <p:cNvPr id="8" name="Oval 6">
+            <a:extLst>
+              <a:ext uri="{FF2B5EF4-FFF2-40B4-BE49-F238E27FC236}">
+                <a16:creationId xmlns:a16="http://schemas.microsoft.com/office/drawing/2014/main" id="{91454346-C141-A094-4B97-A40EE3EE802E}"/>
+              </a:ext>
+            </a:extLst>
+          </p:cNvPr>
+          <p:cNvSpPr>
+            <a:spLocks noChangeArrowheads="1"/>
+          </p:cNvSpPr>
+          <p:nvPr/>
+        </p:nvSpPr>
+        <p:spPr bwMode="auto">
+          <a:xfrm>
+            <a:off x="658985" y="1815206"/>
+            <a:ext cx="1463517" cy="1466135"/>
+          </a:xfrm>
+          <a:prstGeom prst="ellipse">
+            <a:avLst/>
+          </a:prstGeom>
+          <a:gradFill>
+            <a:gsLst>
+              <a:gs pos="0">
+                <a:srgbClr val="FFFFFF"/>
+              </a:gs>
+              <a:gs pos="100000">
+                <a:sysClr val="window" lastClr="FFFFFF">
+                  <a:lumMod val="95000"/>
+                </a:sysClr>
+              </a:gs>
+            </a:gsLst>
+            <a:lin ang="15000000" scaled="0"/>
+          </a:gradFill>
+          <a:ln w="25400" cap="flat" cmpd="sng" algn="ctr">
+            <a:gradFill>
+              <a:gsLst>
+                <a:gs pos="0">
+                  <a:sysClr val="window" lastClr="FFFFFF"/>
+                </a:gs>
+                <a:gs pos="100000">
+                  <a:sysClr val="window" lastClr="FFFFFF">
+                    <a:lumMod val="95000"/>
+                  </a:sysClr>
+                </a:gs>
+              </a:gsLst>
+              <a:lin ang="5400000" scaled="1"/>
+            </a:gradFill>
+            <a:prstDash val="solid"/>
+            <a:miter lim="800000"/>
+          </a:ln>
+          <a:effectLst>
+            <a:outerShdw blurRad="63500" sx="103000" sy="103000" algn="ctr" rotWithShape="0">
+              <a:prstClr val="black">
+                <a:alpha val="11000"/>
+              </a:prstClr>
+            </a:outerShdw>
+          </a:effectLst>
+        </p:spPr>
+        <p:txBody>
+          <a:bodyPr rtlCol="0" anchor="ctr"/>
+          <a:lstStyle/>
+          <a:p>
+            <a:pPr algn="ctr" defTabSz="650230">
+              <a:defRPr/>
+            </a:pPr>
+            <a:endParaRPr lang="zh-CN" altLang="en-US" sz="1280" kern="0" dirty="0">
+              <a:solidFill>
+                <a:prstClr val="white"/>
+              </a:solidFill>
+              <a:latin typeface="Arial" panose="020B0604020202020204" pitchFamily="34" charset="0"/>
+              <a:ea typeface="宋体" panose="02010600030101010101" pitchFamily="2" charset="-122"/>
+              <a:cs typeface="Arial" panose="020B0604020202020204" pitchFamily="34" charset="0"/>
+            </a:endParaRPr>
+          </a:p>
+        </p:txBody>
+      </p:sp>
+      <p:sp>
+        <p:nvSpPr>
+          <p:cNvPr id="14" name="Freeform 11">
+            <a:extLst>
+              <a:ext uri="{FF2B5EF4-FFF2-40B4-BE49-F238E27FC236}">
+                <a16:creationId xmlns:a16="http://schemas.microsoft.com/office/drawing/2014/main" id="{D83E11CB-87C3-E995-32BA-969596914505}"/>
+              </a:ext>
+            </a:extLst>
+          </p:cNvPr>
+          <p:cNvSpPr/>
+          <p:nvPr/>
+        </p:nvSpPr>
+        <p:spPr bwMode="auto">
+          <a:xfrm>
+            <a:off x="2481180" y="1743209"/>
+            <a:ext cx="1599658" cy="3667957"/>
+          </a:xfrm>
+          <a:custGeom>
+            <a:avLst/>
+            <a:gdLst>
+              <a:gd name="T0" fmla="*/ 130 w 258"/>
+              <a:gd name="T1" fmla="*/ 0 h 590"/>
+              <a:gd name="T2" fmla="*/ 128 w 258"/>
+              <a:gd name="T3" fmla="*/ 0 h 590"/>
+              <a:gd name="T4" fmla="*/ 0 w 258"/>
+              <a:gd name="T5" fmla="*/ 128 h 590"/>
+              <a:gd name="T6" fmla="*/ 0 w 258"/>
+              <a:gd name="T7" fmla="*/ 590 h 590"/>
+              <a:gd name="T8" fmla="*/ 258 w 258"/>
+              <a:gd name="T9" fmla="*/ 590 h 590"/>
+              <a:gd name="T10" fmla="*/ 258 w 258"/>
+              <a:gd name="T11" fmla="*/ 128 h 590"/>
+              <a:gd name="T12" fmla="*/ 130 w 258"/>
+              <a:gd name="T13" fmla="*/ 0 h 590"/>
+            </a:gdLst>
+            <a:ahLst/>
+            <a:cxnLst>
+              <a:cxn ang="0">
+                <a:pos x="T0" y="T1"/>
+              </a:cxn>
+              <a:cxn ang="0">
+                <a:pos x="T2" y="T3"/>
+              </a:cxn>
+              <a:cxn ang="0">
+                <a:pos x="T4" y="T5"/>
+              </a:cxn>
+              <a:cxn ang="0">
+                <a:pos x="T6" y="T7"/>
+              </a:cxn>
+              <a:cxn ang="0">
+                <a:pos x="T8" y="T9"/>
+              </a:cxn>
+              <a:cxn ang="0">
+                <a:pos x="T10" y="T11"/>
+              </a:cxn>
+              <a:cxn ang="0">
+                <a:pos x="T12" y="T13"/>
+              </a:cxn>
+            </a:cxnLst>
+            <a:rect l="0" t="0" r="r" b="b"/>
+            <a:pathLst>
+              <a:path w="258" h="590">
+                <a:moveTo>
+                  <a:pt x="130" y="0"/>
+                </a:moveTo>
+                <a:cubicBezTo>
+                  <a:pt x="128" y="0"/>
+                  <a:pt x="128" y="0"/>
+                  <a:pt x="128" y="0"/>
+                </a:cubicBezTo>
+                <a:cubicBezTo>
+                  <a:pt x="57" y="0"/>
+                  <a:pt x="0" y="57"/>
+                  <a:pt x="0" y="128"/>
+                </a:cubicBezTo>
+                <a:cubicBezTo>
+                  <a:pt x="0" y="590"/>
+                  <a:pt x="0" y="590"/>
+                  <a:pt x="0" y="590"/>
+                </a:cubicBezTo>
+                <a:cubicBezTo>
+                  <a:pt x="258" y="590"/>
+                  <a:pt x="258" y="590"/>
+                  <a:pt x="258" y="590"/>
+                </a:cubicBezTo>
+                <a:cubicBezTo>
+                  <a:pt x="258" y="128"/>
+                  <a:pt x="258" y="128"/>
+                  <a:pt x="258" y="128"/>
+                </a:cubicBezTo>
+                <a:cubicBezTo>
+                  <a:pt x="258" y="57"/>
+                  <a:pt x="201" y="0"/>
+                  <a:pt x="130" y="0"/>
+                </a:cubicBezTo>
+              </a:path>
+            </a:pathLst>
+          </a:custGeom>
+          <a:solidFill>
+            <a:srgbClr val="8FC03F"/>
+          </a:solidFill>
+          <a:ln w="12700" cap="flat" cmpd="sng" algn="ctr">
+            <a:noFill/>
+            <a:prstDash val="solid"/>
+            <a:miter lim="800000"/>
+          </a:ln>
+          <a:effectLst>
+            <a:outerShdw blurRad="63500" algn="ctr" rotWithShape="0">
+              <a:prstClr val="black">
+                <a:alpha val="40000"/>
+              </a:prstClr>
+            </a:outerShdw>
+          </a:effectLst>
+        </p:spPr>
+        <p:txBody>
+          <a:bodyPr wrap="square" rtlCol="0" anchor="ctr">
+            <a:noAutofit/>
+          </a:bodyPr>
+          <a:lstStyle/>
+          <a:p>
+            <a:pPr algn="ctr" defTabSz="650230">
+              <a:defRPr/>
+            </a:pPr>
+            <a:endParaRPr lang="zh-CN" altLang="en-US" sz="1280" kern="0">
+              <a:solidFill>
+                <a:prstClr val="white"/>
+              </a:solidFill>
+              <a:latin typeface="Arial" panose="020B0604020202020204" pitchFamily="34" charset="0"/>
+              <a:ea typeface="宋体" panose="02010600030101010101" pitchFamily="2" charset="-122"/>
+              <a:cs typeface="Arial" panose="020B0604020202020204" pitchFamily="34" charset="0"/>
+            </a:endParaRPr>
+          </a:p>
+        </p:txBody>
+      </p:sp>
+      <p:sp>
+        <p:nvSpPr>
+          <p:cNvPr id="15" name="Oval 12">
+            <a:extLst>
+              <a:ext uri="{FF2B5EF4-FFF2-40B4-BE49-F238E27FC236}">
+                <a16:creationId xmlns:a16="http://schemas.microsoft.com/office/drawing/2014/main" id="{334E4C7C-078A-EA54-FF66-053B93EC5E2C}"/>
+              </a:ext>
+            </a:extLst>
+          </p:cNvPr>
+          <p:cNvSpPr>
+            <a:spLocks noChangeArrowheads="1"/>
+          </p:cNvSpPr>
+          <p:nvPr/>
+        </p:nvSpPr>
+        <p:spPr bwMode="auto">
+          <a:xfrm>
+            <a:off x="2549251" y="1819135"/>
+            <a:ext cx="1463517" cy="1466135"/>
+          </a:xfrm>
+          <a:prstGeom prst="ellipse">
+            <a:avLst/>
+          </a:prstGeom>
+          <a:gradFill>
+            <a:gsLst>
+              <a:gs pos="0">
+                <a:srgbClr val="FFFFFF"/>
+              </a:gs>
+              <a:gs pos="100000">
+                <a:sysClr val="window" lastClr="FFFFFF">
+                  <a:lumMod val="95000"/>
+                </a:sysClr>
+              </a:gs>
+            </a:gsLst>
+            <a:lin ang="15000000" scaled="0"/>
+          </a:gradFill>
+          <a:ln w="25400" cap="flat" cmpd="sng" algn="ctr">
+            <a:gradFill>
+              <a:gsLst>
+                <a:gs pos="0">
+                  <a:sysClr val="window" lastClr="FFFFFF"/>
+                </a:gs>
+                <a:gs pos="100000">
+                  <a:sysClr val="window" lastClr="FFFFFF">
+                    <a:lumMod val="95000"/>
+                  </a:sysClr>
+                </a:gs>
+              </a:gsLst>
+              <a:lin ang="5400000" scaled="1"/>
+            </a:gradFill>
+            <a:prstDash val="solid"/>
+            <a:miter lim="800000"/>
+          </a:ln>
+          <a:effectLst>
+            <a:outerShdw blurRad="63500" sx="103000" sy="103000" algn="ctr" rotWithShape="0">
+              <a:prstClr val="black">
+                <a:alpha val="11000"/>
+              </a:prstClr>
+            </a:outerShdw>
+          </a:effectLst>
+        </p:spPr>
+        <p:txBody>
+          <a:bodyPr rtlCol="0" anchor="ctr"/>
+          <a:lstStyle/>
+          <a:p>
+            <a:pPr algn="ctr" defTabSz="650230">
+              <a:defRPr/>
+            </a:pPr>
+            <a:endParaRPr lang="zh-CN" altLang="en-US" sz="1280" kern="0">
+              <a:solidFill>
+                <a:prstClr val="white"/>
+              </a:solidFill>
+              <a:latin typeface="Arial" panose="020B0604020202020204" pitchFamily="34" charset="0"/>
+              <a:ea typeface="宋体" panose="02010600030101010101" pitchFamily="2" charset="-122"/>
+              <a:cs typeface="Arial" panose="020B0604020202020204" pitchFamily="34" charset="0"/>
+            </a:endParaRPr>
+          </a:p>
+        </p:txBody>
+      </p:sp>
+      <p:grpSp>
+        <p:nvGrpSpPr>
+          <p:cNvPr id="16" name="组合 18">
+            <a:extLst>
+              <a:ext uri="{FF2B5EF4-FFF2-40B4-BE49-F238E27FC236}">
+                <a16:creationId xmlns:a16="http://schemas.microsoft.com/office/drawing/2014/main" id="{C29BE5F7-D7CF-9EEE-0D55-DC383402C051}"/>
+              </a:ext>
+            </a:extLst>
+          </p:cNvPr>
+          <p:cNvGrpSpPr/>
+          <p:nvPr/>
+        </p:nvGrpSpPr>
+        <p:grpSpPr>
+          <a:xfrm>
+            <a:off x="2965528" y="2211850"/>
+            <a:ext cx="662379" cy="657142"/>
+            <a:chOff x="4283040" y="2358961"/>
+            <a:chExt cx="931470" cy="924106"/>
+          </a:xfrm>
+          <a:solidFill>
+            <a:srgbClr val="344F56"/>
+          </a:solidFill>
+        </p:grpSpPr>
+        <p:sp>
+          <p:nvSpPr>
+            <p:cNvPr id="19" name="Freeform 13">
+              <a:extLst>
+                <a:ext uri="{FF2B5EF4-FFF2-40B4-BE49-F238E27FC236}">
+                  <a16:creationId xmlns:a16="http://schemas.microsoft.com/office/drawing/2014/main" id="{F766F9B1-A2F9-E9CD-2981-37246A439AB2}"/>
+                </a:ext>
+              </a:extLst>
+            </p:cNvPr>
+            <p:cNvSpPr/>
+            <p:nvPr/>
+          </p:nvSpPr>
+          <p:spPr bwMode="auto">
+            <a:xfrm>
+              <a:off x="4463443" y="2620361"/>
+              <a:ext cx="482303" cy="478621"/>
+            </a:xfrm>
+            <a:custGeom>
+              <a:avLst/>
+              <a:gdLst>
+                <a:gd name="T0" fmla="*/ 47 w 55"/>
+                <a:gd name="T1" fmla="*/ 27 h 55"/>
+                <a:gd name="T2" fmla="*/ 28 w 55"/>
+                <a:gd name="T3" fmla="*/ 46 h 55"/>
+                <a:gd name="T4" fmla="*/ 9 w 55"/>
+                <a:gd name="T5" fmla="*/ 27 h 55"/>
+                <a:gd name="T6" fmla="*/ 28 w 55"/>
+                <a:gd name="T7" fmla="*/ 9 h 55"/>
+                <a:gd name="T8" fmla="*/ 38 w 55"/>
+                <a:gd name="T9" fmla="*/ 11 h 55"/>
+                <a:gd name="T10" fmla="*/ 44 w 55"/>
+                <a:gd name="T11" fmla="*/ 5 h 55"/>
+                <a:gd name="T12" fmla="*/ 28 w 55"/>
+                <a:gd name="T13" fmla="*/ 0 h 55"/>
+                <a:gd name="T14" fmla="*/ 0 w 55"/>
+                <a:gd name="T15" fmla="*/ 27 h 55"/>
+                <a:gd name="T16" fmla="*/ 28 w 55"/>
+                <a:gd name="T17" fmla="*/ 55 h 55"/>
+                <a:gd name="T18" fmla="*/ 55 w 55"/>
+                <a:gd name="T19" fmla="*/ 27 h 55"/>
+                <a:gd name="T20" fmla="*/ 50 w 55"/>
+                <a:gd name="T21" fmla="*/ 11 h 55"/>
+                <a:gd name="T22" fmla="*/ 44 w 55"/>
+                <a:gd name="T23" fmla="*/ 18 h 55"/>
+                <a:gd name="T24" fmla="*/ 47 w 55"/>
+                <a:gd name="T25" fmla="*/ 27 h 55"/>
+              </a:gdLst>
+              <a:ahLst/>
+              <a:cxnLst>
+                <a:cxn ang="0">
+                  <a:pos x="T0" y="T1"/>
+                </a:cxn>
+                <a:cxn ang="0">
+                  <a:pos x="T2" y="T3"/>
+                </a:cxn>
+                <a:cxn ang="0">
+                  <a:pos x="T4" y="T5"/>
+                </a:cxn>
+                <a:cxn ang="0">
+                  <a:pos x="T6" y="T7"/>
+                </a:cxn>
+                <a:cxn ang="0">
+                  <a:pos x="T8" y="T9"/>
+                </a:cxn>
+                <a:cxn ang="0">
+                  <a:pos x="T10" y="T11"/>
+                </a:cxn>
+                <a:cxn ang="0">
+                  <a:pos x="T12" y="T13"/>
+                </a:cxn>
+                <a:cxn ang="0">
+                  <a:pos x="T14" y="T15"/>
+                </a:cxn>
+                <a:cxn ang="0">
+                  <a:pos x="T16" y="T17"/>
+                </a:cxn>
+                <a:cxn ang="0">
+                  <a:pos x="T18" y="T19"/>
+                </a:cxn>
+                <a:cxn ang="0">
+                  <a:pos x="T20" y="T21"/>
+                </a:cxn>
+                <a:cxn ang="0">
+                  <a:pos x="T22" y="T23"/>
+                </a:cxn>
+                <a:cxn ang="0">
+                  <a:pos x="T24" y="T25"/>
+                </a:cxn>
+              </a:cxnLst>
+              <a:rect l="0" t="0" r="r" b="b"/>
+              <a:pathLst>
+                <a:path w="55" h="55">
+                  <a:moveTo>
+                    <a:pt x="47" y="27"/>
+                  </a:moveTo>
+                  <a:cubicBezTo>
+                    <a:pt x="47" y="38"/>
+                    <a:pt x="38" y="46"/>
+                    <a:pt x="28" y="46"/>
+                  </a:cubicBezTo>
+                  <a:cubicBezTo>
+                    <a:pt x="18" y="46"/>
+                    <a:pt x="9" y="38"/>
+                    <a:pt x="9" y="27"/>
+                  </a:cubicBezTo>
+                  <a:cubicBezTo>
+                    <a:pt x="9" y="17"/>
+                    <a:pt x="18" y="9"/>
+                    <a:pt x="28" y="9"/>
+                  </a:cubicBezTo>
+                  <a:cubicBezTo>
+                    <a:pt x="31" y="9"/>
+                    <a:pt x="35" y="10"/>
+                    <a:pt x="38" y="11"/>
+                  </a:cubicBezTo>
+                  <a:cubicBezTo>
+                    <a:pt x="44" y="5"/>
+                    <a:pt x="44" y="5"/>
+                    <a:pt x="44" y="5"/>
+                  </a:cubicBezTo>
+                  <a:cubicBezTo>
+                    <a:pt x="39" y="2"/>
+                    <a:pt x="34" y="0"/>
+                    <a:pt x="28" y="0"/>
+                  </a:cubicBezTo>
+                  <a:cubicBezTo>
+                    <a:pt x="13" y="0"/>
+                    <a:pt x="0" y="12"/>
+                    <a:pt x="0" y="27"/>
+                  </a:cubicBezTo>
+                  <a:cubicBezTo>
+                    <a:pt x="0" y="43"/>
+                    <a:pt x="13" y="55"/>
+                    <a:pt x="28" y="55"/>
+                  </a:cubicBezTo>
+                  <a:cubicBezTo>
+                    <a:pt x="43" y="55"/>
+                    <a:pt x="55" y="43"/>
+                    <a:pt x="55" y="27"/>
+                  </a:cubicBezTo>
+                  <a:cubicBezTo>
+                    <a:pt x="55" y="21"/>
+                    <a:pt x="53" y="16"/>
+                    <a:pt x="50" y="11"/>
+                  </a:cubicBezTo>
+                  <a:cubicBezTo>
+                    <a:pt x="44" y="18"/>
+                    <a:pt x="44" y="18"/>
+                    <a:pt x="44" y="18"/>
+                  </a:cubicBezTo>
+                  <a:cubicBezTo>
+                    <a:pt x="46" y="21"/>
+                    <a:pt x="47" y="24"/>
+                    <a:pt x="47" y="27"/>
+                  </a:cubicBezTo>
+                  <a:close/>
+                </a:path>
+              </a:pathLst>
+            </a:custGeom>
+            <a:grpFill/>
+            <a:ln>
+              <a:noFill/>
+            </a:ln>
+          </p:spPr>
+          <p:txBody>
+            <a:bodyPr vert="horz" wrap="square" lIns="65024" tIns="32512" rIns="65024" bIns="32512" numCol="1" anchor="t" anchorCtr="0" compatLnSpc="1"/>
+            <a:lstStyle/>
+            <a:p>
+              <a:endParaRPr lang="zh-CN" altLang="en-US" sz="1280">
+                <a:solidFill>
+                  <a:prstClr val="black"/>
+                </a:solidFill>
+                <a:latin typeface="Arial" panose="020B0604020202020204" pitchFamily="34" charset="0"/>
+                <a:cs typeface="Arial" panose="020B0604020202020204" pitchFamily="34" charset="0"/>
+              </a:endParaRPr>
+            </a:p>
+          </p:txBody>
+        </p:sp>
+        <p:sp>
+          <p:nvSpPr>
+            <p:cNvPr id="20" name="Freeform 14">
+              <a:extLst>
+                <a:ext uri="{FF2B5EF4-FFF2-40B4-BE49-F238E27FC236}">
+                  <a16:creationId xmlns:a16="http://schemas.microsoft.com/office/drawing/2014/main" id="{DB97A2A4-BCC6-14D1-D2E5-BD554C233864}"/>
+                </a:ext>
+              </a:extLst>
+            </p:cNvPr>
+            <p:cNvSpPr/>
+            <p:nvPr/>
+          </p:nvSpPr>
+          <p:spPr bwMode="auto">
+            <a:xfrm>
+              <a:off x="4632802" y="2786038"/>
+              <a:ext cx="154631" cy="147268"/>
+            </a:xfrm>
+            <a:custGeom>
+              <a:avLst/>
+              <a:gdLst>
+                <a:gd name="T0" fmla="*/ 12 w 18"/>
+                <a:gd name="T1" fmla="*/ 0 h 17"/>
+                <a:gd name="T2" fmla="*/ 9 w 18"/>
+                <a:gd name="T3" fmla="*/ 0 h 17"/>
+                <a:gd name="T4" fmla="*/ 0 w 18"/>
+                <a:gd name="T5" fmla="*/ 8 h 17"/>
+                <a:gd name="T6" fmla="*/ 9 w 18"/>
+                <a:gd name="T7" fmla="*/ 17 h 17"/>
+                <a:gd name="T8" fmla="*/ 18 w 18"/>
+                <a:gd name="T9" fmla="*/ 8 h 17"/>
+                <a:gd name="T10" fmla="*/ 17 w 18"/>
+                <a:gd name="T11" fmla="*/ 5 h 17"/>
+                <a:gd name="T12" fmla="*/ 9 w 18"/>
+                <a:gd name="T13" fmla="*/ 9 h 17"/>
+                <a:gd name="T14" fmla="*/ 12 w 18"/>
+                <a:gd name="T15" fmla="*/ 0 h 17"/>
+              </a:gdLst>
+              <a:ahLst/>
+              <a:cxnLst>
+                <a:cxn ang="0">
+                  <a:pos x="T0" y="T1"/>
+                </a:cxn>
+                <a:cxn ang="0">
+                  <a:pos x="T2" y="T3"/>
+                </a:cxn>
+                <a:cxn ang="0">
+                  <a:pos x="T4" y="T5"/>
+                </a:cxn>
+                <a:cxn ang="0">
+                  <a:pos x="T6" y="T7"/>
+                </a:cxn>
+                <a:cxn ang="0">
+                  <a:pos x="T8" y="T9"/>
+                </a:cxn>
+                <a:cxn ang="0">
+                  <a:pos x="T10" y="T11"/>
+                </a:cxn>
+                <a:cxn ang="0">
+                  <a:pos x="T12" y="T13"/>
+                </a:cxn>
+                <a:cxn ang="0">
+                  <a:pos x="T14" y="T15"/>
+                </a:cxn>
+              </a:cxnLst>
+              <a:rect l="0" t="0" r="r" b="b"/>
+              <a:pathLst>
+                <a:path w="18" h="17">
+                  <a:moveTo>
+                    <a:pt x="12" y="0"/>
+                  </a:moveTo>
+                  <a:cubicBezTo>
+                    <a:pt x="11" y="0"/>
+                    <a:pt x="10" y="0"/>
+                    <a:pt x="9" y="0"/>
+                  </a:cubicBezTo>
+                  <a:cubicBezTo>
+                    <a:pt x="4" y="0"/>
+                    <a:pt x="0" y="4"/>
+                    <a:pt x="0" y="8"/>
+                  </a:cubicBezTo>
+                  <a:cubicBezTo>
+                    <a:pt x="0" y="13"/>
+                    <a:pt x="4" y="17"/>
+                    <a:pt x="9" y="17"/>
+                  </a:cubicBezTo>
+                  <a:cubicBezTo>
+                    <a:pt x="14" y="17"/>
+                    <a:pt x="18" y="13"/>
+                    <a:pt x="18" y="8"/>
+                  </a:cubicBezTo>
+                  <a:cubicBezTo>
+                    <a:pt x="18" y="7"/>
+                    <a:pt x="17" y="6"/>
+                    <a:pt x="17" y="5"/>
+                  </a:cubicBezTo>
+                  <a:cubicBezTo>
+                    <a:pt x="9" y="9"/>
+                    <a:pt x="9" y="9"/>
+                    <a:pt x="9" y="9"/>
+                  </a:cubicBezTo>
+                  <a:lnTo>
+                    <a:pt x="12" y="0"/>
+                  </a:lnTo>
+                  <a:close/>
+                </a:path>
+              </a:pathLst>
+            </a:custGeom>
+            <a:grpFill/>
+            <a:ln>
+              <a:noFill/>
+            </a:ln>
+          </p:spPr>
+          <p:txBody>
+            <a:bodyPr vert="horz" wrap="square" lIns="65024" tIns="32512" rIns="65024" bIns="32512" numCol="1" anchor="t" anchorCtr="0" compatLnSpc="1"/>
+            <a:lstStyle/>
+            <a:p>
+              <a:endParaRPr lang="zh-CN" altLang="en-US" sz="1280">
+                <a:solidFill>
+                  <a:prstClr val="black"/>
+                </a:solidFill>
+                <a:latin typeface="Arial" panose="020B0604020202020204" pitchFamily="34" charset="0"/>
+                <a:cs typeface="Arial" panose="020B0604020202020204" pitchFamily="34" charset="0"/>
+              </a:endParaRPr>
+            </a:p>
+          </p:txBody>
+        </p:sp>
+        <p:sp>
+          <p:nvSpPr>
+            <p:cNvPr id="21" name="Freeform 15">
+              <a:extLst>
+                <a:ext uri="{FF2B5EF4-FFF2-40B4-BE49-F238E27FC236}">
+                  <a16:creationId xmlns:a16="http://schemas.microsoft.com/office/drawing/2014/main" id="{CF822369-5FA4-AD2C-297C-2587A98BF3D8}"/>
+                </a:ext>
+              </a:extLst>
+            </p:cNvPr>
+            <p:cNvSpPr/>
+            <p:nvPr/>
+          </p:nvSpPr>
+          <p:spPr bwMode="auto">
+            <a:xfrm>
+              <a:off x="4283040" y="2436276"/>
+              <a:ext cx="854155" cy="846791"/>
+            </a:xfrm>
+            <a:custGeom>
+              <a:avLst/>
+              <a:gdLst>
+                <a:gd name="T0" fmla="*/ 82 w 98"/>
+                <a:gd name="T1" fmla="*/ 22 h 97"/>
+                <a:gd name="T2" fmla="*/ 80 w 98"/>
+                <a:gd name="T3" fmla="*/ 23 h 97"/>
+                <a:gd name="T4" fmla="*/ 89 w 98"/>
+                <a:gd name="T5" fmla="*/ 48 h 97"/>
+                <a:gd name="T6" fmla="*/ 49 w 98"/>
+                <a:gd name="T7" fmla="*/ 88 h 97"/>
+                <a:gd name="T8" fmla="*/ 9 w 98"/>
+                <a:gd name="T9" fmla="*/ 48 h 97"/>
+                <a:gd name="T10" fmla="*/ 49 w 98"/>
+                <a:gd name="T11" fmla="*/ 8 h 97"/>
+                <a:gd name="T12" fmla="*/ 74 w 98"/>
+                <a:gd name="T13" fmla="*/ 17 h 97"/>
+                <a:gd name="T14" fmla="*/ 76 w 98"/>
+                <a:gd name="T15" fmla="*/ 15 h 97"/>
+                <a:gd name="T16" fmla="*/ 76 w 98"/>
+                <a:gd name="T17" fmla="*/ 8 h 97"/>
+                <a:gd name="T18" fmla="*/ 49 w 98"/>
+                <a:gd name="T19" fmla="*/ 0 h 97"/>
+                <a:gd name="T20" fmla="*/ 0 w 98"/>
+                <a:gd name="T21" fmla="*/ 48 h 97"/>
+                <a:gd name="T22" fmla="*/ 49 w 98"/>
+                <a:gd name="T23" fmla="*/ 97 h 97"/>
+                <a:gd name="T24" fmla="*/ 98 w 98"/>
+                <a:gd name="T25" fmla="*/ 48 h 97"/>
+                <a:gd name="T26" fmla="*/ 89 w 98"/>
+                <a:gd name="T27" fmla="*/ 21 h 97"/>
+                <a:gd name="T28" fmla="*/ 82 w 98"/>
+                <a:gd name="T29" fmla="*/ 22 h 97"/>
+              </a:gdLst>
+              <a:ahLst/>
+              <a:cxnLst>
+                <a:cxn ang="0">
+                  <a:pos x="T0" y="T1"/>
+                </a:cxn>
+                <a:cxn ang="0">
+                  <a:pos x="T2" y="T3"/>
+                </a:cxn>
+                <a:cxn ang="0">
+                  <a:pos x="T4" y="T5"/>
+                </a:cxn>
+                <a:cxn ang="0">
+                  <a:pos x="T6" y="T7"/>
+                </a:cxn>
+                <a:cxn ang="0">
+                  <a:pos x="T8" y="T9"/>
+                </a:cxn>
+                <a:cxn ang="0">
+                  <a:pos x="T10" y="T11"/>
+                </a:cxn>
+                <a:cxn ang="0">
+                  <a:pos x="T12" y="T13"/>
+                </a:cxn>
+                <a:cxn ang="0">
+                  <a:pos x="T14" y="T15"/>
+                </a:cxn>
+                <a:cxn ang="0">
+                  <a:pos x="T16" y="T17"/>
+                </a:cxn>
+                <a:cxn ang="0">
+                  <a:pos x="T18" y="T19"/>
+                </a:cxn>
+                <a:cxn ang="0">
+                  <a:pos x="T20" y="T21"/>
+                </a:cxn>
+                <a:cxn ang="0">
+                  <a:pos x="T22" y="T23"/>
+                </a:cxn>
+                <a:cxn ang="0">
+                  <a:pos x="T24" y="T25"/>
+                </a:cxn>
+                <a:cxn ang="0">
+                  <a:pos x="T26" y="T27"/>
+                </a:cxn>
+                <a:cxn ang="0">
+                  <a:pos x="T28" y="T29"/>
+                </a:cxn>
+              </a:cxnLst>
+              <a:rect l="0" t="0" r="r" b="b"/>
+              <a:pathLst>
+                <a:path w="98" h="97">
+                  <a:moveTo>
+                    <a:pt x="82" y="22"/>
+                  </a:moveTo>
+                  <a:cubicBezTo>
+                    <a:pt x="80" y="23"/>
+                    <a:pt x="80" y="23"/>
+                    <a:pt x="80" y="23"/>
+                  </a:cubicBezTo>
+                  <a:cubicBezTo>
+                    <a:pt x="86" y="30"/>
+                    <a:pt x="89" y="39"/>
+                    <a:pt x="89" y="48"/>
+                  </a:cubicBezTo>
+                  <a:cubicBezTo>
+                    <a:pt x="89" y="71"/>
+                    <a:pt x="71" y="88"/>
+                    <a:pt x="49" y="88"/>
+                  </a:cubicBezTo>
+                  <a:cubicBezTo>
+                    <a:pt x="27" y="88"/>
+                    <a:pt x="9" y="71"/>
+                    <a:pt x="9" y="48"/>
+                  </a:cubicBezTo>
+                  <a:cubicBezTo>
+                    <a:pt x="9" y="26"/>
+                    <a:pt x="27" y="8"/>
+                    <a:pt x="49" y="8"/>
+                  </a:cubicBezTo>
+                  <a:cubicBezTo>
+                    <a:pt x="58" y="8"/>
+                    <a:pt x="67" y="12"/>
+                    <a:pt x="74" y="17"/>
+                  </a:cubicBezTo>
+                  <a:cubicBezTo>
+                    <a:pt x="76" y="15"/>
+                    <a:pt x="76" y="15"/>
+                    <a:pt x="76" y="15"/>
+                  </a:cubicBezTo>
+                  <a:cubicBezTo>
+                    <a:pt x="76" y="8"/>
+                    <a:pt x="76" y="8"/>
+                    <a:pt x="76" y="8"/>
+                  </a:cubicBezTo>
+                  <a:cubicBezTo>
+                    <a:pt x="68" y="3"/>
+                    <a:pt x="59" y="0"/>
+                    <a:pt x="49" y="0"/>
+                  </a:cubicBezTo>
+                  <a:cubicBezTo>
+                    <a:pt x="22" y="0"/>
+                    <a:pt x="0" y="22"/>
+                    <a:pt x="0" y="48"/>
+                  </a:cubicBezTo>
+                  <a:cubicBezTo>
+                    <a:pt x="0" y="75"/>
+                    <a:pt x="22" y="97"/>
+                    <a:pt x="49" y="97"/>
+                  </a:cubicBezTo>
+                  <a:cubicBezTo>
+                    <a:pt x="76" y="97"/>
+                    <a:pt x="98" y="75"/>
+                    <a:pt x="98" y="48"/>
+                  </a:cubicBezTo>
+                  <a:cubicBezTo>
+                    <a:pt x="98" y="38"/>
+                    <a:pt x="95" y="29"/>
+                    <a:pt x="89" y="21"/>
+                  </a:cubicBezTo>
+                  <a:lnTo>
+                    <a:pt x="82" y="22"/>
+                  </a:lnTo>
+                  <a:close/>
+                </a:path>
+              </a:pathLst>
+            </a:custGeom>
+            <a:grpFill/>
+            <a:ln>
+              <a:noFill/>
+            </a:ln>
+          </p:spPr>
+          <p:txBody>
+            <a:bodyPr vert="horz" wrap="square" lIns="65024" tIns="32512" rIns="65024" bIns="32512" numCol="1" anchor="t" anchorCtr="0" compatLnSpc="1"/>
+            <a:lstStyle/>
+            <a:p>
+              <a:endParaRPr lang="zh-CN" altLang="en-US" sz="1280">
+                <a:solidFill>
+                  <a:prstClr val="black"/>
+                </a:solidFill>
+                <a:latin typeface="Arial" panose="020B0604020202020204" pitchFamily="34" charset="0"/>
+                <a:cs typeface="Arial" panose="020B0604020202020204" pitchFamily="34" charset="0"/>
+              </a:endParaRPr>
+            </a:p>
+          </p:txBody>
+        </p:sp>
+        <p:sp>
+          <p:nvSpPr>
+            <p:cNvPr id="22" name="Freeform 16">
+              <a:extLst>
+                <a:ext uri="{FF2B5EF4-FFF2-40B4-BE49-F238E27FC236}">
+                  <a16:creationId xmlns:a16="http://schemas.microsoft.com/office/drawing/2014/main" id="{B3B836A8-0B77-D3DC-8F4A-5344EF6BAE8F}"/>
+                </a:ext>
+              </a:extLst>
+            </p:cNvPr>
+            <p:cNvSpPr/>
+            <p:nvPr/>
+          </p:nvSpPr>
+          <p:spPr bwMode="auto">
+            <a:xfrm>
+              <a:off x="4710117" y="2358961"/>
+              <a:ext cx="504393" cy="497030"/>
+            </a:xfrm>
+            <a:custGeom>
+              <a:avLst/>
+              <a:gdLst>
+                <a:gd name="T0" fmla="*/ 104 w 137"/>
+                <a:gd name="T1" fmla="*/ 30 h 135"/>
+                <a:gd name="T2" fmla="*/ 106 w 137"/>
+                <a:gd name="T3" fmla="*/ 0 h 135"/>
+                <a:gd name="T4" fmla="*/ 87 w 137"/>
+                <a:gd name="T5" fmla="*/ 16 h 135"/>
+                <a:gd name="T6" fmla="*/ 71 w 137"/>
+                <a:gd name="T7" fmla="*/ 35 h 135"/>
+                <a:gd name="T8" fmla="*/ 69 w 137"/>
+                <a:gd name="T9" fmla="*/ 59 h 135"/>
+                <a:gd name="T10" fmla="*/ 40 w 137"/>
+                <a:gd name="T11" fmla="*/ 90 h 135"/>
+                <a:gd name="T12" fmla="*/ 14 w 137"/>
+                <a:gd name="T13" fmla="*/ 116 h 135"/>
+                <a:gd name="T14" fmla="*/ 0 w 137"/>
+                <a:gd name="T15" fmla="*/ 135 h 135"/>
+                <a:gd name="T16" fmla="*/ 19 w 137"/>
+                <a:gd name="T17" fmla="*/ 123 h 135"/>
+                <a:gd name="T18" fmla="*/ 45 w 137"/>
+                <a:gd name="T19" fmla="*/ 97 h 135"/>
+                <a:gd name="T20" fmla="*/ 76 w 137"/>
+                <a:gd name="T21" fmla="*/ 66 h 135"/>
+                <a:gd name="T22" fmla="*/ 102 w 137"/>
+                <a:gd name="T23" fmla="*/ 66 h 135"/>
+                <a:gd name="T24" fmla="*/ 118 w 137"/>
+                <a:gd name="T25" fmla="*/ 47 h 135"/>
+                <a:gd name="T26" fmla="*/ 137 w 137"/>
+                <a:gd name="T27" fmla="*/ 30 h 135"/>
+                <a:gd name="T28" fmla="*/ 104 w 137"/>
+                <a:gd name="T29" fmla="*/ 30 h 135"/>
+              </a:gdLst>
+              <a:ahLst/>
+              <a:cxnLst>
+                <a:cxn ang="0">
+                  <a:pos x="T0" y="T1"/>
+                </a:cxn>
+                <a:cxn ang="0">
+                  <a:pos x="T2" y="T3"/>
+                </a:cxn>
+                <a:cxn ang="0">
+                  <a:pos x="T4" y="T5"/>
+                </a:cxn>
+                <a:cxn ang="0">
+                  <a:pos x="T6" y="T7"/>
+                </a:cxn>
+                <a:cxn ang="0">
+                  <a:pos x="T8" y="T9"/>
+                </a:cxn>
+                <a:cxn ang="0">
+                  <a:pos x="T10" y="T11"/>
+                </a:cxn>
+                <a:cxn ang="0">
+                  <a:pos x="T12" y="T13"/>
+                </a:cxn>
+                <a:cxn ang="0">
+                  <a:pos x="T14" y="T15"/>
+                </a:cxn>
+                <a:cxn ang="0">
+                  <a:pos x="T16" y="T17"/>
+                </a:cxn>
+                <a:cxn ang="0">
+                  <a:pos x="T18" y="T19"/>
+                </a:cxn>
+                <a:cxn ang="0">
+                  <a:pos x="T20" y="T21"/>
+                </a:cxn>
+                <a:cxn ang="0">
+                  <a:pos x="T22" y="T23"/>
+                </a:cxn>
+                <a:cxn ang="0">
+                  <a:pos x="T24" y="T25"/>
+                </a:cxn>
+                <a:cxn ang="0">
+                  <a:pos x="T26" y="T27"/>
+                </a:cxn>
+                <a:cxn ang="0">
+                  <a:pos x="T28" y="T29"/>
+                </a:cxn>
+              </a:cxnLst>
+              <a:rect l="0" t="0" r="r" b="b"/>
+              <a:pathLst>
+                <a:path w="137" h="135">
+                  <a:moveTo>
+                    <a:pt x="104" y="30"/>
+                  </a:moveTo>
+                  <a:lnTo>
+                    <a:pt x="106" y="0"/>
+                  </a:lnTo>
+                  <a:lnTo>
+                    <a:pt x="87" y="16"/>
+                  </a:lnTo>
+                  <a:lnTo>
+                    <a:pt x="71" y="35"/>
+                  </a:lnTo>
+                  <a:lnTo>
+                    <a:pt x="69" y="59"/>
+                  </a:lnTo>
+                  <a:lnTo>
+                    <a:pt x="40" y="90"/>
+                  </a:lnTo>
+                  <a:lnTo>
+                    <a:pt x="14" y="116"/>
+                  </a:lnTo>
+                  <a:lnTo>
+                    <a:pt x="0" y="135"/>
+                  </a:lnTo>
+                  <a:lnTo>
+                    <a:pt x="19" y="123"/>
+                  </a:lnTo>
+                  <a:lnTo>
+                    <a:pt x="45" y="97"/>
+                  </a:lnTo>
+                  <a:lnTo>
+                    <a:pt x="76" y="66"/>
+                  </a:lnTo>
+                  <a:lnTo>
+                    <a:pt x="102" y="66"/>
+                  </a:lnTo>
+                  <a:lnTo>
+                    <a:pt x="118" y="47"/>
+                  </a:lnTo>
+                  <a:lnTo>
+                    <a:pt x="137" y="30"/>
+                  </a:lnTo>
+                  <a:lnTo>
+                    <a:pt x="104" y="30"/>
+                  </a:lnTo>
+                  <a:close/>
+                </a:path>
+              </a:pathLst>
+            </a:custGeom>
+            <a:grpFill/>
+            <a:ln>
+              <a:noFill/>
+            </a:ln>
+          </p:spPr>
+          <p:txBody>
+            <a:bodyPr vert="horz" wrap="square" lIns="65024" tIns="32512" rIns="65024" bIns="32512" numCol="1" anchor="t" anchorCtr="0" compatLnSpc="1"/>
+            <a:lstStyle/>
+            <a:p>
+              <a:endParaRPr lang="zh-CN" altLang="en-US" sz="1280">
+                <a:solidFill>
+                  <a:prstClr val="black"/>
+                </a:solidFill>
+                <a:latin typeface="Arial" panose="020B0604020202020204" pitchFamily="34" charset="0"/>
+                <a:cs typeface="Arial" panose="020B0604020202020204" pitchFamily="34" charset="0"/>
+              </a:endParaRPr>
+            </a:p>
+          </p:txBody>
+        </p:sp>
+      </p:grpSp>
+      <p:sp>
+        <p:nvSpPr>
+          <p:cNvPr id="23" name="Freeform 17">
+            <a:extLst>
+              <a:ext uri="{FF2B5EF4-FFF2-40B4-BE49-F238E27FC236}">
+                <a16:creationId xmlns:a16="http://schemas.microsoft.com/office/drawing/2014/main" id="{4DA00A49-31EA-79BB-E279-52A786D2C3BC}"/>
+              </a:ext>
+            </a:extLst>
+          </p:cNvPr>
+          <p:cNvSpPr/>
+          <p:nvPr/>
+        </p:nvSpPr>
+        <p:spPr bwMode="auto">
+          <a:xfrm>
+            <a:off x="6277423" y="1743209"/>
+            <a:ext cx="1599658" cy="3667957"/>
+          </a:xfrm>
+          <a:custGeom>
+            <a:avLst/>
+            <a:gdLst>
+              <a:gd name="T0" fmla="*/ 130 w 258"/>
+              <a:gd name="T1" fmla="*/ 0 h 590"/>
+              <a:gd name="T2" fmla="*/ 128 w 258"/>
+              <a:gd name="T3" fmla="*/ 0 h 590"/>
+              <a:gd name="T4" fmla="*/ 0 w 258"/>
+              <a:gd name="T5" fmla="*/ 128 h 590"/>
+              <a:gd name="T6" fmla="*/ 0 w 258"/>
+              <a:gd name="T7" fmla="*/ 590 h 590"/>
+              <a:gd name="T8" fmla="*/ 258 w 258"/>
+              <a:gd name="T9" fmla="*/ 590 h 590"/>
+              <a:gd name="T10" fmla="*/ 258 w 258"/>
+              <a:gd name="T11" fmla="*/ 128 h 590"/>
+              <a:gd name="T12" fmla="*/ 130 w 258"/>
+              <a:gd name="T13" fmla="*/ 0 h 590"/>
+            </a:gdLst>
+            <a:ahLst/>
+            <a:cxnLst>
+              <a:cxn ang="0">
+                <a:pos x="T0" y="T1"/>
+              </a:cxn>
+              <a:cxn ang="0">
+                <a:pos x="T2" y="T3"/>
+              </a:cxn>
+              <a:cxn ang="0">
+                <a:pos x="T4" y="T5"/>
+              </a:cxn>
+              <a:cxn ang="0">
+                <a:pos x="T6" y="T7"/>
+              </a:cxn>
+              <a:cxn ang="0">
+                <a:pos x="T8" y="T9"/>
+              </a:cxn>
+              <a:cxn ang="0">
+                <a:pos x="T10" y="T11"/>
+              </a:cxn>
+              <a:cxn ang="0">
+                <a:pos x="T12" y="T13"/>
+              </a:cxn>
+            </a:cxnLst>
+            <a:rect l="0" t="0" r="r" b="b"/>
+            <a:pathLst>
+              <a:path w="258" h="590">
+                <a:moveTo>
+                  <a:pt x="130" y="0"/>
+                </a:moveTo>
+                <a:cubicBezTo>
+                  <a:pt x="128" y="0"/>
+                  <a:pt x="128" y="0"/>
+                  <a:pt x="128" y="0"/>
+                </a:cubicBezTo>
+                <a:cubicBezTo>
+                  <a:pt x="57" y="0"/>
+                  <a:pt x="0" y="57"/>
+                  <a:pt x="0" y="128"/>
+                </a:cubicBezTo>
+                <a:cubicBezTo>
+                  <a:pt x="0" y="590"/>
+                  <a:pt x="0" y="590"/>
+                  <a:pt x="0" y="590"/>
+                </a:cubicBezTo>
+                <a:cubicBezTo>
+                  <a:pt x="258" y="590"/>
+                  <a:pt x="258" y="590"/>
+                  <a:pt x="258" y="590"/>
+                </a:cubicBezTo>
+                <a:cubicBezTo>
+                  <a:pt x="258" y="128"/>
+                  <a:pt x="258" y="128"/>
+                  <a:pt x="258" y="128"/>
+                </a:cubicBezTo>
+                <a:cubicBezTo>
+                  <a:pt x="258" y="57"/>
+                  <a:pt x="201" y="0"/>
+                  <a:pt x="130" y="0"/>
+                </a:cubicBezTo>
+              </a:path>
+            </a:pathLst>
+          </a:custGeom>
+          <a:solidFill>
+            <a:srgbClr val="00B0F0"/>
+          </a:solidFill>
+          <a:ln w="12700" cap="flat" cmpd="sng" algn="ctr">
+            <a:noFill/>
+            <a:prstDash val="solid"/>
+            <a:miter lim="800000"/>
+          </a:ln>
+          <a:effectLst>
+            <a:outerShdw blurRad="63500" algn="ctr" rotWithShape="0">
+              <a:prstClr val="black">
+                <a:alpha val="40000"/>
+              </a:prstClr>
+            </a:outerShdw>
+          </a:effectLst>
+        </p:spPr>
+        <p:txBody>
+          <a:bodyPr wrap="square" rtlCol="0" anchor="ctr">
+            <a:noAutofit/>
+          </a:bodyPr>
+          <a:lstStyle/>
+          <a:p>
+            <a:pPr algn="ctr" defTabSz="650230">
+              <a:defRPr/>
+            </a:pPr>
+            <a:endParaRPr lang="zh-CN" altLang="en-US" sz="1280" kern="0">
+              <a:solidFill>
+                <a:prstClr val="white"/>
+              </a:solidFill>
+              <a:latin typeface="Arial" panose="020B0604020202020204" pitchFamily="34" charset="0"/>
+              <a:ea typeface="宋体" panose="02010600030101010101" pitchFamily="2" charset="-122"/>
+              <a:cs typeface="Arial" panose="020B0604020202020204" pitchFamily="34" charset="0"/>
+            </a:endParaRPr>
+          </a:p>
+        </p:txBody>
+      </p:sp>
+      <p:sp>
+        <p:nvSpPr>
+          <p:cNvPr id="24" name="Oval 18">
+            <a:extLst>
+              <a:ext uri="{FF2B5EF4-FFF2-40B4-BE49-F238E27FC236}">
+                <a16:creationId xmlns:a16="http://schemas.microsoft.com/office/drawing/2014/main" id="{A20BD6DE-B191-6EF9-889E-9ED613CA8964}"/>
+              </a:ext>
+            </a:extLst>
+          </p:cNvPr>
+          <p:cNvSpPr>
+            <a:spLocks noChangeArrowheads="1"/>
+          </p:cNvSpPr>
+          <p:nvPr/>
+        </p:nvSpPr>
+        <p:spPr bwMode="auto">
+          <a:xfrm>
+            <a:off x="6345494" y="1819135"/>
+            <a:ext cx="1463517" cy="1466135"/>
+          </a:xfrm>
+          <a:prstGeom prst="ellipse">
+            <a:avLst/>
+          </a:prstGeom>
+          <a:gradFill>
+            <a:gsLst>
+              <a:gs pos="0">
+                <a:srgbClr val="FFFFFF"/>
+              </a:gs>
+              <a:gs pos="100000">
+                <a:sysClr val="window" lastClr="FFFFFF">
+                  <a:lumMod val="95000"/>
+                </a:sysClr>
+              </a:gs>
+            </a:gsLst>
+            <a:lin ang="15000000" scaled="0"/>
+          </a:gradFill>
+          <a:ln w="25400" cap="flat" cmpd="sng" algn="ctr">
+            <a:gradFill>
+              <a:gsLst>
+                <a:gs pos="0">
+                  <a:sysClr val="window" lastClr="FFFFFF"/>
+                </a:gs>
+                <a:gs pos="100000">
+                  <a:sysClr val="window" lastClr="FFFFFF">
+                    <a:lumMod val="95000"/>
+                  </a:sysClr>
+                </a:gs>
+              </a:gsLst>
+              <a:lin ang="5400000" scaled="1"/>
+            </a:gradFill>
+            <a:prstDash val="solid"/>
+            <a:miter lim="800000"/>
+          </a:ln>
+          <a:effectLst>
+            <a:outerShdw blurRad="63500" sx="103000" sy="103000" algn="ctr" rotWithShape="0">
+              <a:prstClr val="black">
+                <a:alpha val="11000"/>
+              </a:prstClr>
+            </a:outerShdw>
+          </a:effectLst>
+        </p:spPr>
+        <p:txBody>
+          <a:bodyPr rtlCol="0" anchor="ctr"/>
+          <a:lstStyle/>
+          <a:p>
+            <a:pPr algn="ctr" defTabSz="650230">
+              <a:defRPr/>
+            </a:pPr>
+            <a:endParaRPr lang="zh-CN" altLang="en-US" sz="1280" kern="0">
+              <a:solidFill>
+                <a:prstClr val="white"/>
+              </a:solidFill>
+              <a:latin typeface="Arial" panose="020B0604020202020204" pitchFamily="34" charset="0"/>
+              <a:ea typeface="宋体" panose="02010600030101010101" pitchFamily="2" charset="-122"/>
+              <a:cs typeface="Arial" panose="020B0604020202020204" pitchFamily="34" charset="0"/>
+            </a:endParaRPr>
+          </a:p>
+        </p:txBody>
+      </p:sp>
+      <p:grpSp>
+        <p:nvGrpSpPr>
+          <p:cNvPr id="25" name="组合 25">
+            <a:extLst>
+              <a:ext uri="{FF2B5EF4-FFF2-40B4-BE49-F238E27FC236}">
+                <a16:creationId xmlns:a16="http://schemas.microsoft.com/office/drawing/2014/main" id="{14260ED8-5783-9122-412F-172EA6111FF4}"/>
+              </a:ext>
+            </a:extLst>
+          </p:cNvPr>
+          <p:cNvGrpSpPr/>
+          <p:nvPr/>
+        </p:nvGrpSpPr>
+        <p:grpSpPr>
+          <a:xfrm>
+            <a:off x="6780098" y="2240648"/>
+            <a:ext cx="612635" cy="615253"/>
+            <a:chOff x="9647278" y="2399459"/>
+            <a:chExt cx="861518" cy="865200"/>
+          </a:xfrm>
+          <a:solidFill>
+            <a:srgbClr val="344F56"/>
+          </a:solidFill>
+        </p:grpSpPr>
+        <p:sp>
+          <p:nvSpPr>
+            <p:cNvPr id="26" name="Freeform 19">
+              <a:extLst>
+                <a:ext uri="{FF2B5EF4-FFF2-40B4-BE49-F238E27FC236}">
+                  <a16:creationId xmlns:a16="http://schemas.microsoft.com/office/drawing/2014/main" id="{93FC743F-853F-4626-6C43-7777D119CA33}"/>
+                </a:ext>
+              </a:extLst>
+            </p:cNvPr>
+            <p:cNvSpPr/>
+            <p:nvPr/>
+          </p:nvSpPr>
+          <p:spPr bwMode="auto">
+            <a:xfrm>
+              <a:off x="10022812" y="2480457"/>
+              <a:ext cx="390260" cy="242992"/>
+            </a:xfrm>
+            <a:custGeom>
+              <a:avLst/>
+              <a:gdLst>
+                <a:gd name="T0" fmla="*/ 7 w 45"/>
+                <a:gd name="T1" fmla="*/ 17 h 28"/>
+                <a:gd name="T2" fmla="*/ 38 w 45"/>
+                <a:gd name="T3" fmla="*/ 17 h 28"/>
+                <a:gd name="T4" fmla="*/ 44 w 45"/>
+                <a:gd name="T5" fmla="*/ 28 h 28"/>
+                <a:gd name="T6" fmla="*/ 38 w 45"/>
+                <a:gd name="T7" fmla="*/ 8 h 28"/>
+                <a:gd name="T8" fmla="*/ 7 w 45"/>
+                <a:gd name="T9" fmla="*/ 8 h 28"/>
+                <a:gd name="T10" fmla="*/ 1 w 45"/>
+                <a:gd name="T11" fmla="*/ 28 h 28"/>
+                <a:gd name="T12" fmla="*/ 7 w 45"/>
+                <a:gd name="T13" fmla="*/ 17 h 28"/>
+              </a:gdLst>
+              <a:ahLst/>
+              <a:cxnLst>
+                <a:cxn ang="0">
+                  <a:pos x="T0" y="T1"/>
+                </a:cxn>
+                <a:cxn ang="0">
+                  <a:pos x="T2" y="T3"/>
+                </a:cxn>
+                <a:cxn ang="0">
+                  <a:pos x="T4" y="T5"/>
+                </a:cxn>
+                <a:cxn ang="0">
+                  <a:pos x="T6" y="T7"/>
+                </a:cxn>
+                <a:cxn ang="0">
+                  <a:pos x="T8" y="T9"/>
+                </a:cxn>
+                <a:cxn ang="0">
+                  <a:pos x="T10" y="T11"/>
+                </a:cxn>
+                <a:cxn ang="0">
+                  <a:pos x="T12" y="T13"/>
+                </a:cxn>
+              </a:cxnLst>
+              <a:rect l="0" t="0" r="r" b="b"/>
+              <a:pathLst>
+                <a:path w="45" h="28">
+                  <a:moveTo>
+                    <a:pt x="7" y="17"/>
+                  </a:moveTo>
+                  <a:cubicBezTo>
+                    <a:pt x="15" y="8"/>
+                    <a:pt x="29" y="8"/>
+                    <a:pt x="38" y="17"/>
+                  </a:cubicBezTo>
+                  <a:cubicBezTo>
+                    <a:pt x="41" y="20"/>
+                    <a:pt x="43" y="24"/>
+                    <a:pt x="44" y="28"/>
+                  </a:cubicBezTo>
+                  <a:cubicBezTo>
+                    <a:pt x="45" y="21"/>
+                    <a:pt x="43" y="14"/>
+                    <a:pt x="38" y="8"/>
+                  </a:cubicBezTo>
+                  <a:cubicBezTo>
+                    <a:pt x="29" y="0"/>
+                    <a:pt x="15" y="0"/>
+                    <a:pt x="7" y="8"/>
+                  </a:cubicBezTo>
+                  <a:cubicBezTo>
+                    <a:pt x="2" y="14"/>
+                    <a:pt x="0" y="21"/>
+                    <a:pt x="1" y="28"/>
+                  </a:cubicBezTo>
+                  <a:cubicBezTo>
+                    <a:pt x="2" y="24"/>
+                    <a:pt x="4" y="20"/>
+                    <a:pt x="7" y="17"/>
+                  </a:cubicBezTo>
+                  <a:close/>
+                </a:path>
+              </a:pathLst>
+            </a:custGeom>
+            <a:grpFill/>
+            <a:ln>
+              <a:noFill/>
+            </a:ln>
+          </p:spPr>
+          <p:txBody>
+            <a:bodyPr vert="horz" wrap="square" lIns="65024" tIns="32512" rIns="65024" bIns="32512" numCol="1" anchor="t" anchorCtr="0" compatLnSpc="1"/>
+            <a:lstStyle/>
+            <a:p>
+              <a:endParaRPr lang="zh-CN" altLang="en-US" sz="1280">
+                <a:solidFill>
+                  <a:prstClr val="black"/>
+                </a:solidFill>
+                <a:latin typeface="Arial" panose="020B0604020202020204" pitchFamily="34" charset="0"/>
+                <a:cs typeface="Arial" panose="020B0604020202020204" pitchFamily="34" charset="0"/>
+              </a:endParaRPr>
+            </a:p>
+          </p:txBody>
+        </p:sp>
+        <p:sp>
+          <p:nvSpPr>
+            <p:cNvPr id="27" name="Freeform 20">
+              <a:extLst>
+                <a:ext uri="{FF2B5EF4-FFF2-40B4-BE49-F238E27FC236}">
+                  <a16:creationId xmlns:a16="http://schemas.microsoft.com/office/drawing/2014/main" id="{160ECC50-0D97-C8DC-1E15-E9DB4A9D64DA}"/>
+                </a:ext>
+              </a:extLst>
+            </p:cNvPr>
+            <p:cNvSpPr/>
+            <p:nvPr/>
+          </p:nvSpPr>
+          <p:spPr bwMode="auto">
+            <a:xfrm>
+              <a:off x="10063310" y="2804446"/>
+              <a:ext cx="272446" cy="95724"/>
+            </a:xfrm>
+            <a:custGeom>
+              <a:avLst/>
+              <a:gdLst>
+                <a:gd name="T0" fmla="*/ 0 w 31"/>
+                <a:gd name="T1" fmla="*/ 0 h 11"/>
+                <a:gd name="T2" fmla="*/ 2 w 31"/>
+                <a:gd name="T3" fmla="*/ 2 h 11"/>
+                <a:gd name="T4" fmla="*/ 31 w 31"/>
+                <a:gd name="T5" fmla="*/ 4 h 11"/>
+                <a:gd name="T6" fmla="*/ 0 w 31"/>
+                <a:gd name="T7" fmla="*/ 0 h 11"/>
+              </a:gdLst>
+              <a:ahLst/>
+              <a:cxnLst>
+                <a:cxn ang="0">
+                  <a:pos x="T0" y="T1"/>
+                </a:cxn>
+                <a:cxn ang="0">
+                  <a:pos x="T2" y="T3"/>
+                </a:cxn>
+                <a:cxn ang="0">
+                  <a:pos x="T4" y="T5"/>
+                </a:cxn>
+                <a:cxn ang="0">
+                  <a:pos x="T6" y="T7"/>
+                </a:cxn>
+              </a:cxnLst>
+              <a:rect l="0" t="0" r="r" b="b"/>
+              <a:pathLst>
+                <a:path w="31" h="11">
+                  <a:moveTo>
+                    <a:pt x="0" y="0"/>
+                  </a:moveTo>
+                  <a:cubicBezTo>
+                    <a:pt x="1" y="1"/>
+                    <a:pt x="1" y="2"/>
+                    <a:pt x="2" y="2"/>
+                  </a:cubicBezTo>
+                  <a:cubicBezTo>
+                    <a:pt x="10" y="10"/>
+                    <a:pt x="23" y="11"/>
+                    <a:pt x="31" y="4"/>
+                  </a:cubicBezTo>
+                  <a:cubicBezTo>
+                    <a:pt x="21" y="9"/>
+                    <a:pt x="9" y="7"/>
+                    <a:pt x="0" y="0"/>
+                  </a:cubicBezTo>
+                  <a:close/>
+                </a:path>
+              </a:pathLst>
+            </a:custGeom>
+            <a:grpFill/>
+            <a:ln>
+              <a:noFill/>
+            </a:ln>
+          </p:spPr>
+          <p:txBody>
+            <a:bodyPr vert="horz" wrap="square" lIns="65024" tIns="32512" rIns="65024" bIns="32512" numCol="1" anchor="t" anchorCtr="0" compatLnSpc="1"/>
+            <a:lstStyle/>
+            <a:p>
+              <a:endParaRPr lang="zh-CN" altLang="en-US" sz="1280">
+                <a:solidFill>
+                  <a:prstClr val="black"/>
+                </a:solidFill>
+                <a:latin typeface="Arial" panose="020B0604020202020204" pitchFamily="34" charset="0"/>
+                <a:cs typeface="Arial" panose="020B0604020202020204" pitchFamily="34" charset="0"/>
+              </a:endParaRPr>
+            </a:p>
+          </p:txBody>
+        </p:sp>
+        <p:sp>
+          <p:nvSpPr>
+            <p:cNvPr id="28" name="Freeform 21">
+              <a:extLst>
+                <a:ext uri="{FF2B5EF4-FFF2-40B4-BE49-F238E27FC236}">
+                  <a16:creationId xmlns:a16="http://schemas.microsoft.com/office/drawing/2014/main" id="{EA994A3D-8EE7-C784-D780-33AD36AA252F}"/>
+                </a:ext>
+              </a:extLst>
+            </p:cNvPr>
+            <p:cNvSpPr>
+              <a:spLocks noEditPoints="1"/>
+            </p:cNvSpPr>
+            <p:nvPr/>
+          </p:nvSpPr>
+          <p:spPr bwMode="auto">
+            <a:xfrm>
+              <a:off x="9647278" y="2399459"/>
+              <a:ext cx="861518" cy="865200"/>
+            </a:xfrm>
+            <a:custGeom>
+              <a:avLst/>
+              <a:gdLst>
+                <a:gd name="T0" fmla="*/ 87 w 99"/>
+                <a:gd name="T1" fmla="*/ 55 h 99"/>
+                <a:gd name="T2" fmla="*/ 86 w 99"/>
+                <a:gd name="T3" fmla="*/ 10 h 99"/>
+                <a:gd name="T4" fmla="*/ 45 w 99"/>
+                <a:gd name="T5" fmla="*/ 10 h 99"/>
+                <a:gd name="T6" fmla="*/ 42 w 99"/>
+                <a:gd name="T7" fmla="*/ 53 h 99"/>
+                <a:gd name="T8" fmla="*/ 37 w 99"/>
+                <a:gd name="T9" fmla="*/ 58 h 99"/>
+                <a:gd name="T10" fmla="*/ 36 w 99"/>
+                <a:gd name="T11" fmla="*/ 57 h 99"/>
+                <a:gd name="T12" fmla="*/ 1 w 99"/>
+                <a:gd name="T13" fmla="*/ 92 h 99"/>
+                <a:gd name="T14" fmla="*/ 1 w 99"/>
+                <a:gd name="T15" fmla="*/ 97 h 99"/>
+                <a:gd name="T16" fmla="*/ 1 w 99"/>
+                <a:gd name="T17" fmla="*/ 97 h 99"/>
+                <a:gd name="T18" fmla="*/ 6 w 99"/>
+                <a:gd name="T19" fmla="*/ 97 h 99"/>
+                <a:gd name="T20" fmla="*/ 41 w 99"/>
+                <a:gd name="T21" fmla="*/ 62 h 99"/>
+                <a:gd name="T22" fmla="*/ 40 w 99"/>
+                <a:gd name="T23" fmla="*/ 61 h 99"/>
+                <a:gd name="T24" fmla="*/ 45 w 99"/>
+                <a:gd name="T25" fmla="*/ 56 h 99"/>
+                <a:gd name="T26" fmla="*/ 87 w 99"/>
+                <a:gd name="T27" fmla="*/ 55 h 99"/>
+                <a:gd name="T28" fmla="*/ 48 w 99"/>
+                <a:gd name="T29" fmla="*/ 15 h 99"/>
+                <a:gd name="T30" fmla="*/ 83 w 99"/>
+                <a:gd name="T31" fmla="*/ 15 h 99"/>
+                <a:gd name="T32" fmla="*/ 83 w 99"/>
+                <a:gd name="T33" fmla="*/ 50 h 99"/>
+                <a:gd name="T34" fmla="*/ 48 w 99"/>
+                <a:gd name="T35" fmla="*/ 50 h 99"/>
+                <a:gd name="T36" fmla="*/ 48 w 99"/>
+                <a:gd name="T37" fmla="*/ 15 h 99"/>
+              </a:gdLst>
+              <a:ahLst/>
+              <a:cxnLst>
+                <a:cxn ang="0">
+                  <a:pos x="T0" y="T1"/>
+                </a:cxn>
+                <a:cxn ang="0">
+                  <a:pos x="T2" y="T3"/>
+                </a:cxn>
+                <a:cxn ang="0">
+                  <a:pos x="T4" y="T5"/>
+                </a:cxn>
+                <a:cxn ang="0">
+                  <a:pos x="T6" y="T7"/>
+                </a:cxn>
+                <a:cxn ang="0">
+                  <a:pos x="T8" y="T9"/>
+                </a:cxn>
+                <a:cxn ang="0">
+                  <a:pos x="T10" y="T11"/>
+                </a:cxn>
+                <a:cxn ang="0">
+                  <a:pos x="T12" y="T13"/>
+                </a:cxn>
+                <a:cxn ang="0">
+                  <a:pos x="T14" y="T15"/>
+                </a:cxn>
+                <a:cxn ang="0">
+                  <a:pos x="T16" y="T17"/>
+                </a:cxn>
+                <a:cxn ang="0">
+                  <a:pos x="T18" y="T19"/>
+                </a:cxn>
+                <a:cxn ang="0">
+                  <a:pos x="T20" y="T21"/>
+                </a:cxn>
+                <a:cxn ang="0">
+                  <a:pos x="T22" y="T23"/>
+                </a:cxn>
+                <a:cxn ang="0">
+                  <a:pos x="T24" y="T25"/>
+                </a:cxn>
+                <a:cxn ang="0">
+                  <a:pos x="T26" y="T27"/>
+                </a:cxn>
+                <a:cxn ang="0">
+                  <a:pos x="T28" y="T29"/>
+                </a:cxn>
+                <a:cxn ang="0">
+                  <a:pos x="T30" y="T31"/>
+                </a:cxn>
+                <a:cxn ang="0">
+                  <a:pos x="T32" y="T33"/>
+                </a:cxn>
+                <a:cxn ang="0">
+                  <a:pos x="T34" y="T35"/>
+                </a:cxn>
+                <a:cxn ang="0">
+                  <a:pos x="T36" y="T37"/>
+                </a:cxn>
+              </a:cxnLst>
+              <a:rect l="0" t="0" r="r" b="b"/>
+              <a:pathLst>
+                <a:path w="99" h="99">
+                  <a:moveTo>
+                    <a:pt x="87" y="55"/>
+                  </a:moveTo>
+                  <a:cubicBezTo>
+                    <a:pt x="99" y="42"/>
+                    <a:pt x="99" y="22"/>
+                    <a:pt x="86" y="10"/>
+                  </a:cubicBezTo>
+                  <a:cubicBezTo>
+                    <a:pt x="74" y="0"/>
+                    <a:pt x="57" y="0"/>
+                    <a:pt x="45" y="10"/>
+                  </a:cubicBezTo>
+                  <a:cubicBezTo>
+                    <a:pt x="32" y="21"/>
+                    <a:pt x="31" y="40"/>
+                    <a:pt x="42" y="53"/>
+                  </a:cubicBezTo>
+                  <a:cubicBezTo>
+                    <a:pt x="37" y="58"/>
+                    <a:pt x="37" y="58"/>
+                    <a:pt x="37" y="58"/>
+                  </a:cubicBezTo>
+                  <a:cubicBezTo>
+                    <a:pt x="36" y="57"/>
+                    <a:pt x="36" y="57"/>
+                    <a:pt x="36" y="57"/>
+                  </a:cubicBezTo>
+                  <a:cubicBezTo>
+                    <a:pt x="1" y="92"/>
+                    <a:pt x="1" y="92"/>
+                    <a:pt x="1" y="92"/>
+                  </a:cubicBezTo>
+                  <a:cubicBezTo>
+                    <a:pt x="0" y="93"/>
+                    <a:pt x="0" y="96"/>
+                    <a:pt x="1" y="97"/>
+                  </a:cubicBezTo>
+                  <a:cubicBezTo>
+                    <a:pt x="1" y="97"/>
+                    <a:pt x="1" y="97"/>
+                    <a:pt x="1" y="97"/>
+                  </a:cubicBezTo>
+                  <a:cubicBezTo>
+                    <a:pt x="3" y="99"/>
+                    <a:pt x="5" y="99"/>
+                    <a:pt x="6" y="97"/>
+                  </a:cubicBezTo>
+                  <a:cubicBezTo>
+                    <a:pt x="41" y="62"/>
+                    <a:pt x="41" y="62"/>
+                    <a:pt x="41" y="62"/>
+                  </a:cubicBezTo>
+                  <a:cubicBezTo>
+                    <a:pt x="40" y="61"/>
+                    <a:pt x="40" y="61"/>
+                    <a:pt x="40" y="61"/>
+                  </a:cubicBezTo>
+                  <a:cubicBezTo>
+                    <a:pt x="45" y="56"/>
+                    <a:pt x="45" y="56"/>
+                    <a:pt x="45" y="56"/>
+                  </a:cubicBezTo>
+                  <a:cubicBezTo>
+                    <a:pt x="57" y="66"/>
+                    <a:pt x="76" y="66"/>
+                    <a:pt x="87" y="55"/>
+                  </a:cubicBezTo>
+                  <a:close/>
+                  <a:moveTo>
+                    <a:pt x="48" y="15"/>
+                  </a:moveTo>
+                  <a:cubicBezTo>
+                    <a:pt x="58" y="6"/>
+                    <a:pt x="73" y="6"/>
+                    <a:pt x="83" y="15"/>
+                  </a:cubicBezTo>
+                  <a:cubicBezTo>
+                    <a:pt x="93" y="25"/>
+                    <a:pt x="93" y="41"/>
+                    <a:pt x="83" y="50"/>
+                  </a:cubicBezTo>
+                  <a:cubicBezTo>
+                    <a:pt x="73" y="60"/>
+                    <a:pt x="58" y="60"/>
+                    <a:pt x="48" y="50"/>
+                  </a:cubicBezTo>
+                  <a:cubicBezTo>
+                    <a:pt x="38" y="41"/>
+                    <a:pt x="38" y="25"/>
+                    <a:pt x="48" y="15"/>
+                  </a:cubicBezTo>
+                  <a:close/>
+                </a:path>
+              </a:pathLst>
+            </a:custGeom>
+            <a:grpFill/>
+            <a:ln>
+              <a:noFill/>
+            </a:ln>
+          </p:spPr>
+          <p:txBody>
+            <a:bodyPr vert="horz" wrap="square" lIns="65024" tIns="32512" rIns="65024" bIns="32512" numCol="1" anchor="t" anchorCtr="0" compatLnSpc="1"/>
+            <a:lstStyle/>
+            <a:p>
+              <a:endParaRPr lang="zh-CN" altLang="en-US" sz="1280">
+                <a:solidFill>
+                  <a:prstClr val="black"/>
+                </a:solidFill>
+                <a:latin typeface="Arial" panose="020B0604020202020204" pitchFamily="34" charset="0"/>
+                <a:cs typeface="Arial" panose="020B0604020202020204" pitchFamily="34" charset="0"/>
+              </a:endParaRPr>
+            </a:p>
+          </p:txBody>
+        </p:sp>
+      </p:grpSp>
+      <p:sp>
+        <p:nvSpPr>
+          <p:cNvPr id="29" name="Freeform 22">
+            <a:extLst>
+              <a:ext uri="{FF2B5EF4-FFF2-40B4-BE49-F238E27FC236}">
+                <a16:creationId xmlns:a16="http://schemas.microsoft.com/office/drawing/2014/main" id="{41E747E4-2A5B-9DC3-E671-3608D7ADE9BF}"/>
+              </a:ext>
+            </a:extLst>
+          </p:cNvPr>
+          <p:cNvSpPr/>
+          <p:nvPr/>
+        </p:nvSpPr>
+        <p:spPr bwMode="auto">
+          <a:xfrm>
+            <a:off x="4379301" y="1743209"/>
+            <a:ext cx="1599658" cy="3667957"/>
+          </a:xfrm>
+          <a:custGeom>
+            <a:avLst/>
+            <a:gdLst>
+              <a:gd name="T0" fmla="*/ 130 w 258"/>
+              <a:gd name="T1" fmla="*/ 0 h 590"/>
+              <a:gd name="T2" fmla="*/ 128 w 258"/>
+              <a:gd name="T3" fmla="*/ 0 h 590"/>
+              <a:gd name="T4" fmla="*/ 0 w 258"/>
+              <a:gd name="T5" fmla="*/ 128 h 590"/>
+              <a:gd name="T6" fmla="*/ 0 w 258"/>
+              <a:gd name="T7" fmla="*/ 590 h 590"/>
+              <a:gd name="T8" fmla="*/ 258 w 258"/>
+              <a:gd name="T9" fmla="*/ 590 h 590"/>
+              <a:gd name="T10" fmla="*/ 258 w 258"/>
+              <a:gd name="T11" fmla="*/ 128 h 590"/>
+              <a:gd name="T12" fmla="*/ 130 w 258"/>
+              <a:gd name="T13" fmla="*/ 0 h 590"/>
+            </a:gdLst>
+            <a:ahLst/>
+            <a:cxnLst>
+              <a:cxn ang="0">
+                <a:pos x="T0" y="T1"/>
+              </a:cxn>
+              <a:cxn ang="0">
+                <a:pos x="T2" y="T3"/>
+              </a:cxn>
+              <a:cxn ang="0">
+                <a:pos x="T4" y="T5"/>
+              </a:cxn>
+              <a:cxn ang="0">
+                <a:pos x="T6" y="T7"/>
+              </a:cxn>
+              <a:cxn ang="0">
+                <a:pos x="T8" y="T9"/>
+              </a:cxn>
+              <a:cxn ang="0">
+                <a:pos x="T10" y="T11"/>
+              </a:cxn>
+              <a:cxn ang="0">
+                <a:pos x="T12" y="T13"/>
+              </a:cxn>
+            </a:cxnLst>
+            <a:rect l="0" t="0" r="r" b="b"/>
+            <a:pathLst>
+              <a:path w="258" h="590">
+                <a:moveTo>
+                  <a:pt x="130" y="0"/>
+                </a:moveTo>
+                <a:cubicBezTo>
+                  <a:pt x="128" y="0"/>
+                  <a:pt x="128" y="0"/>
+                  <a:pt x="128" y="0"/>
+                </a:cubicBezTo>
+                <a:cubicBezTo>
+                  <a:pt x="57" y="0"/>
+                  <a:pt x="0" y="57"/>
+                  <a:pt x="0" y="128"/>
+                </a:cubicBezTo>
+                <a:cubicBezTo>
+                  <a:pt x="0" y="590"/>
+                  <a:pt x="0" y="590"/>
+                  <a:pt x="0" y="590"/>
+                </a:cubicBezTo>
+                <a:cubicBezTo>
+                  <a:pt x="258" y="590"/>
+                  <a:pt x="258" y="590"/>
+                  <a:pt x="258" y="590"/>
+                </a:cubicBezTo>
+                <a:cubicBezTo>
+                  <a:pt x="258" y="128"/>
+                  <a:pt x="258" y="128"/>
+                  <a:pt x="258" y="128"/>
+                </a:cubicBezTo>
+                <a:cubicBezTo>
+                  <a:pt x="258" y="57"/>
+                  <a:pt x="201" y="0"/>
+                  <a:pt x="130" y="0"/>
+                </a:cubicBezTo>
+              </a:path>
+            </a:pathLst>
+          </a:custGeom>
+          <a:solidFill>
+            <a:srgbClr val="1FC2BA"/>
+          </a:solidFill>
+          <a:ln w="12700" cap="flat" cmpd="sng" algn="ctr">
+            <a:noFill/>
+            <a:prstDash val="solid"/>
+            <a:miter lim="800000"/>
+          </a:ln>
+          <a:effectLst>
+            <a:outerShdw blurRad="63500" algn="ctr" rotWithShape="0">
+              <a:prstClr val="black">
+                <a:alpha val="40000"/>
+              </a:prstClr>
+            </a:outerShdw>
+          </a:effectLst>
+        </p:spPr>
+        <p:txBody>
+          <a:bodyPr wrap="square" rtlCol="0" anchor="ctr">
+            <a:noAutofit/>
+          </a:bodyPr>
+          <a:lstStyle/>
+          <a:p>
+            <a:pPr algn="ctr" defTabSz="650230">
+              <a:defRPr/>
+            </a:pPr>
+            <a:endParaRPr lang="zh-CN" altLang="en-US" sz="1280" kern="0">
+              <a:solidFill>
+                <a:prstClr val="white"/>
+              </a:solidFill>
+              <a:latin typeface="Arial" panose="020B0604020202020204" pitchFamily="34" charset="0"/>
+              <a:ea typeface="宋体" panose="02010600030101010101" pitchFamily="2" charset="-122"/>
+              <a:cs typeface="Arial" panose="020B0604020202020204" pitchFamily="34" charset="0"/>
+            </a:endParaRPr>
+          </a:p>
+        </p:txBody>
+      </p:sp>
+      <p:sp>
+        <p:nvSpPr>
+          <p:cNvPr id="30" name="Oval 23">
+            <a:extLst>
+              <a:ext uri="{FF2B5EF4-FFF2-40B4-BE49-F238E27FC236}">
+                <a16:creationId xmlns:a16="http://schemas.microsoft.com/office/drawing/2014/main" id="{8DDE40B0-CEC7-94C0-225E-F6C08F43B992}"/>
+              </a:ext>
+            </a:extLst>
+          </p:cNvPr>
+          <p:cNvSpPr>
+            <a:spLocks noChangeArrowheads="1"/>
+          </p:cNvSpPr>
+          <p:nvPr/>
+        </p:nvSpPr>
+        <p:spPr bwMode="auto">
+          <a:xfrm>
+            <a:off x="4447373" y="1819135"/>
+            <a:ext cx="1463517" cy="1466135"/>
+          </a:xfrm>
+          <a:prstGeom prst="ellipse">
+            <a:avLst/>
+          </a:prstGeom>
+          <a:gradFill>
+            <a:gsLst>
+              <a:gs pos="0">
+                <a:srgbClr val="FFFFFF"/>
+              </a:gs>
+              <a:gs pos="100000">
+                <a:sysClr val="window" lastClr="FFFFFF">
+                  <a:lumMod val="95000"/>
+                </a:sysClr>
+              </a:gs>
+            </a:gsLst>
+            <a:lin ang="15000000" scaled="0"/>
+          </a:gradFill>
+          <a:ln w="25400" cap="flat" cmpd="sng" algn="ctr">
+            <a:gradFill>
+              <a:gsLst>
+                <a:gs pos="0">
+                  <a:sysClr val="window" lastClr="FFFFFF"/>
+                </a:gs>
+                <a:gs pos="100000">
+                  <a:sysClr val="window" lastClr="FFFFFF">
+                    <a:lumMod val="95000"/>
+                  </a:sysClr>
+                </a:gs>
+              </a:gsLst>
+              <a:lin ang="5400000" scaled="1"/>
+            </a:gradFill>
+            <a:prstDash val="solid"/>
+            <a:miter lim="800000"/>
+          </a:ln>
+          <a:effectLst>
+            <a:outerShdw blurRad="63500" sx="103000" sy="103000" algn="ctr" rotWithShape="0">
+              <a:prstClr val="black">
+                <a:alpha val="11000"/>
+              </a:prstClr>
+            </a:outerShdw>
+          </a:effectLst>
+        </p:spPr>
+        <p:txBody>
+          <a:bodyPr rtlCol="0" anchor="ctr"/>
+          <a:lstStyle/>
+          <a:p>
+            <a:pPr algn="ctr" defTabSz="650230">
+              <a:defRPr/>
+            </a:pPr>
+            <a:endParaRPr lang="zh-CN" altLang="en-US" sz="1280" kern="0">
+              <a:solidFill>
+                <a:prstClr val="white"/>
+              </a:solidFill>
+              <a:latin typeface="Arial" panose="020B0604020202020204" pitchFamily="34" charset="0"/>
+              <a:ea typeface="宋体" panose="02010600030101010101" pitchFamily="2" charset="-122"/>
+              <a:cs typeface="Arial" panose="020B0604020202020204" pitchFamily="34" charset="0"/>
+            </a:endParaRPr>
+          </a:p>
+        </p:txBody>
+      </p:sp>
+      <p:grpSp>
+        <p:nvGrpSpPr>
+          <p:cNvPr id="31" name="组合 31">
+            <a:extLst>
+              <a:ext uri="{FF2B5EF4-FFF2-40B4-BE49-F238E27FC236}">
+                <a16:creationId xmlns:a16="http://schemas.microsoft.com/office/drawing/2014/main" id="{8CCCF44C-8DBD-C0DF-6F77-396070B92A17}"/>
+              </a:ext>
+            </a:extLst>
+          </p:cNvPr>
+          <p:cNvGrpSpPr/>
+          <p:nvPr/>
+        </p:nvGrpSpPr>
+        <p:grpSpPr>
+          <a:xfrm>
+            <a:off x="4900303" y="2235412"/>
+            <a:ext cx="557655" cy="633580"/>
+            <a:chOff x="7003817" y="2392096"/>
+            <a:chExt cx="784202" cy="890972"/>
+          </a:xfrm>
+          <a:solidFill>
+            <a:srgbClr val="344F56"/>
+          </a:solidFill>
+        </p:grpSpPr>
+        <p:sp>
+          <p:nvSpPr>
+            <p:cNvPr id="32" name="Oval 24">
+              <a:extLst>
+                <a:ext uri="{FF2B5EF4-FFF2-40B4-BE49-F238E27FC236}">
+                  <a16:creationId xmlns:a16="http://schemas.microsoft.com/office/drawing/2014/main" id="{905B74D6-3319-D81E-2FE4-E8C10F383B5B}"/>
+                </a:ext>
+              </a:extLst>
+            </p:cNvPr>
+            <p:cNvSpPr>
+              <a:spLocks noChangeArrowheads="1"/>
+            </p:cNvSpPr>
+            <p:nvPr/>
+          </p:nvSpPr>
+          <p:spPr bwMode="auto">
+            <a:xfrm>
+              <a:off x="7228401" y="2392096"/>
+              <a:ext cx="335035" cy="331353"/>
+            </a:xfrm>
+            <a:prstGeom prst="ellipse">
+              <a:avLst/>
+            </a:prstGeom>
+            <a:grpFill/>
+            <a:ln>
+              <a:noFill/>
+            </a:ln>
+          </p:spPr>
+          <p:txBody>
+            <a:bodyPr vert="horz" wrap="square" lIns="65024" tIns="32512" rIns="65024" bIns="32512" numCol="1" anchor="t" anchorCtr="0" compatLnSpc="1"/>
+            <a:lstStyle/>
+            <a:p>
+              <a:endParaRPr lang="zh-CN" altLang="en-US" sz="1280">
+                <a:solidFill>
+                  <a:prstClr val="black"/>
+                </a:solidFill>
+                <a:latin typeface="Arial" panose="020B0604020202020204" pitchFamily="34" charset="0"/>
+                <a:cs typeface="Arial" panose="020B0604020202020204" pitchFamily="34" charset="0"/>
+              </a:endParaRPr>
+            </a:p>
+          </p:txBody>
+        </p:sp>
+        <p:sp>
+          <p:nvSpPr>
+            <p:cNvPr id="33" name="Freeform 25">
+              <a:extLst>
+                <a:ext uri="{FF2B5EF4-FFF2-40B4-BE49-F238E27FC236}">
+                  <a16:creationId xmlns:a16="http://schemas.microsoft.com/office/drawing/2014/main" id="{4D9A321C-9AE9-EA89-7FCD-4A226A71DFE1}"/>
+                </a:ext>
+              </a:extLst>
+            </p:cNvPr>
+            <p:cNvSpPr/>
+            <p:nvPr/>
+          </p:nvSpPr>
+          <p:spPr bwMode="auto">
+            <a:xfrm>
+              <a:off x="7360942" y="2778675"/>
+              <a:ext cx="69952" cy="250356"/>
+            </a:xfrm>
+            <a:custGeom>
+              <a:avLst/>
+              <a:gdLst>
+                <a:gd name="T0" fmla="*/ 19 w 19"/>
+                <a:gd name="T1" fmla="*/ 0 h 68"/>
+                <a:gd name="T2" fmla="*/ 0 w 19"/>
+                <a:gd name="T3" fmla="*/ 0 h 68"/>
+                <a:gd name="T4" fmla="*/ 7 w 19"/>
+                <a:gd name="T5" fmla="*/ 7 h 68"/>
+                <a:gd name="T6" fmla="*/ 2 w 19"/>
+                <a:gd name="T7" fmla="*/ 68 h 68"/>
+                <a:gd name="T8" fmla="*/ 17 w 19"/>
+                <a:gd name="T9" fmla="*/ 68 h 68"/>
+                <a:gd name="T10" fmla="*/ 12 w 19"/>
+                <a:gd name="T11" fmla="*/ 7 h 68"/>
+                <a:gd name="T12" fmla="*/ 19 w 19"/>
+                <a:gd name="T13" fmla="*/ 0 h 68"/>
+              </a:gdLst>
+              <a:ahLst/>
+              <a:cxnLst>
+                <a:cxn ang="0">
+                  <a:pos x="T0" y="T1"/>
+                </a:cxn>
+                <a:cxn ang="0">
+                  <a:pos x="T2" y="T3"/>
+                </a:cxn>
+                <a:cxn ang="0">
+                  <a:pos x="T4" y="T5"/>
+                </a:cxn>
+                <a:cxn ang="0">
+                  <a:pos x="T6" y="T7"/>
+                </a:cxn>
+                <a:cxn ang="0">
+                  <a:pos x="T8" y="T9"/>
+                </a:cxn>
+                <a:cxn ang="0">
+                  <a:pos x="T10" y="T11"/>
+                </a:cxn>
+                <a:cxn ang="0">
+                  <a:pos x="T12" y="T13"/>
+                </a:cxn>
+              </a:cxnLst>
+              <a:rect l="0" t="0" r="r" b="b"/>
+              <a:pathLst>
+                <a:path w="19" h="68">
+                  <a:moveTo>
+                    <a:pt x="19" y="0"/>
+                  </a:moveTo>
+                  <a:lnTo>
+                    <a:pt x="0" y="0"/>
+                  </a:lnTo>
+                  <a:lnTo>
+                    <a:pt x="7" y="7"/>
+                  </a:lnTo>
+                  <a:lnTo>
+                    <a:pt x="2" y="68"/>
+                  </a:lnTo>
+                  <a:lnTo>
+                    <a:pt x="17" y="68"/>
+                  </a:lnTo>
+                  <a:lnTo>
+                    <a:pt x="12" y="7"/>
+                  </a:lnTo>
+                  <a:lnTo>
+                    <a:pt x="19" y="0"/>
+                  </a:lnTo>
+                  <a:close/>
+                </a:path>
+              </a:pathLst>
+            </a:custGeom>
+            <a:grpFill/>
+            <a:ln>
+              <a:noFill/>
+            </a:ln>
+          </p:spPr>
+          <p:txBody>
+            <a:bodyPr vert="horz" wrap="square" lIns="65024" tIns="32512" rIns="65024" bIns="32512" numCol="1" anchor="t" anchorCtr="0" compatLnSpc="1"/>
+            <a:lstStyle/>
+            <a:p>
+              <a:endParaRPr lang="zh-CN" altLang="en-US" sz="1280">
+                <a:solidFill>
+                  <a:prstClr val="black"/>
+                </a:solidFill>
+                <a:latin typeface="Arial" panose="020B0604020202020204" pitchFamily="34" charset="0"/>
+                <a:cs typeface="Arial" panose="020B0604020202020204" pitchFamily="34" charset="0"/>
+              </a:endParaRPr>
+            </a:p>
+          </p:txBody>
+        </p:sp>
+        <p:sp>
+          <p:nvSpPr>
+            <p:cNvPr id="34" name="Freeform 26">
+              <a:extLst>
+                <a:ext uri="{FF2B5EF4-FFF2-40B4-BE49-F238E27FC236}">
+                  <a16:creationId xmlns:a16="http://schemas.microsoft.com/office/drawing/2014/main" id="{932CDB0E-E657-FA61-C1F7-7FF883950200}"/>
+                </a:ext>
+              </a:extLst>
+            </p:cNvPr>
+            <p:cNvSpPr/>
+            <p:nvPr/>
+          </p:nvSpPr>
+          <p:spPr bwMode="auto">
+            <a:xfrm>
+              <a:off x="7003817" y="2778675"/>
+              <a:ext cx="784202" cy="504393"/>
+            </a:xfrm>
+            <a:custGeom>
+              <a:avLst/>
+              <a:gdLst>
+                <a:gd name="T0" fmla="*/ 73 w 90"/>
+                <a:gd name="T1" fmla="*/ 0 h 58"/>
+                <a:gd name="T2" fmla="*/ 60 w 90"/>
+                <a:gd name="T3" fmla="*/ 0 h 58"/>
+                <a:gd name="T4" fmla="*/ 45 w 90"/>
+                <a:gd name="T5" fmla="*/ 28 h 58"/>
+                <a:gd name="T6" fmla="*/ 30 w 90"/>
+                <a:gd name="T7" fmla="*/ 0 h 58"/>
+                <a:gd name="T8" fmla="*/ 17 w 90"/>
+                <a:gd name="T9" fmla="*/ 0 h 58"/>
+                <a:gd name="T10" fmla="*/ 0 w 90"/>
+                <a:gd name="T11" fmla="*/ 18 h 58"/>
+                <a:gd name="T12" fmla="*/ 0 w 90"/>
+                <a:gd name="T13" fmla="*/ 58 h 58"/>
+                <a:gd name="T14" fmla="*/ 16 w 90"/>
+                <a:gd name="T15" fmla="*/ 58 h 58"/>
+                <a:gd name="T16" fmla="*/ 16 w 90"/>
+                <a:gd name="T17" fmla="*/ 25 h 58"/>
+                <a:gd name="T18" fmla="*/ 17 w 90"/>
+                <a:gd name="T19" fmla="*/ 23 h 58"/>
+                <a:gd name="T20" fmla="*/ 17 w 90"/>
+                <a:gd name="T21" fmla="*/ 23 h 58"/>
+                <a:gd name="T22" fmla="*/ 19 w 90"/>
+                <a:gd name="T23" fmla="*/ 25 h 58"/>
+                <a:gd name="T24" fmla="*/ 19 w 90"/>
+                <a:gd name="T25" fmla="*/ 58 h 58"/>
+                <a:gd name="T26" fmla="*/ 71 w 90"/>
+                <a:gd name="T27" fmla="*/ 58 h 58"/>
+                <a:gd name="T28" fmla="*/ 71 w 90"/>
+                <a:gd name="T29" fmla="*/ 25 h 58"/>
+                <a:gd name="T30" fmla="*/ 73 w 90"/>
+                <a:gd name="T31" fmla="*/ 23 h 58"/>
+                <a:gd name="T32" fmla="*/ 73 w 90"/>
+                <a:gd name="T33" fmla="*/ 23 h 58"/>
+                <a:gd name="T34" fmla="*/ 74 w 90"/>
+                <a:gd name="T35" fmla="*/ 25 h 58"/>
+                <a:gd name="T36" fmla="*/ 74 w 90"/>
+                <a:gd name="T37" fmla="*/ 58 h 58"/>
+                <a:gd name="T38" fmla="*/ 90 w 90"/>
+                <a:gd name="T39" fmla="*/ 58 h 58"/>
+                <a:gd name="T40" fmla="*/ 90 w 90"/>
+                <a:gd name="T41" fmla="*/ 18 h 58"/>
+                <a:gd name="T42" fmla="*/ 73 w 90"/>
+                <a:gd name="T43" fmla="*/ 0 h 58"/>
+              </a:gdLst>
+              <a:ahLst/>
+              <a:cxnLst>
+                <a:cxn ang="0">
+                  <a:pos x="T0" y="T1"/>
+                </a:cxn>
+                <a:cxn ang="0">
+                  <a:pos x="T2" y="T3"/>
+                </a:cxn>
+                <a:cxn ang="0">
+                  <a:pos x="T4" y="T5"/>
+                </a:cxn>
+                <a:cxn ang="0">
+                  <a:pos x="T6" y="T7"/>
+                </a:cxn>
+                <a:cxn ang="0">
+                  <a:pos x="T8" y="T9"/>
+                </a:cxn>
+                <a:cxn ang="0">
+                  <a:pos x="T10" y="T11"/>
+                </a:cxn>
+                <a:cxn ang="0">
+                  <a:pos x="T12" y="T13"/>
+                </a:cxn>
+                <a:cxn ang="0">
+                  <a:pos x="T14" y="T15"/>
+                </a:cxn>
+                <a:cxn ang="0">
+                  <a:pos x="T16" y="T17"/>
+                </a:cxn>
+                <a:cxn ang="0">
+                  <a:pos x="T18" y="T19"/>
+                </a:cxn>
+                <a:cxn ang="0">
+                  <a:pos x="T20" y="T21"/>
+                </a:cxn>
+                <a:cxn ang="0">
+                  <a:pos x="T22" y="T23"/>
+                </a:cxn>
+                <a:cxn ang="0">
+                  <a:pos x="T24" y="T25"/>
+                </a:cxn>
+                <a:cxn ang="0">
+                  <a:pos x="T26" y="T27"/>
+                </a:cxn>
+                <a:cxn ang="0">
+                  <a:pos x="T28" y="T29"/>
+                </a:cxn>
+                <a:cxn ang="0">
+                  <a:pos x="T30" y="T31"/>
+                </a:cxn>
+                <a:cxn ang="0">
+                  <a:pos x="T32" y="T33"/>
+                </a:cxn>
+                <a:cxn ang="0">
+                  <a:pos x="T34" y="T35"/>
+                </a:cxn>
+                <a:cxn ang="0">
+                  <a:pos x="T36" y="T37"/>
+                </a:cxn>
+                <a:cxn ang="0">
+                  <a:pos x="T38" y="T39"/>
+                </a:cxn>
+                <a:cxn ang="0">
+                  <a:pos x="T40" y="T41"/>
+                </a:cxn>
+                <a:cxn ang="0">
+                  <a:pos x="T42" y="T43"/>
+                </a:cxn>
+              </a:cxnLst>
+              <a:rect l="0" t="0" r="r" b="b"/>
+              <a:pathLst>
+                <a:path w="90" h="58">
+                  <a:moveTo>
+                    <a:pt x="73" y="0"/>
+                  </a:moveTo>
+                  <a:cubicBezTo>
+                    <a:pt x="60" y="0"/>
+                    <a:pt x="60" y="0"/>
+                    <a:pt x="60" y="0"/>
+                  </a:cubicBezTo>
+                  <a:cubicBezTo>
+                    <a:pt x="60" y="0"/>
+                    <a:pt x="57" y="28"/>
+                    <a:pt x="45" y="28"/>
+                  </a:cubicBezTo>
+                  <a:cubicBezTo>
+                    <a:pt x="33" y="28"/>
+                    <a:pt x="30" y="0"/>
+                    <a:pt x="30" y="0"/>
+                  </a:cubicBezTo>
+                  <a:cubicBezTo>
+                    <a:pt x="17" y="0"/>
+                    <a:pt x="17" y="0"/>
+                    <a:pt x="17" y="0"/>
+                  </a:cubicBezTo>
+                  <a:cubicBezTo>
+                    <a:pt x="8" y="0"/>
+                    <a:pt x="0" y="8"/>
+                    <a:pt x="0" y="18"/>
+                  </a:cubicBezTo>
+                  <a:cubicBezTo>
+                    <a:pt x="0" y="58"/>
+                    <a:pt x="0" y="58"/>
+                    <a:pt x="0" y="58"/>
+                  </a:cubicBezTo>
+                  <a:cubicBezTo>
+                    <a:pt x="16" y="58"/>
+                    <a:pt x="16" y="58"/>
+                    <a:pt x="16" y="58"/>
+                  </a:cubicBezTo>
+                  <a:cubicBezTo>
+                    <a:pt x="16" y="25"/>
+                    <a:pt x="16" y="25"/>
+                    <a:pt x="16" y="25"/>
+                  </a:cubicBezTo>
+                  <a:cubicBezTo>
+                    <a:pt x="16" y="24"/>
+                    <a:pt x="17" y="23"/>
+                    <a:pt x="17" y="23"/>
+                  </a:cubicBezTo>
+                  <a:cubicBezTo>
+                    <a:pt x="17" y="23"/>
+                    <a:pt x="17" y="23"/>
+                    <a:pt x="17" y="23"/>
+                  </a:cubicBezTo>
+                  <a:cubicBezTo>
+                    <a:pt x="18" y="23"/>
+                    <a:pt x="19" y="24"/>
+                    <a:pt x="19" y="25"/>
+                  </a:cubicBezTo>
+                  <a:cubicBezTo>
+                    <a:pt x="19" y="58"/>
+                    <a:pt x="19" y="58"/>
+                    <a:pt x="19" y="58"/>
+                  </a:cubicBezTo>
+                  <a:cubicBezTo>
+                    <a:pt x="71" y="58"/>
+                    <a:pt x="71" y="58"/>
+                    <a:pt x="71" y="58"/>
+                  </a:cubicBezTo>
+                  <a:cubicBezTo>
+                    <a:pt x="71" y="25"/>
+                    <a:pt x="71" y="25"/>
+                    <a:pt x="71" y="25"/>
+                  </a:cubicBezTo>
+                  <a:cubicBezTo>
+                    <a:pt x="71" y="24"/>
+                    <a:pt x="72" y="23"/>
+                    <a:pt x="73" y="23"/>
+                  </a:cubicBezTo>
+                  <a:cubicBezTo>
+                    <a:pt x="73" y="23"/>
+                    <a:pt x="73" y="23"/>
+                    <a:pt x="73" y="23"/>
+                  </a:cubicBezTo>
+                  <a:cubicBezTo>
+                    <a:pt x="73" y="23"/>
+                    <a:pt x="74" y="24"/>
+                    <a:pt x="74" y="25"/>
+                  </a:cubicBezTo>
+                  <a:cubicBezTo>
+                    <a:pt x="74" y="58"/>
+                    <a:pt x="74" y="58"/>
+                    <a:pt x="74" y="58"/>
+                  </a:cubicBezTo>
+                  <a:cubicBezTo>
+                    <a:pt x="90" y="58"/>
+                    <a:pt x="90" y="58"/>
+                    <a:pt x="90" y="58"/>
+                  </a:cubicBezTo>
+                  <a:cubicBezTo>
+                    <a:pt x="90" y="18"/>
+                    <a:pt x="90" y="18"/>
+                    <a:pt x="90" y="18"/>
+                  </a:cubicBezTo>
+                  <a:cubicBezTo>
+                    <a:pt x="90" y="8"/>
+                    <a:pt x="82" y="0"/>
+                    <a:pt x="73" y="0"/>
+                  </a:cubicBezTo>
+                  <a:close/>
+                </a:path>
+              </a:pathLst>
+            </a:custGeom>
+            <a:grpFill/>
+            <a:ln>
+              <a:noFill/>
+            </a:ln>
+          </p:spPr>
+          <p:txBody>
+            <a:bodyPr vert="horz" wrap="square" lIns="65024" tIns="32512" rIns="65024" bIns="32512" numCol="1" anchor="t" anchorCtr="0" compatLnSpc="1"/>
+            <a:lstStyle/>
+            <a:p>
+              <a:endParaRPr lang="zh-CN" altLang="en-US" sz="1280">
+                <a:solidFill>
+                  <a:prstClr val="black"/>
+                </a:solidFill>
+                <a:latin typeface="Arial" panose="020B0604020202020204" pitchFamily="34" charset="0"/>
+                <a:cs typeface="Arial" panose="020B0604020202020204" pitchFamily="34" charset="0"/>
+              </a:endParaRPr>
+            </a:p>
+          </p:txBody>
+        </p:sp>
+      </p:grpSp>
+      <p:grpSp>
+        <p:nvGrpSpPr>
+          <p:cNvPr id="35" name="组合 35">
+            <a:extLst>
+              <a:ext uri="{FF2B5EF4-FFF2-40B4-BE49-F238E27FC236}">
+                <a16:creationId xmlns:a16="http://schemas.microsoft.com/office/drawing/2014/main" id="{D7042EEC-F9BA-D1F5-1FA0-43F6C71AC9AF}"/>
+              </a:ext>
+            </a:extLst>
+          </p:cNvPr>
+          <p:cNvGrpSpPr/>
+          <p:nvPr/>
+        </p:nvGrpSpPr>
+        <p:grpSpPr>
+          <a:xfrm>
+            <a:off x="651129" y="3769608"/>
+            <a:ext cx="1416115" cy="884570"/>
+            <a:chOff x="2617090" y="1830603"/>
+            <a:chExt cx="1991412" cy="1243928"/>
+          </a:xfrm>
+        </p:grpSpPr>
+        <p:sp>
+          <p:nvSpPr>
+            <p:cNvPr id="36" name="矩形 36">
+              <a:extLst>
+                <a:ext uri="{FF2B5EF4-FFF2-40B4-BE49-F238E27FC236}">
+                  <a16:creationId xmlns:a16="http://schemas.microsoft.com/office/drawing/2014/main" id="{8B4584CA-7586-36A3-F4A1-21F00A73FCB0}"/>
+                </a:ext>
+              </a:extLst>
+            </p:cNvPr>
+            <p:cNvSpPr/>
+            <p:nvPr/>
+          </p:nvSpPr>
+          <p:spPr>
+            <a:xfrm>
+              <a:off x="2617090" y="2211523"/>
+              <a:ext cx="1991412" cy="863008"/>
+            </a:xfrm>
+            <a:prstGeom prst="rect">
+              <a:avLst/>
+            </a:prstGeom>
+          </p:spPr>
+          <p:txBody>
+            <a:bodyPr wrap="square">
+              <a:spAutoFit/>
+            </a:bodyPr>
+            <a:lstStyle/>
+            <a:p>
+              <a:pPr algn="ctr">
+                <a:lnSpc>
+                  <a:spcPct val="130000"/>
+                </a:lnSpc>
+              </a:pPr>
+              <a:r>
+                <a:rPr lang="en-US" altLang="zh-CN" sz="900" dirty="0">
+                  <a:solidFill>
+                    <a:schemeClr val="bg1"/>
+                  </a:solidFill>
+                  <a:latin typeface="Arial" panose="020B0604020202020204" pitchFamily="34" charset="0"/>
+                  <a:ea typeface="微软雅黑 Light" panose="020B0502040204020203" pitchFamily="34" charset="-122"/>
+                  <a:cs typeface="Arial" panose="020B0604020202020204" pitchFamily="34" charset="0"/>
+                </a:rPr>
+                <a:t>Safety Assessment</a:t>
+              </a:r>
+            </a:p>
+            <a:p>
+              <a:pPr algn="ctr">
+                <a:lnSpc>
+                  <a:spcPct val="130000"/>
+                </a:lnSpc>
+              </a:pPr>
+              <a:r>
+                <a:rPr lang="en-US" altLang="zh-CN" sz="900" dirty="0">
+                  <a:solidFill>
+                    <a:schemeClr val="bg1"/>
+                  </a:solidFill>
+                  <a:latin typeface="Arial" panose="020B0604020202020204" pitchFamily="34" charset="0"/>
+                  <a:ea typeface="微软雅黑 Light" panose="020B0502040204020203" pitchFamily="34" charset="-122"/>
+                  <a:cs typeface="Arial" panose="020B0604020202020204" pitchFamily="34" charset="0"/>
+                </a:rPr>
+                <a:t>Tolerability</a:t>
+              </a:r>
+            </a:p>
+            <a:p>
+              <a:pPr algn="ctr">
+                <a:lnSpc>
+                  <a:spcPct val="130000"/>
+                </a:lnSpc>
+              </a:pPr>
+              <a:r>
+                <a:rPr lang="en-US" altLang="zh-CN" sz="900" dirty="0">
+                  <a:solidFill>
+                    <a:schemeClr val="bg1"/>
+                  </a:solidFill>
+                  <a:latin typeface="Arial" panose="020B0604020202020204" pitchFamily="34" charset="0"/>
+                  <a:ea typeface="微软雅黑 Light" panose="020B0502040204020203" pitchFamily="34" charset="-122"/>
+                  <a:cs typeface="Arial" panose="020B0604020202020204" pitchFamily="34" charset="0"/>
+                </a:rPr>
+                <a:t>Pharmacokinetics (PK)</a:t>
+              </a:r>
+            </a:p>
+          </p:txBody>
+        </p:sp>
+        <p:sp>
+          <p:nvSpPr>
+            <p:cNvPr id="37" name="矩形 37">
+              <a:extLst>
+                <a:ext uri="{FF2B5EF4-FFF2-40B4-BE49-F238E27FC236}">
+                  <a16:creationId xmlns:a16="http://schemas.microsoft.com/office/drawing/2014/main" id="{B6C91696-4BB6-AC4F-E16B-97484299BD27}"/>
+                </a:ext>
+              </a:extLst>
+            </p:cNvPr>
+            <p:cNvSpPr/>
+            <p:nvPr/>
+          </p:nvSpPr>
+          <p:spPr>
+            <a:xfrm>
+              <a:off x="3034362" y="1830603"/>
+              <a:ext cx="1156867" cy="437590"/>
+            </a:xfrm>
+            <a:prstGeom prst="rect">
+              <a:avLst/>
+            </a:prstGeom>
+          </p:spPr>
+          <p:txBody>
+            <a:bodyPr wrap="none">
+              <a:spAutoFit/>
+            </a:bodyPr>
+            <a:lstStyle/>
+            <a:p>
+              <a:pPr algn="ctr"/>
+              <a:r>
+                <a:rPr lang="en-US" altLang="zh-CN" sz="1422" b="1" dirty="0">
+                  <a:solidFill>
+                    <a:prstClr val="white"/>
+                  </a:solidFill>
+                  <a:latin typeface="Arial" panose="020B0604020202020204" pitchFamily="34" charset="0"/>
+                  <a:ea typeface="迷你简菱心" panose="02010609000101010101" pitchFamily="49" charset="-122"/>
+                  <a:cs typeface="Arial" panose="020B0604020202020204" pitchFamily="34" charset="0"/>
+                </a:rPr>
+                <a:t>Phase I</a:t>
+              </a:r>
+              <a:endParaRPr lang="zh-CN" altLang="en-US" sz="1422" b="1" dirty="0">
+                <a:solidFill>
+                  <a:prstClr val="white"/>
+                </a:solidFill>
+                <a:latin typeface="Arial" panose="020B0604020202020204" pitchFamily="34" charset="0"/>
+                <a:ea typeface="迷你简菱心" panose="02010609000101010101" pitchFamily="49" charset="-122"/>
+                <a:cs typeface="Arial" panose="020B0604020202020204" pitchFamily="34" charset="0"/>
+              </a:endParaRPr>
+            </a:p>
+          </p:txBody>
+        </p:sp>
+      </p:grpSp>
+      <p:grpSp>
+        <p:nvGrpSpPr>
+          <p:cNvPr id="38" name="组合 38">
+            <a:extLst>
+              <a:ext uri="{FF2B5EF4-FFF2-40B4-BE49-F238E27FC236}">
+                <a16:creationId xmlns:a16="http://schemas.microsoft.com/office/drawing/2014/main" id="{7E62256A-955D-1F0B-7889-9F598626D361}"/>
+              </a:ext>
+            </a:extLst>
+          </p:cNvPr>
+          <p:cNvGrpSpPr/>
+          <p:nvPr/>
+        </p:nvGrpSpPr>
+        <p:grpSpPr>
+          <a:xfrm>
+            <a:off x="2572951" y="3795411"/>
+            <a:ext cx="1416115" cy="832965"/>
+            <a:chOff x="2713648" y="1830603"/>
+            <a:chExt cx="1991412" cy="1171357"/>
+          </a:xfrm>
+        </p:grpSpPr>
+        <p:sp>
+          <p:nvSpPr>
+            <p:cNvPr id="39" name="矩形 39">
+              <a:extLst>
+                <a:ext uri="{FF2B5EF4-FFF2-40B4-BE49-F238E27FC236}">
+                  <a16:creationId xmlns:a16="http://schemas.microsoft.com/office/drawing/2014/main" id="{3B588B32-B5DA-F691-C4C3-E9E43921CF2B}"/>
+                </a:ext>
+              </a:extLst>
+            </p:cNvPr>
+            <p:cNvSpPr/>
+            <p:nvPr/>
+          </p:nvSpPr>
+          <p:spPr>
+            <a:xfrm>
+              <a:off x="2713648" y="2138953"/>
+              <a:ext cx="1991412" cy="863007"/>
+            </a:xfrm>
+            <a:prstGeom prst="rect">
+              <a:avLst/>
+            </a:prstGeom>
+          </p:spPr>
+          <p:txBody>
+            <a:bodyPr wrap="square">
+              <a:spAutoFit/>
+            </a:bodyPr>
+            <a:lstStyle/>
+            <a:p>
+              <a:pPr algn="ctr">
+                <a:lnSpc>
+                  <a:spcPct val="130000"/>
+                </a:lnSpc>
+              </a:pPr>
+              <a:r>
+                <a:rPr lang="en-US" altLang="zh-CN" sz="900" dirty="0">
+                  <a:solidFill>
+                    <a:schemeClr val="bg1"/>
+                  </a:solidFill>
+                  <a:latin typeface="Arial" panose="020B0604020202020204" pitchFamily="34" charset="0"/>
+                  <a:ea typeface="微软雅黑 Light" panose="020B0502040204020203" pitchFamily="34" charset="-122"/>
+                  <a:cs typeface="Arial" panose="020B0604020202020204" pitchFamily="34" charset="0"/>
+                </a:rPr>
+                <a:t>Phase </a:t>
+              </a:r>
+              <a:r>
+                <a:rPr lang="en-US" altLang="zh-CN" sz="900" dirty="0" err="1">
+                  <a:solidFill>
+                    <a:schemeClr val="bg1"/>
+                  </a:solidFill>
+                  <a:latin typeface="Arial" panose="020B0604020202020204" pitchFamily="34" charset="0"/>
+                  <a:ea typeface="微软雅黑 Light" panose="020B0502040204020203" pitchFamily="34" charset="-122"/>
+                  <a:cs typeface="Arial" panose="020B0604020202020204" pitchFamily="34" charset="0"/>
+                </a:rPr>
+                <a:t>IIa</a:t>
+              </a:r>
+              <a:r>
+                <a:rPr lang="en-US" altLang="zh-CN" sz="900" dirty="0">
+                  <a:solidFill>
+                    <a:schemeClr val="bg1"/>
+                  </a:solidFill>
+                  <a:latin typeface="Arial" panose="020B0604020202020204" pitchFamily="34" charset="0"/>
+                  <a:ea typeface="微软雅黑 Light" panose="020B0502040204020203" pitchFamily="34" charset="-122"/>
+                  <a:cs typeface="Arial" panose="020B0604020202020204" pitchFamily="34" charset="0"/>
+                </a:rPr>
+                <a:t>: Proof-of-Concept</a:t>
+              </a:r>
+            </a:p>
+            <a:p>
+              <a:pPr algn="ctr">
+                <a:lnSpc>
+                  <a:spcPct val="130000"/>
+                </a:lnSpc>
+              </a:pPr>
+              <a:r>
+                <a:rPr lang="en-US" altLang="zh-CN" sz="900" dirty="0">
+                  <a:solidFill>
+                    <a:schemeClr val="bg1"/>
+                  </a:solidFill>
+                  <a:latin typeface="Arial" panose="020B0604020202020204" pitchFamily="34" charset="0"/>
+                  <a:ea typeface="微软雅黑 Light" panose="020B0502040204020203" pitchFamily="34" charset="-122"/>
+                  <a:cs typeface="Arial" panose="020B0604020202020204" pitchFamily="34" charset="0"/>
+                </a:rPr>
+                <a:t>Phase IIb: Dose-Finding</a:t>
+              </a:r>
+            </a:p>
+          </p:txBody>
+        </p:sp>
+        <p:sp>
+          <p:nvSpPr>
+            <p:cNvPr id="40" name="矩形 40">
+              <a:extLst>
+                <a:ext uri="{FF2B5EF4-FFF2-40B4-BE49-F238E27FC236}">
+                  <a16:creationId xmlns:a16="http://schemas.microsoft.com/office/drawing/2014/main" id="{AF293391-DCDE-273F-537A-5BAA65009259}"/>
+                </a:ext>
+              </a:extLst>
+            </p:cNvPr>
+            <p:cNvSpPr/>
+            <p:nvPr/>
+          </p:nvSpPr>
+          <p:spPr>
+            <a:xfrm>
+              <a:off x="3108375" y="1830603"/>
+              <a:ext cx="1201952" cy="437590"/>
+            </a:xfrm>
+            <a:prstGeom prst="rect">
+              <a:avLst/>
+            </a:prstGeom>
+          </p:spPr>
+          <p:txBody>
+            <a:bodyPr wrap="none">
+              <a:spAutoFit/>
+            </a:bodyPr>
+            <a:lstStyle/>
+            <a:p>
+              <a:pPr algn="ctr"/>
+              <a:r>
+                <a:rPr lang="en-US" altLang="zh-CN" sz="1422" dirty="0">
+                  <a:solidFill>
+                    <a:prstClr val="white"/>
+                  </a:solidFill>
+                  <a:latin typeface="Arial" panose="020B0604020202020204" pitchFamily="34" charset="0"/>
+                  <a:ea typeface="迷你简菱心" panose="02010609000101010101" pitchFamily="49" charset="-122"/>
+                  <a:cs typeface="Arial" panose="020B0604020202020204" pitchFamily="34" charset="0"/>
+                </a:rPr>
+                <a:t>Phase II</a:t>
+              </a:r>
+              <a:endParaRPr lang="zh-CN" altLang="en-US" sz="1422" dirty="0">
+                <a:solidFill>
+                  <a:prstClr val="white"/>
+                </a:solidFill>
+                <a:latin typeface="Arial" panose="020B0604020202020204" pitchFamily="34" charset="0"/>
+                <a:ea typeface="迷你简菱心" panose="02010609000101010101" pitchFamily="49" charset="-122"/>
+                <a:cs typeface="Arial" panose="020B0604020202020204" pitchFamily="34" charset="0"/>
+              </a:endParaRPr>
+            </a:p>
+          </p:txBody>
+        </p:sp>
+      </p:grpSp>
+      <p:grpSp>
+        <p:nvGrpSpPr>
+          <p:cNvPr id="41" name="组合 38">
+            <a:extLst>
+              <a:ext uri="{FF2B5EF4-FFF2-40B4-BE49-F238E27FC236}">
+                <a16:creationId xmlns:a16="http://schemas.microsoft.com/office/drawing/2014/main" id="{5DC7A284-81E6-7185-D80A-E76A7A327566}"/>
+              </a:ext>
+            </a:extLst>
+          </p:cNvPr>
+          <p:cNvGrpSpPr/>
+          <p:nvPr/>
+        </p:nvGrpSpPr>
+        <p:grpSpPr>
+          <a:xfrm>
+            <a:off x="4471072" y="3819067"/>
+            <a:ext cx="1416115" cy="832965"/>
+            <a:chOff x="2713648" y="1830603"/>
+            <a:chExt cx="1991412" cy="1171357"/>
+          </a:xfrm>
+        </p:grpSpPr>
+        <p:sp>
+          <p:nvSpPr>
+            <p:cNvPr id="42" name="矩形 39">
+              <a:extLst>
+                <a:ext uri="{FF2B5EF4-FFF2-40B4-BE49-F238E27FC236}">
+                  <a16:creationId xmlns:a16="http://schemas.microsoft.com/office/drawing/2014/main" id="{D9307341-3FC8-CC7B-0373-CA7594CFC4E1}"/>
+                </a:ext>
+              </a:extLst>
+            </p:cNvPr>
+            <p:cNvSpPr/>
+            <p:nvPr/>
+          </p:nvSpPr>
+          <p:spPr>
+            <a:xfrm>
+              <a:off x="2713648" y="2138953"/>
+              <a:ext cx="1991412" cy="863007"/>
+            </a:xfrm>
+            <a:prstGeom prst="rect">
+              <a:avLst/>
+            </a:prstGeom>
+          </p:spPr>
+          <p:txBody>
+            <a:bodyPr wrap="square">
+              <a:spAutoFit/>
+            </a:bodyPr>
+            <a:lstStyle/>
+            <a:p>
+              <a:pPr algn="ctr">
+                <a:lnSpc>
+                  <a:spcPct val="130000"/>
+                </a:lnSpc>
+              </a:pPr>
+              <a:r>
+                <a:rPr lang="en-US" altLang="zh-CN" sz="900" dirty="0">
+                  <a:solidFill>
+                    <a:schemeClr val="bg1"/>
+                  </a:solidFill>
+                  <a:latin typeface="Arial" panose="020B0604020202020204" pitchFamily="34" charset="0"/>
+                  <a:ea typeface="微软雅黑 Light" panose="020B0502040204020203" pitchFamily="34" charset="-122"/>
+                  <a:cs typeface="Arial" panose="020B0604020202020204" pitchFamily="34" charset="0"/>
+                </a:rPr>
+                <a:t>Superiority</a:t>
+              </a:r>
+            </a:p>
+            <a:p>
+              <a:pPr algn="ctr">
+                <a:lnSpc>
+                  <a:spcPct val="130000"/>
+                </a:lnSpc>
+              </a:pPr>
+              <a:r>
+                <a:rPr lang="en-US" altLang="zh-CN" sz="900" dirty="0">
+                  <a:solidFill>
+                    <a:schemeClr val="bg1"/>
+                  </a:solidFill>
+                  <a:latin typeface="Arial" panose="020B0604020202020204" pitchFamily="34" charset="0"/>
+                  <a:ea typeface="微软雅黑 Light" panose="020B0502040204020203" pitchFamily="34" charset="-122"/>
+                  <a:cs typeface="Arial" panose="020B0604020202020204" pitchFamily="34" charset="0"/>
+                </a:rPr>
+                <a:t>Non-inferiority </a:t>
+              </a:r>
+            </a:p>
+            <a:p>
+              <a:pPr algn="ctr">
+                <a:lnSpc>
+                  <a:spcPct val="130000"/>
+                </a:lnSpc>
+              </a:pPr>
+              <a:r>
+                <a:rPr lang="en-US" altLang="zh-CN" sz="900" dirty="0">
+                  <a:solidFill>
+                    <a:schemeClr val="bg1"/>
+                  </a:solidFill>
+                  <a:latin typeface="Arial" panose="020B0604020202020204" pitchFamily="34" charset="0"/>
+                  <a:ea typeface="微软雅黑 Light" panose="020B0502040204020203" pitchFamily="34" charset="-122"/>
+                  <a:cs typeface="Arial" panose="020B0604020202020204" pitchFamily="34" charset="0"/>
+                </a:rPr>
+                <a:t> Equivalence</a:t>
+              </a:r>
+            </a:p>
+          </p:txBody>
+        </p:sp>
+        <p:sp>
+          <p:nvSpPr>
+            <p:cNvPr id="43" name="矩形 40">
+              <a:extLst>
+                <a:ext uri="{FF2B5EF4-FFF2-40B4-BE49-F238E27FC236}">
+                  <a16:creationId xmlns:a16="http://schemas.microsoft.com/office/drawing/2014/main" id="{4902899E-55C7-8CBB-F800-8A2D4E3E0DAA}"/>
+                </a:ext>
+              </a:extLst>
+            </p:cNvPr>
+            <p:cNvSpPr/>
+            <p:nvPr/>
+          </p:nvSpPr>
+          <p:spPr>
+            <a:xfrm>
+              <a:off x="3072308" y="1830603"/>
+              <a:ext cx="1274088" cy="437590"/>
+            </a:xfrm>
+            <a:prstGeom prst="rect">
+              <a:avLst/>
+            </a:prstGeom>
+          </p:spPr>
+          <p:txBody>
+            <a:bodyPr wrap="none">
+              <a:spAutoFit/>
+            </a:bodyPr>
+            <a:lstStyle/>
+            <a:p>
+              <a:pPr algn="ctr"/>
+              <a:r>
+                <a:rPr lang="en-US" altLang="zh-CN" sz="1422" dirty="0">
+                  <a:solidFill>
+                    <a:prstClr val="white"/>
+                  </a:solidFill>
+                  <a:latin typeface="Arial" panose="020B0604020202020204" pitchFamily="34" charset="0"/>
+                  <a:ea typeface="迷你简菱心" panose="02010609000101010101" pitchFamily="49" charset="-122"/>
+                  <a:cs typeface="Arial" panose="020B0604020202020204" pitchFamily="34" charset="0"/>
+                </a:rPr>
+                <a:t>Phase III</a:t>
+              </a:r>
+              <a:endParaRPr lang="zh-CN" altLang="en-US" sz="1422" dirty="0">
+                <a:solidFill>
+                  <a:prstClr val="white"/>
+                </a:solidFill>
+                <a:latin typeface="Arial" panose="020B0604020202020204" pitchFamily="34" charset="0"/>
+                <a:ea typeface="迷你简菱心" panose="02010609000101010101" pitchFamily="49" charset="-122"/>
+                <a:cs typeface="Arial" panose="020B0604020202020204" pitchFamily="34" charset="0"/>
+              </a:endParaRPr>
+            </a:p>
+          </p:txBody>
+        </p:sp>
+      </p:grpSp>
+      <p:grpSp>
+        <p:nvGrpSpPr>
+          <p:cNvPr id="44" name="组合 38">
+            <a:extLst>
+              <a:ext uri="{FF2B5EF4-FFF2-40B4-BE49-F238E27FC236}">
+                <a16:creationId xmlns:a16="http://schemas.microsoft.com/office/drawing/2014/main" id="{C69C9E54-2B4E-3CDD-FAD4-D871530BDDDA}"/>
+              </a:ext>
+            </a:extLst>
+          </p:cNvPr>
+          <p:cNvGrpSpPr/>
+          <p:nvPr/>
+        </p:nvGrpSpPr>
+        <p:grpSpPr>
+          <a:xfrm>
+            <a:off x="6375398" y="3826324"/>
+            <a:ext cx="1416115" cy="652916"/>
+            <a:chOff x="2713648" y="1830603"/>
+            <a:chExt cx="1991412" cy="918163"/>
+          </a:xfrm>
+        </p:grpSpPr>
+        <p:sp>
+          <p:nvSpPr>
+            <p:cNvPr id="45" name="矩形 39">
+              <a:extLst>
+                <a:ext uri="{FF2B5EF4-FFF2-40B4-BE49-F238E27FC236}">
+                  <a16:creationId xmlns:a16="http://schemas.microsoft.com/office/drawing/2014/main" id="{2632C293-8D97-A4D8-94D0-E4E8BDD18C79}"/>
+                </a:ext>
+              </a:extLst>
+            </p:cNvPr>
+            <p:cNvSpPr/>
+            <p:nvPr/>
+          </p:nvSpPr>
+          <p:spPr>
+            <a:xfrm>
+              <a:off x="2713648" y="2138953"/>
+              <a:ext cx="1991412" cy="609813"/>
+            </a:xfrm>
+            <a:prstGeom prst="rect">
+              <a:avLst/>
+            </a:prstGeom>
+          </p:spPr>
+          <p:txBody>
+            <a:bodyPr wrap="square">
+              <a:spAutoFit/>
+            </a:bodyPr>
+            <a:lstStyle/>
+            <a:p>
+              <a:pPr algn="ctr">
+                <a:lnSpc>
+                  <a:spcPct val="130000"/>
+                </a:lnSpc>
+              </a:pPr>
+              <a:r>
+                <a:rPr lang="en-US" altLang="zh-CN" sz="900" dirty="0">
+                  <a:solidFill>
+                    <a:schemeClr val="bg1"/>
+                  </a:solidFill>
+                  <a:latin typeface="Arial" panose="020B0604020202020204" pitchFamily="34" charset="0"/>
+                  <a:ea typeface="微软雅黑 Light" panose="020B0502040204020203" pitchFamily="34" charset="-122"/>
+                  <a:cs typeface="Arial" panose="020B0604020202020204" pitchFamily="34" charset="0"/>
+                </a:rPr>
+                <a:t>Post-Marketing Surveillance</a:t>
+              </a:r>
+            </a:p>
+          </p:txBody>
+        </p:sp>
+        <p:sp>
+          <p:nvSpPr>
+            <p:cNvPr id="46" name="矩形 40">
+              <a:extLst>
+                <a:ext uri="{FF2B5EF4-FFF2-40B4-BE49-F238E27FC236}">
+                  <a16:creationId xmlns:a16="http://schemas.microsoft.com/office/drawing/2014/main" id="{D0E7DE90-00D5-9476-5A12-469C10332A05}"/>
+                </a:ext>
+              </a:extLst>
+            </p:cNvPr>
+            <p:cNvSpPr/>
+            <p:nvPr/>
+          </p:nvSpPr>
+          <p:spPr>
+            <a:xfrm>
+              <a:off x="3058783" y="1830603"/>
+              <a:ext cx="1301137" cy="437590"/>
+            </a:xfrm>
+            <a:prstGeom prst="rect">
+              <a:avLst/>
+            </a:prstGeom>
+          </p:spPr>
+          <p:txBody>
+            <a:bodyPr wrap="none">
+              <a:spAutoFit/>
+            </a:bodyPr>
+            <a:lstStyle/>
+            <a:p>
+              <a:pPr algn="ctr"/>
+              <a:r>
+                <a:rPr lang="en-US" altLang="zh-CN" sz="1422" dirty="0">
+                  <a:solidFill>
+                    <a:prstClr val="white"/>
+                  </a:solidFill>
+                  <a:latin typeface="Arial" panose="020B0604020202020204" pitchFamily="34" charset="0"/>
+                  <a:ea typeface="迷你简菱心" panose="02010609000101010101" pitchFamily="49" charset="-122"/>
+                  <a:cs typeface="Arial" panose="020B0604020202020204" pitchFamily="34" charset="0"/>
+                </a:rPr>
+                <a:t>Phase IV</a:t>
+              </a:r>
+              <a:endParaRPr lang="zh-CN" altLang="en-US" sz="1422" dirty="0">
+                <a:solidFill>
+                  <a:prstClr val="white"/>
+                </a:solidFill>
+                <a:latin typeface="Arial" panose="020B0604020202020204" pitchFamily="34" charset="0"/>
+                <a:ea typeface="迷你简菱心" panose="02010609000101010101" pitchFamily="49" charset="-122"/>
+                <a:cs typeface="Arial" panose="020B0604020202020204" pitchFamily="34" charset="0"/>
+              </a:endParaRPr>
+            </a:p>
+          </p:txBody>
+        </p:sp>
+      </p:grpSp>
+      <p:sp>
+        <p:nvSpPr>
+          <p:cNvPr id="47" name="Freeform 5">
+            <a:extLst>
+              <a:ext uri="{FF2B5EF4-FFF2-40B4-BE49-F238E27FC236}">
+                <a16:creationId xmlns:a16="http://schemas.microsoft.com/office/drawing/2014/main" id="{8C723911-A16A-57CC-835B-2FB1B7DA8289}"/>
+              </a:ext>
+            </a:extLst>
+          </p:cNvPr>
+          <p:cNvSpPr/>
+          <p:nvPr/>
+        </p:nvSpPr>
+        <p:spPr bwMode="auto">
+          <a:xfrm>
+            <a:off x="8144127" y="1743209"/>
+            <a:ext cx="1599658" cy="3667957"/>
+          </a:xfrm>
+          <a:custGeom>
+            <a:avLst/>
+            <a:gdLst>
+              <a:gd name="T0" fmla="*/ 130 w 258"/>
+              <a:gd name="T1" fmla="*/ 0 h 590"/>
+              <a:gd name="T2" fmla="*/ 128 w 258"/>
+              <a:gd name="T3" fmla="*/ 0 h 590"/>
+              <a:gd name="T4" fmla="*/ 0 w 258"/>
+              <a:gd name="T5" fmla="*/ 128 h 590"/>
+              <a:gd name="T6" fmla="*/ 0 w 258"/>
+              <a:gd name="T7" fmla="*/ 590 h 590"/>
+              <a:gd name="T8" fmla="*/ 258 w 258"/>
+              <a:gd name="T9" fmla="*/ 590 h 590"/>
+              <a:gd name="T10" fmla="*/ 258 w 258"/>
+              <a:gd name="T11" fmla="*/ 128 h 590"/>
+              <a:gd name="T12" fmla="*/ 130 w 258"/>
+              <a:gd name="T13" fmla="*/ 0 h 590"/>
+            </a:gdLst>
+            <a:ahLst/>
+            <a:cxnLst>
+              <a:cxn ang="0">
+                <a:pos x="T0" y="T1"/>
+              </a:cxn>
+              <a:cxn ang="0">
+                <a:pos x="T2" y="T3"/>
+              </a:cxn>
+              <a:cxn ang="0">
+                <a:pos x="T4" y="T5"/>
+              </a:cxn>
+              <a:cxn ang="0">
+                <a:pos x="T6" y="T7"/>
+              </a:cxn>
+              <a:cxn ang="0">
+                <a:pos x="T8" y="T9"/>
+              </a:cxn>
+              <a:cxn ang="0">
+                <a:pos x="T10" y="T11"/>
+              </a:cxn>
+              <a:cxn ang="0">
+                <a:pos x="T12" y="T13"/>
+              </a:cxn>
+            </a:cxnLst>
+            <a:rect l="0" t="0" r="r" b="b"/>
+            <a:pathLst>
+              <a:path w="258" h="590">
+                <a:moveTo>
+                  <a:pt x="130" y="0"/>
+                </a:moveTo>
+                <a:cubicBezTo>
+                  <a:pt x="128" y="0"/>
+                  <a:pt x="128" y="0"/>
+                  <a:pt x="128" y="0"/>
+                </a:cubicBezTo>
+                <a:cubicBezTo>
+                  <a:pt x="57" y="0"/>
+                  <a:pt x="0" y="57"/>
+                  <a:pt x="0" y="128"/>
+                </a:cubicBezTo>
+                <a:cubicBezTo>
+                  <a:pt x="0" y="590"/>
+                  <a:pt x="0" y="590"/>
+                  <a:pt x="0" y="590"/>
+                </a:cubicBezTo>
+                <a:cubicBezTo>
+                  <a:pt x="258" y="590"/>
+                  <a:pt x="258" y="590"/>
+                  <a:pt x="258" y="590"/>
+                </a:cubicBezTo>
+                <a:cubicBezTo>
+                  <a:pt x="258" y="128"/>
+                  <a:pt x="258" y="128"/>
+                  <a:pt x="258" y="128"/>
+                </a:cubicBezTo>
+                <a:cubicBezTo>
+                  <a:pt x="258" y="57"/>
+                  <a:pt x="201" y="0"/>
+                  <a:pt x="130" y="0"/>
+                </a:cubicBezTo>
+              </a:path>
+            </a:pathLst>
+          </a:custGeom>
+          <a:solidFill>
+            <a:schemeClr val="accent2">
+              <a:lumMod val="75000"/>
+            </a:schemeClr>
+          </a:solidFill>
+          <a:ln w="12700" cap="flat" cmpd="sng" algn="ctr">
+            <a:noFill/>
+            <a:prstDash val="solid"/>
+            <a:miter lim="800000"/>
+          </a:ln>
+          <a:effectLst>
+            <a:outerShdw blurRad="63500" algn="ctr" rotWithShape="0">
+              <a:prstClr val="black">
+                <a:alpha val="40000"/>
+              </a:prstClr>
+            </a:outerShdw>
+          </a:effectLst>
+        </p:spPr>
+        <p:txBody>
+          <a:bodyPr wrap="square" rtlCol="0" anchor="ctr">
+            <a:noAutofit/>
+          </a:bodyPr>
+          <a:lstStyle/>
+          <a:p>
+            <a:pPr algn="ctr" defTabSz="650230">
+              <a:defRPr/>
+            </a:pPr>
+            <a:endParaRPr lang="zh-CN" altLang="en-US" sz="1280" kern="0">
+              <a:solidFill>
+                <a:prstClr val="white"/>
+              </a:solidFill>
+              <a:latin typeface="Arial" panose="020B0604020202020204" pitchFamily="34" charset="0"/>
+              <a:ea typeface="宋体" panose="02010600030101010101" pitchFamily="2" charset="-122"/>
+              <a:cs typeface="Arial" panose="020B0604020202020204" pitchFamily="34" charset="0"/>
+            </a:endParaRPr>
+          </a:p>
+        </p:txBody>
+      </p:sp>
+      <p:sp>
+        <p:nvSpPr>
+          <p:cNvPr id="48" name="Oval 6">
+            <a:extLst>
+              <a:ext uri="{FF2B5EF4-FFF2-40B4-BE49-F238E27FC236}">
+                <a16:creationId xmlns:a16="http://schemas.microsoft.com/office/drawing/2014/main" id="{A211190C-CB33-964A-587C-D9CF07297744}"/>
+              </a:ext>
+            </a:extLst>
+          </p:cNvPr>
+          <p:cNvSpPr>
+            <a:spLocks noChangeArrowheads="1"/>
+          </p:cNvSpPr>
+          <p:nvPr/>
+        </p:nvSpPr>
+        <p:spPr bwMode="auto">
+          <a:xfrm>
+            <a:off x="8212197" y="1819135"/>
+            <a:ext cx="1463517" cy="1466135"/>
+          </a:xfrm>
+          <a:prstGeom prst="ellipse">
+            <a:avLst/>
+          </a:prstGeom>
+          <a:gradFill>
+            <a:gsLst>
+              <a:gs pos="0">
+                <a:srgbClr val="FFFFFF"/>
+              </a:gs>
+              <a:gs pos="100000">
+                <a:sysClr val="window" lastClr="FFFFFF">
+                  <a:lumMod val="95000"/>
+                </a:sysClr>
+              </a:gs>
+            </a:gsLst>
+            <a:lin ang="15000000" scaled="0"/>
+          </a:gradFill>
+          <a:ln w="25400" cap="flat" cmpd="sng" algn="ctr">
+            <a:gradFill>
+              <a:gsLst>
+                <a:gs pos="0">
+                  <a:sysClr val="window" lastClr="FFFFFF"/>
+                </a:gs>
+                <a:gs pos="100000">
+                  <a:sysClr val="window" lastClr="FFFFFF">
+                    <a:lumMod val="95000"/>
+                  </a:sysClr>
+                </a:gs>
+              </a:gsLst>
+              <a:lin ang="5400000" scaled="1"/>
+            </a:gradFill>
+            <a:prstDash val="solid"/>
+            <a:miter lim="800000"/>
+          </a:ln>
+          <a:effectLst>
+            <a:outerShdw blurRad="63500" sx="103000" sy="103000" algn="ctr" rotWithShape="0">
+              <a:prstClr val="black">
+                <a:alpha val="11000"/>
+              </a:prstClr>
+            </a:outerShdw>
+          </a:effectLst>
+        </p:spPr>
+        <p:txBody>
+          <a:bodyPr rtlCol="0" anchor="ctr"/>
+          <a:lstStyle/>
+          <a:p>
+            <a:pPr algn="ctr" defTabSz="650230">
+              <a:defRPr/>
+            </a:pPr>
+            <a:endParaRPr lang="zh-CN" altLang="en-US" sz="1280" kern="0">
+              <a:solidFill>
+                <a:prstClr val="white"/>
+              </a:solidFill>
+              <a:latin typeface="Arial" panose="020B0604020202020204" pitchFamily="34" charset="0"/>
+              <a:ea typeface="宋体" panose="02010600030101010101" pitchFamily="2" charset="-122"/>
+              <a:cs typeface="Arial" panose="020B0604020202020204" pitchFamily="34" charset="0"/>
+            </a:endParaRPr>
+          </a:p>
+        </p:txBody>
+      </p:sp>
+      <p:grpSp>
+        <p:nvGrpSpPr>
+          <p:cNvPr id="54" name="组合 35">
+            <a:extLst>
+              <a:ext uri="{FF2B5EF4-FFF2-40B4-BE49-F238E27FC236}">
+                <a16:creationId xmlns:a16="http://schemas.microsoft.com/office/drawing/2014/main" id="{81F7B7BC-7BD5-C32D-A4E5-6E20E9333550}"/>
+              </a:ext>
+            </a:extLst>
+          </p:cNvPr>
+          <p:cNvGrpSpPr/>
+          <p:nvPr/>
+        </p:nvGrpSpPr>
+        <p:grpSpPr>
+          <a:xfrm>
+            <a:off x="8257883" y="3821503"/>
+            <a:ext cx="1418978" cy="884570"/>
+            <a:chOff x="2615079" y="1830603"/>
+            <a:chExt cx="1995438" cy="1243928"/>
+          </a:xfrm>
+        </p:grpSpPr>
+        <p:sp>
+          <p:nvSpPr>
+            <p:cNvPr id="55" name="矩形 36">
+              <a:extLst>
+                <a:ext uri="{FF2B5EF4-FFF2-40B4-BE49-F238E27FC236}">
+                  <a16:creationId xmlns:a16="http://schemas.microsoft.com/office/drawing/2014/main" id="{3E5FEB70-6345-71AB-D6BF-ED1F5970D8C0}"/>
+                </a:ext>
+              </a:extLst>
+            </p:cNvPr>
+            <p:cNvSpPr/>
+            <p:nvPr/>
+          </p:nvSpPr>
+          <p:spPr>
+            <a:xfrm>
+              <a:off x="2617090" y="2211523"/>
+              <a:ext cx="1991412" cy="863008"/>
+            </a:xfrm>
+            <a:prstGeom prst="rect">
+              <a:avLst/>
+            </a:prstGeom>
+          </p:spPr>
+          <p:txBody>
+            <a:bodyPr wrap="square">
+              <a:spAutoFit/>
+            </a:bodyPr>
+            <a:lstStyle/>
+            <a:p>
+              <a:pPr algn="ctr">
+                <a:lnSpc>
+                  <a:spcPct val="130000"/>
+                </a:lnSpc>
+              </a:pPr>
+              <a:r>
+                <a:rPr lang="en-US" altLang="zh-CN" sz="900" dirty="0">
+                  <a:solidFill>
+                    <a:prstClr val="white"/>
+                  </a:solidFill>
+                  <a:latin typeface="Arial" panose="020B0604020202020204" pitchFamily="34" charset="0"/>
+                  <a:ea typeface="微软雅黑 Light" panose="020B0502040204020203" pitchFamily="34" charset="-122"/>
+                  <a:cs typeface="Arial" panose="020B0604020202020204" pitchFamily="34" charset="0"/>
+                </a:rPr>
+                <a:t>Pre-Market Approval</a:t>
+              </a:r>
+            </a:p>
+            <a:p>
+              <a:pPr algn="ctr">
+                <a:lnSpc>
+                  <a:spcPct val="130000"/>
+                </a:lnSpc>
+              </a:pPr>
+              <a:r>
+                <a:rPr lang="en-US" altLang="zh-CN" sz="900" dirty="0">
+                  <a:solidFill>
+                    <a:prstClr val="white"/>
+                  </a:solidFill>
+                  <a:latin typeface="Arial" panose="020B0604020202020204" pitchFamily="34" charset="0"/>
+                  <a:ea typeface="微软雅黑 Light" panose="020B0502040204020203" pitchFamily="34" charset="-122"/>
+                  <a:cs typeface="Arial" panose="020B0604020202020204" pitchFamily="34" charset="0"/>
+                </a:rPr>
+                <a:t>Post-Market Clinical Follow-up</a:t>
+              </a:r>
+            </a:p>
+          </p:txBody>
+        </p:sp>
+        <p:sp>
+          <p:nvSpPr>
+            <p:cNvPr id="56" name="矩形 37">
+              <a:extLst>
+                <a:ext uri="{FF2B5EF4-FFF2-40B4-BE49-F238E27FC236}">
+                  <a16:creationId xmlns:a16="http://schemas.microsoft.com/office/drawing/2014/main" id="{06E4DA64-F271-EEB7-65DD-1BC8E6ACF622}"/>
+                </a:ext>
+              </a:extLst>
+            </p:cNvPr>
+            <p:cNvSpPr/>
+            <p:nvPr/>
+          </p:nvSpPr>
+          <p:spPr>
+            <a:xfrm>
+              <a:off x="2615079" y="1830603"/>
+              <a:ext cx="1995438" cy="437590"/>
+            </a:xfrm>
+            <a:prstGeom prst="rect">
+              <a:avLst/>
+            </a:prstGeom>
+          </p:spPr>
+          <p:txBody>
+            <a:bodyPr wrap="none">
+              <a:spAutoFit/>
+            </a:bodyPr>
+            <a:lstStyle/>
+            <a:p>
+              <a:pPr algn="ctr"/>
+              <a:r>
+                <a:rPr lang="en-US" altLang="zh-CN" sz="1422" dirty="0">
+                  <a:solidFill>
+                    <a:prstClr val="white"/>
+                  </a:solidFill>
+                  <a:latin typeface="Arial" panose="020B0604020202020204" pitchFamily="34" charset="0"/>
+                  <a:ea typeface="迷你简菱心" panose="02010609000101010101" pitchFamily="49" charset="-122"/>
+                  <a:cs typeface="Arial" panose="020B0604020202020204" pitchFamily="34" charset="0"/>
+                </a:rPr>
+                <a:t>Medical Device</a:t>
+              </a:r>
+              <a:endParaRPr lang="zh-CN" altLang="en-US" sz="1422" dirty="0">
+                <a:solidFill>
+                  <a:prstClr val="white"/>
+                </a:solidFill>
+                <a:latin typeface="Arial" panose="020B0604020202020204" pitchFamily="34" charset="0"/>
+                <a:ea typeface="迷你简菱心" panose="02010609000101010101" pitchFamily="49" charset="-122"/>
+                <a:cs typeface="Arial" panose="020B0604020202020204" pitchFamily="34" charset="0"/>
+              </a:endParaRPr>
+            </a:p>
+          </p:txBody>
+        </p:sp>
+      </p:grpSp>
+      <p:sp>
+        <p:nvSpPr>
+          <p:cNvPr id="57" name="Freeform 5">
+            <a:extLst>
+              <a:ext uri="{FF2B5EF4-FFF2-40B4-BE49-F238E27FC236}">
+                <a16:creationId xmlns:a16="http://schemas.microsoft.com/office/drawing/2014/main" id="{027201B6-4F30-A074-56AD-EBB0676ABB72}"/>
+              </a:ext>
+            </a:extLst>
+          </p:cNvPr>
+          <p:cNvSpPr/>
+          <p:nvPr/>
+        </p:nvSpPr>
+        <p:spPr bwMode="auto">
+          <a:xfrm>
+            <a:off x="10009998" y="1743209"/>
+            <a:ext cx="1599658" cy="3667957"/>
+          </a:xfrm>
+          <a:custGeom>
+            <a:avLst/>
+            <a:gdLst>
+              <a:gd name="T0" fmla="*/ 130 w 258"/>
+              <a:gd name="T1" fmla="*/ 0 h 590"/>
+              <a:gd name="T2" fmla="*/ 128 w 258"/>
+              <a:gd name="T3" fmla="*/ 0 h 590"/>
+              <a:gd name="T4" fmla="*/ 0 w 258"/>
+              <a:gd name="T5" fmla="*/ 128 h 590"/>
+              <a:gd name="T6" fmla="*/ 0 w 258"/>
+              <a:gd name="T7" fmla="*/ 590 h 590"/>
+              <a:gd name="T8" fmla="*/ 258 w 258"/>
+              <a:gd name="T9" fmla="*/ 590 h 590"/>
+              <a:gd name="T10" fmla="*/ 258 w 258"/>
+              <a:gd name="T11" fmla="*/ 128 h 590"/>
+              <a:gd name="T12" fmla="*/ 130 w 258"/>
+              <a:gd name="T13" fmla="*/ 0 h 590"/>
+            </a:gdLst>
+            <a:ahLst/>
+            <a:cxnLst>
+              <a:cxn ang="0">
+                <a:pos x="T0" y="T1"/>
+              </a:cxn>
+              <a:cxn ang="0">
+                <a:pos x="T2" y="T3"/>
+              </a:cxn>
+              <a:cxn ang="0">
+                <a:pos x="T4" y="T5"/>
+              </a:cxn>
+              <a:cxn ang="0">
+                <a:pos x="T6" y="T7"/>
+              </a:cxn>
+              <a:cxn ang="0">
+                <a:pos x="T8" y="T9"/>
+              </a:cxn>
+              <a:cxn ang="0">
+                <a:pos x="T10" y="T11"/>
+              </a:cxn>
+              <a:cxn ang="0">
+                <a:pos x="T12" y="T13"/>
+              </a:cxn>
+            </a:cxnLst>
+            <a:rect l="0" t="0" r="r" b="b"/>
+            <a:pathLst>
+              <a:path w="258" h="590">
+                <a:moveTo>
+                  <a:pt x="130" y="0"/>
+                </a:moveTo>
+                <a:cubicBezTo>
+                  <a:pt x="128" y="0"/>
+                  <a:pt x="128" y="0"/>
+                  <a:pt x="128" y="0"/>
+                </a:cubicBezTo>
+                <a:cubicBezTo>
+                  <a:pt x="57" y="0"/>
+                  <a:pt x="0" y="57"/>
+                  <a:pt x="0" y="128"/>
+                </a:cubicBezTo>
+                <a:cubicBezTo>
+                  <a:pt x="0" y="590"/>
+                  <a:pt x="0" y="590"/>
+                  <a:pt x="0" y="590"/>
+                </a:cubicBezTo>
+                <a:cubicBezTo>
+                  <a:pt x="258" y="590"/>
+                  <a:pt x="258" y="590"/>
+                  <a:pt x="258" y="590"/>
+                </a:cubicBezTo>
+                <a:cubicBezTo>
+                  <a:pt x="258" y="128"/>
+                  <a:pt x="258" y="128"/>
+                  <a:pt x="258" y="128"/>
+                </a:cubicBezTo>
+                <a:cubicBezTo>
+                  <a:pt x="258" y="57"/>
+                  <a:pt x="201" y="0"/>
+                  <a:pt x="130" y="0"/>
+                </a:cubicBezTo>
+              </a:path>
+            </a:pathLst>
+          </a:custGeom>
+          <a:solidFill>
+            <a:srgbClr val="0070C0"/>
+          </a:solidFill>
+          <a:ln w="12700" cap="flat" cmpd="sng" algn="ctr">
+            <a:noFill/>
+            <a:prstDash val="solid"/>
+            <a:miter lim="800000"/>
+          </a:ln>
+          <a:effectLst>
+            <a:outerShdw blurRad="63500" algn="ctr" rotWithShape="0">
+              <a:prstClr val="black">
+                <a:alpha val="40000"/>
+              </a:prstClr>
+            </a:outerShdw>
+          </a:effectLst>
+        </p:spPr>
+        <p:txBody>
+          <a:bodyPr wrap="square" rtlCol="0" anchor="ctr">
+            <a:noAutofit/>
+          </a:bodyPr>
+          <a:lstStyle/>
+          <a:p>
+            <a:pPr algn="ctr" defTabSz="650230">
+              <a:defRPr/>
+            </a:pPr>
+            <a:endParaRPr lang="zh-CN" altLang="en-US" sz="1280" kern="0">
+              <a:solidFill>
+                <a:prstClr val="white"/>
+              </a:solidFill>
+              <a:latin typeface="Arial" panose="020B0604020202020204" pitchFamily="34" charset="0"/>
+              <a:ea typeface="宋体" panose="02010600030101010101" pitchFamily="2" charset="-122"/>
+              <a:cs typeface="Arial" panose="020B0604020202020204" pitchFamily="34" charset="0"/>
+            </a:endParaRPr>
+          </a:p>
+        </p:txBody>
+      </p:sp>
+      <p:sp>
+        <p:nvSpPr>
+          <p:cNvPr id="58" name="Oval 6">
+            <a:extLst>
+              <a:ext uri="{FF2B5EF4-FFF2-40B4-BE49-F238E27FC236}">
+                <a16:creationId xmlns:a16="http://schemas.microsoft.com/office/drawing/2014/main" id="{7F748858-2377-9F91-36AF-C3FB78030C0C}"/>
+              </a:ext>
+            </a:extLst>
+          </p:cNvPr>
+          <p:cNvSpPr>
+            <a:spLocks noChangeArrowheads="1"/>
+          </p:cNvSpPr>
+          <p:nvPr/>
+        </p:nvSpPr>
+        <p:spPr bwMode="auto">
+          <a:xfrm>
+            <a:off x="10078068" y="1819135"/>
+            <a:ext cx="1463517" cy="1466135"/>
+          </a:xfrm>
+          <a:prstGeom prst="ellipse">
+            <a:avLst/>
+          </a:prstGeom>
+          <a:gradFill>
+            <a:gsLst>
+              <a:gs pos="0">
+                <a:srgbClr val="FFFFFF"/>
+              </a:gs>
+              <a:gs pos="100000">
+                <a:sysClr val="window" lastClr="FFFFFF">
+                  <a:lumMod val="95000"/>
+                </a:sysClr>
+              </a:gs>
+            </a:gsLst>
+            <a:lin ang="15000000" scaled="0"/>
+          </a:gradFill>
+          <a:ln w="25400" cap="flat" cmpd="sng" algn="ctr">
+            <a:gradFill>
+              <a:gsLst>
+                <a:gs pos="0">
+                  <a:sysClr val="window" lastClr="FFFFFF"/>
+                </a:gs>
+                <a:gs pos="100000">
+                  <a:sysClr val="window" lastClr="FFFFFF">
+                    <a:lumMod val="95000"/>
+                  </a:sysClr>
+                </a:gs>
+              </a:gsLst>
+              <a:lin ang="5400000" scaled="1"/>
+            </a:gradFill>
+            <a:prstDash val="solid"/>
+            <a:miter lim="800000"/>
+          </a:ln>
+          <a:effectLst>
+            <a:outerShdw blurRad="63500" sx="103000" sy="103000" algn="ctr" rotWithShape="0">
+              <a:prstClr val="black">
+                <a:alpha val="11000"/>
+              </a:prstClr>
+            </a:outerShdw>
+          </a:effectLst>
+        </p:spPr>
+        <p:txBody>
+          <a:bodyPr rtlCol="0" anchor="ctr"/>
+          <a:lstStyle/>
+          <a:p>
+            <a:pPr algn="ctr" defTabSz="650230">
+              <a:defRPr/>
+            </a:pPr>
+            <a:endParaRPr lang="zh-CN" altLang="en-US" sz="1280" kern="0">
+              <a:solidFill>
+                <a:prstClr val="white"/>
+              </a:solidFill>
+              <a:latin typeface="Arial" panose="020B0604020202020204" pitchFamily="34" charset="0"/>
+              <a:ea typeface="宋体" panose="02010600030101010101" pitchFamily="2" charset="-122"/>
+              <a:cs typeface="Arial" panose="020B0604020202020204" pitchFamily="34" charset="0"/>
+            </a:endParaRPr>
+          </a:p>
+        </p:txBody>
+      </p:sp>
+      <p:grpSp>
+        <p:nvGrpSpPr>
+          <p:cNvPr id="59" name="组合 11">
+            <a:extLst>
+              <a:ext uri="{FF2B5EF4-FFF2-40B4-BE49-F238E27FC236}">
+                <a16:creationId xmlns:a16="http://schemas.microsoft.com/office/drawing/2014/main" id="{AAD1D1A0-E97F-3DF0-4B41-74E052C38162}"/>
+              </a:ext>
+            </a:extLst>
+          </p:cNvPr>
+          <p:cNvGrpSpPr/>
+          <p:nvPr/>
+        </p:nvGrpSpPr>
+        <p:grpSpPr>
+          <a:xfrm>
+            <a:off x="10549326" y="2298247"/>
+            <a:ext cx="521002" cy="515765"/>
+            <a:chOff x="1691122" y="2480457"/>
+            <a:chExt cx="732659" cy="725295"/>
+          </a:xfrm>
+          <a:solidFill>
+            <a:srgbClr val="344F56"/>
+          </a:solidFill>
+        </p:grpSpPr>
+        <p:sp>
+          <p:nvSpPr>
+            <p:cNvPr id="60" name="Freeform 7">
+              <a:extLst>
+                <a:ext uri="{FF2B5EF4-FFF2-40B4-BE49-F238E27FC236}">
+                  <a16:creationId xmlns:a16="http://schemas.microsoft.com/office/drawing/2014/main" id="{03F092B2-2894-4589-D709-36855D5AA78B}"/>
+                </a:ext>
+              </a:extLst>
+            </p:cNvPr>
+            <p:cNvSpPr>
+              <a:spLocks noEditPoints="1"/>
+            </p:cNvSpPr>
+            <p:nvPr/>
+          </p:nvSpPr>
+          <p:spPr bwMode="auto">
+            <a:xfrm>
+              <a:off x="1761075" y="2568818"/>
+              <a:ext cx="592754" cy="636934"/>
+            </a:xfrm>
+            <a:custGeom>
+              <a:avLst/>
+              <a:gdLst>
+                <a:gd name="T0" fmla="*/ 34 w 68"/>
+                <a:gd name="T1" fmla="*/ 0 h 73"/>
+                <a:gd name="T2" fmla="*/ 0 w 68"/>
+                <a:gd name="T3" fmla="*/ 25 h 73"/>
+                <a:gd name="T4" fmla="*/ 0 w 68"/>
+                <a:gd name="T5" fmla="*/ 73 h 73"/>
+                <a:gd name="T6" fmla="*/ 68 w 68"/>
+                <a:gd name="T7" fmla="*/ 73 h 73"/>
+                <a:gd name="T8" fmla="*/ 68 w 68"/>
+                <a:gd name="T9" fmla="*/ 25 h 73"/>
+                <a:gd name="T10" fmla="*/ 34 w 68"/>
+                <a:gd name="T11" fmla="*/ 0 h 73"/>
+                <a:gd name="T12" fmla="*/ 34 w 68"/>
+                <a:gd name="T13" fmla="*/ 10 h 73"/>
+                <a:gd name="T14" fmla="*/ 39 w 68"/>
+                <a:gd name="T15" fmla="*/ 15 h 73"/>
+                <a:gd name="T16" fmla="*/ 34 w 68"/>
+                <a:gd name="T17" fmla="*/ 20 h 73"/>
+                <a:gd name="T18" fmla="*/ 29 w 68"/>
+                <a:gd name="T19" fmla="*/ 15 h 73"/>
+                <a:gd name="T20" fmla="*/ 34 w 68"/>
+                <a:gd name="T21" fmla="*/ 10 h 73"/>
+                <a:gd name="T22" fmla="*/ 46 w 68"/>
+                <a:gd name="T23" fmla="*/ 57 h 73"/>
+                <a:gd name="T24" fmla="*/ 22 w 68"/>
+                <a:gd name="T25" fmla="*/ 57 h 73"/>
+                <a:gd name="T26" fmla="*/ 22 w 68"/>
+                <a:gd name="T27" fmla="*/ 34 h 73"/>
+                <a:gd name="T28" fmla="*/ 46 w 68"/>
+                <a:gd name="T29" fmla="*/ 34 h 73"/>
+                <a:gd name="T30" fmla="*/ 46 w 68"/>
+                <a:gd name="T31" fmla="*/ 57 h 73"/>
+              </a:gdLst>
+              <a:ahLst/>
+              <a:cxnLst>
+                <a:cxn ang="0">
+                  <a:pos x="T0" y="T1"/>
+                </a:cxn>
+                <a:cxn ang="0">
+                  <a:pos x="T2" y="T3"/>
+                </a:cxn>
+                <a:cxn ang="0">
+                  <a:pos x="T4" y="T5"/>
+                </a:cxn>
+                <a:cxn ang="0">
+                  <a:pos x="T6" y="T7"/>
+                </a:cxn>
+                <a:cxn ang="0">
+                  <a:pos x="T8" y="T9"/>
+                </a:cxn>
+                <a:cxn ang="0">
+                  <a:pos x="T10" y="T11"/>
+                </a:cxn>
+                <a:cxn ang="0">
+                  <a:pos x="T12" y="T13"/>
+                </a:cxn>
+                <a:cxn ang="0">
+                  <a:pos x="T14" y="T15"/>
+                </a:cxn>
+                <a:cxn ang="0">
+                  <a:pos x="T16" y="T17"/>
+                </a:cxn>
+                <a:cxn ang="0">
+                  <a:pos x="T18" y="T19"/>
+                </a:cxn>
+                <a:cxn ang="0">
+                  <a:pos x="T20" y="T21"/>
+                </a:cxn>
+                <a:cxn ang="0">
+                  <a:pos x="T22" y="T23"/>
+                </a:cxn>
+                <a:cxn ang="0">
+                  <a:pos x="T24" y="T25"/>
+                </a:cxn>
+                <a:cxn ang="0">
+                  <a:pos x="T26" y="T27"/>
+                </a:cxn>
+                <a:cxn ang="0">
+                  <a:pos x="T28" y="T29"/>
+                </a:cxn>
+                <a:cxn ang="0">
+                  <a:pos x="T30" y="T31"/>
+                </a:cxn>
+              </a:cxnLst>
+              <a:rect l="0" t="0" r="r" b="b"/>
+              <a:pathLst>
+                <a:path w="68" h="73">
+                  <a:moveTo>
+                    <a:pt x="34" y="0"/>
+                  </a:moveTo>
+                  <a:cubicBezTo>
+                    <a:pt x="0" y="25"/>
+                    <a:pt x="0" y="25"/>
+                    <a:pt x="0" y="25"/>
+                  </a:cubicBezTo>
+                  <a:cubicBezTo>
+                    <a:pt x="0" y="73"/>
+                    <a:pt x="0" y="73"/>
+                    <a:pt x="0" y="73"/>
+                  </a:cubicBezTo>
+                  <a:cubicBezTo>
+                    <a:pt x="68" y="73"/>
+                    <a:pt x="68" y="73"/>
+                    <a:pt x="68" y="73"/>
+                  </a:cubicBezTo>
+                  <a:cubicBezTo>
+                    <a:pt x="68" y="25"/>
+                    <a:pt x="68" y="25"/>
+                    <a:pt x="68" y="25"/>
+                  </a:cubicBezTo>
+                  <a:lnTo>
+                    <a:pt x="34" y="0"/>
+                  </a:lnTo>
+                  <a:close/>
+                  <a:moveTo>
+                    <a:pt x="34" y="10"/>
+                  </a:moveTo>
+                  <a:cubicBezTo>
+                    <a:pt x="37" y="10"/>
+                    <a:pt x="39" y="12"/>
+                    <a:pt x="39" y="15"/>
+                  </a:cubicBezTo>
+                  <a:cubicBezTo>
+                    <a:pt x="39" y="18"/>
+                    <a:pt x="37" y="20"/>
+                    <a:pt x="34" y="20"/>
+                  </a:cubicBezTo>
+                  <a:cubicBezTo>
+                    <a:pt x="31" y="20"/>
+                    <a:pt x="29" y="18"/>
+                    <a:pt x="29" y="15"/>
+                  </a:cubicBezTo>
+                  <a:cubicBezTo>
+                    <a:pt x="29" y="12"/>
+                    <a:pt x="31" y="10"/>
+                    <a:pt x="34" y="10"/>
+                  </a:cubicBezTo>
+                  <a:close/>
+                  <a:moveTo>
+                    <a:pt x="46" y="57"/>
+                  </a:moveTo>
+                  <a:cubicBezTo>
+                    <a:pt x="22" y="57"/>
+                    <a:pt x="22" y="57"/>
+                    <a:pt x="22" y="57"/>
+                  </a:cubicBezTo>
+                  <a:cubicBezTo>
+                    <a:pt x="22" y="34"/>
+                    <a:pt x="22" y="34"/>
+                    <a:pt x="22" y="34"/>
+                  </a:cubicBezTo>
+                  <a:cubicBezTo>
+                    <a:pt x="46" y="34"/>
+                    <a:pt x="46" y="34"/>
+                    <a:pt x="46" y="34"/>
+                  </a:cubicBezTo>
+                  <a:lnTo>
+                    <a:pt x="46" y="57"/>
+                  </a:lnTo>
+                  <a:close/>
+                </a:path>
+              </a:pathLst>
+            </a:custGeom>
+            <a:grpFill/>
+            <a:ln>
+              <a:noFill/>
+            </a:ln>
+          </p:spPr>
+          <p:txBody>
+            <a:bodyPr vert="horz" wrap="square" lIns="65024" tIns="32512" rIns="65024" bIns="32512" numCol="1" anchor="t" anchorCtr="0" compatLnSpc="1"/>
+            <a:lstStyle/>
+            <a:p>
+              <a:endParaRPr lang="zh-CN" altLang="en-US" sz="1280">
+                <a:solidFill>
+                  <a:prstClr val="black"/>
+                </a:solidFill>
+                <a:latin typeface="Arial" panose="020B0604020202020204" pitchFamily="34" charset="0"/>
+                <a:cs typeface="Arial" panose="020B0604020202020204" pitchFamily="34" charset="0"/>
+              </a:endParaRPr>
+            </a:p>
+          </p:txBody>
+        </p:sp>
+        <p:sp>
+          <p:nvSpPr>
+            <p:cNvPr id="61" name="Rectangle 8">
+              <a:extLst>
+                <a:ext uri="{FF2B5EF4-FFF2-40B4-BE49-F238E27FC236}">
+                  <a16:creationId xmlns:a16="http://schemas.microsoft.com/office/drawing/2014/main" id="{4BA03C2C-C1E2-8804-B801-3DA782B0C961}"/>
+                </a:ext>
+              </a:extLst>
+            </p:cNvPr>
+            <p:cNvSpPr>
+              <a:spLocks noChangeArrowheads="1"/>
+            </p:cNvSpPr>
+            <p:nvPr/>
+          </p:nvSpPr>
+          <p:spPr bwMode="auto">
+            <a:xfrm>
+              <a:off x="2040884" y="2863354"/>
+              <a:ext cx="33135" cy="202494"/>
+            </a:xfrm>
+            <a:prstGeom prst="rect">
+              <a:avLst/>
+            </a:prstGeom>
+            <a:grpFill/>
+            <a:ln>
+              <a:noFill/>
+            </a:ln>
+          </p:spPr>
+          <p:txBody>
+            <a:bodyPr vert="horz" wrap="square" lIns="65024" tIns="32512" rIns="65024" bIns="32512" numCol="1" anchor="t" anchorCtr="0" compatLnSpc="1"/>
+            <a:lstStyle/>
+            <a:p>
+              <a:endParaRPr lang="zh-CN" altLang="en-US" sz="1280">
+                <a:solidFill>
+                  <a:prstClr val="black"/>
+                </a:solidFill>
+                <a:latin typeface="Arial" panose="020B0604020202020204" pitchFamily="34" charset="0"/>
+                <a:cs typeface="Arial" panose="020B0604020202020204" pitchFamily="34" charset="0"/>
+              </a:endParaRPr>
+            </a:p>
+          </p:txBody>
+        </p:sp>
+        <p:sp>
+          <p:nvSpPr>
+            <p:cNvPr id="62" name="Rectangle 9">
+              <a:extLst>
+                <a:ext uri="{FF2B5EF4-FFF2-40B4-BE49-F238E27FC236}">
+                  <a16:creationId xmlns:a16="http://schemas.microsoft.com/office/drawing/2014/main" id="{7ADA5ABA-CD99-CDA7-DD09-F047A0A03404}"/>
+                </a:ext>
+              </a:extLst>
+            </p:cNvPr>
+            <p:cNvSpPr>
+              <a:spLocks noChangeArrowheads="1"/>
+            </p:cNvSpPr>
+            <p:nvPr/>
+          </p:nvSpPr>
+          <p:spPr bwMode="auto">
+            <a:xfrm>
+              <a:off x="1952523" y="2951715"/>
+              <a:ext cx="209857" cy="25772"/>
+            </a:xfrm>
+            <a:prstGeom prst="rect">
+              <a:avLst/>
+            </a:prstGeom>
+            <a:grpFill/>
+            <a:ln>
+              <a:noFill/>
+            </a:ln>
+          </p:spPr>
+          <p:txBody>
+            <a:bodyPr vert="horz" wrap="square" lIns="65024" tIns="32512" rIns="65024" bIns="32512" numCol="1" anchor="t" anchorCtr="0" compatLnSpc="1"/>
+            <a:lstStyle/>
+            <a:p>
+              <a:endParaRPr lang="zh-CN" altLang="en-US" sz="1280">
+                <a:solidFill>
+                  <a:prstClr val="black"/>
+                </a:solidFill>
+                <a:latin typeface="Arial" panose="020B0604020202020204" pitchFamily="34" charset="0"/>
+                <a:cs typeface="Arial" panose="020B0604020202020204" pitchFamily="34" charset="0"/>
+              </a:endParaRPr>
+            </a:p>
+          </p:txBody>
+        </p:sp>
+        <p:sp>
+          <p:nvSpPr>
+            <p:cNvPr id="63" name="Freeform 10">
+              <a:extLst>
+                <a:ext uri="{FF2B5EF4-FFF2-40B4-BE49-F238E27FC236}">
+                  <a16:creationId xmlns:a16="http://schemas.microsoft.com/office/drawing/2014/main" id="{E506B22C-C299-F40A-9BBC-6EF9A44A369E}"/>
+                </a:ext>
+              </a:extLst>
+            </p:cNvPr>
+            <p:cNvSpPr/>
+            <p:nvPr/>
+          </p:nvSpPr>
+          <p:spPr bwMode="auto">
+            <a:xfrm>
+              <a:off x="1691122" y="2480457"/>
+              <a:ext cx="732659" cy="312945"/>
+            </a:xfrm>
+            <a:custGeom>
+              <a:avLst/>
+              <a:gdLst>
+                <a:gd name="T0" fmla="*/ 83 w 84"/>
+                <a:gd name="T1" fmla="*/ 31 h 36"/>
+                <a:gd name="T2" fmla="*/ 76 w 84"/>
+                <a:gd name="T3" fmla="*/ 25 h 36"/>
+                <a:gd name="T4" fmla="*/ 42 w 84"/>
+                <a:gd name="T5" fmla="*/ 0 h 36"/>
+                <a:gd name="T6" fmla="*/ 27 w 84"/>
+                <a:gd name="T7" fmla="*/ 11 h 36"/>
+                <a:gd name="T8" fmla="*/ 27 w 84"/>
+                <a:gd name="T9" fmla="*/ 5 h 36"/>
+                <a:gd name="T10" fmla="*/ 25 w 84"/>
+                <a:gd name="T11" fmla="*/ 3 h 36"/>
+                <a:gd name="T12" fmla="*/ 24 w 84"/>
+                <a:gd name="T13" fmla="*/ 3 h 36"/>
+                <a:gd name="T14" fmla="*/ 22 w 84"/>
+                <a:gd name="T15" fmla="*/ 5 h 36"/>
+                <a:gd name="T16" fmla="*/ 22 w 84"/>
+                <a:gd name="T17" fmla="*/ 15 h 36"/>
+                <a:gd name="T18" fmla="*/ 8 w 84"/>
+                <a:gd name="T19" fmla="*/ 25 h 36"/>
+                <a:gd name="T20" fmla="*/ 1 w 84"/>
+                <a:gd name="T21" fmla="*/ 31 h 36"/>
+                <a:gd name="T22" fmla="*/ 0 w 84"/>
+                <a:gd name="T23" fmla="*/ 33 h 36"/>
+                <a:gd name="T24" fmla="*/ 0 w 84"/>
+                <a:gd name="T25" fmla="*/ 33 h 36"/>
+                <a:gd name="T26" fmla="*/ 4 w 84"/>
+                <a:gd name="T27" fmla="*/ 35 h 36"/>
+                <a:gd name="T28" fmla="*/ 8 w 84"/>
+                <a:gd name="T29" fmla="*/ 32 h 36"/>
+                <a:gd name="T30" fmla="*/ 42 w 84"/>
+                <a:gd name="T31" fmla="*/ 7 h 36"/>
+                <a:gd name="T32" fmla="*/ 76 w 84"/>
+                <a:gd name="T33" fmla="*/ 32 h 36"/>
+                <a:gd name="T34" fmla="*/ 80 w 84"/>
+                <a:gd name="T35" fmla="*/ 35 h 36"/>
+                <a:gd name="T36" fmla="*/ 84 w 84"/>
+                <a:gd name="T37" fmla="*/ 33 h 36"/>
+                <a:gd name="T38" fmla="*/ 84 w 84"/>
+                <a:gd name="T39" fmla="*/ 33 h 36"/>
+                <a:gd name="T40" fmla="*/ 83 w 84"/>
+                <a:gd name="T41" fmla="*/ 31 h 36"/>
+              </a:gdLst>
+              <a:ahLst/>
+              <a:cxnLst>
+                <a:cxn ang="0">
+                  <a:pos x="T0" y="T1"/>
+                </a:cxn>
+                <a:cxn ang="0">
+                  <a:pos x="T2" y="T3"/>
+                </a:cxn>
+                <a:cxn ang="0">
+                  <a:pos x="T4" y="T5"/>
+                </a:cxn>
+                <a:cxn ang="0">
+                  <a:pos x="T6" y="T7"/>
+                </a:cxn>
+                <a:cxn ang="0">
+                  <a:pos x="T8" y="T9"/>
+                </a:cxn>
+                <a:cxn ang="0">
+                  <a:pos x="T10" y="T11"/>
+                </a:cxn>
+                <a:cxn ang="0">
+                  <a:pos x="T12" y="T13"/>
+                </a:cxn>
+                <a:cxn ang="0">
+                  <a:pos x="T14" y="T15"/>
+                </a:cxn>
+                <a:cxn ang="0">
+                  <a:pos x="T16" y="T17"/>
+                </a:cxn>
+                <a:cxn ang="0">
+                  <a:pos x="T18" y="T19"/>
+                </a:cxn>
+                <a:cxn ang="0">
+                  <a:pos x="T20" y="T21"/>
+                </a:cxn>
+                <a:cxn ang="0">
+                  <a:pos x="T22" y="T23"/>
+                </a:cxn>
+                <a:cxn ang="0">
+                  <a:pos x="T24" y="T25"/>
+                </a:cxn>
+                <a:cxn ang="0">
+                  <a:pos x="T26" y="T27"/>
+                </a:cxn>
+                <a:cxn ang="0">
+                  <a:pos x="T28" y="T29"/>
+                </a:cxn>
+                <a:cxn ang="0">
+                  <a:pos x="T30" y="T31"/>
+                </a:cxn>
+                <a:cxn ang="0">
+                  <a:pos x="T32" y="T33"/>
+                </a:cxn>
+                <a:cxn ang="0">
+                  <a:pos x="T34" y="T35"/>
+                </a:cxn>
+                <a:cxn ang="0">
+                  <a:pos x="T36" y="T37"/>
+                </a:cxn>
+                <a:cxn ang="0">
+                  <a:pos x="T38" y="T39"/>
+                </a:cxn>
+                <a:cxn ang="0">
+                  <a:pos x="T40" y="T41"/>
+                </a:cxn>
+              </a:cxnLst>
+              <a:rect l="0" t="0" r="r" b="b"/>
+              <a:pathLst>
+                <a:path w="84" h="36">
+                  <a:moveTo>
+                    <a:pt x="83" y="31"/>
+                  </a:moveTo>
+                  <a:cubicBezTo>
+                    <a:pt x="76" y="25"/>
+                    <a:pt x="76" y="25"/>
+                    <a:pt x="76" y="25"/>
+                  </a:cubicBezTo>
+                  <a:cubicBezTo>
+                    <a:pt x="42" y="0"/>
+                    <a:pt x="42" y="0"/>
+                    <a:pt x="42" y="0"/>
+                  </a:cubicBezTo>
+                  <a:cubicBezTo>
+                    <a:pt x="27" y="11"/>
+                    <a:pt x="27" y="11"/>
+                    <a:pt x="27" y="11"/>
+                  </a:cubicBezTo>
+                  <a:cubicBezTo>
+                    <a:pt x="27" y="5"/>
+                    <a:pt x="27" y="5"/>
+                    <a:pt x="27" y="5"/>
+                  </a:cubicBezTo>
+                  <a:cubicBezTo>
+                    <a:pt x="27" y="4"/>
+                    <a:pt x="26" y="3"/>
+                    <a:pt x="25" y="3"/>
+                  </a:cubicBezTo>
+                  <a:cubicBezTo>
+                    <a:pt x="24" y="3"/>
+                    <a:pt x="24" y="3"/>
+                    <a:pt x="24" y="3"/>
+                  </a:cubicBezTo>
+                  <a:cubicBezTo>
+                    <a:pt x="23" y="3"/>
+                    <a:pt x="22" y="4"/>
+                    <a:pt x="22" y="5"/>
+                  </a:cubicBezTo>
+                  <a:cubicBezTo>
+                    <a:pt x="22" y="15"/>
+                    <a:pt x="22" y="15"/>
+                    <a:pt x="22" y="15"/>
+                  </a:cubicBezTo>
+                  <a:cubicBezTo>
+                    <a:pt x="8" y="25"/>
+                    <a:pt x="8" y="25"/>
+                    <a:pt x="8" y="25"/>
+                  </a:cubicBezTo>
+                  <a:cubicBezTo>
+                    <a:pt x="1" y="31"/>
+                    <a:pt x="1" y="31"/>
+                    <a:pt x="1" y="31"/>
+                  </a:cubicBezTo>
+                  <a:cubicBezTo>
+                    <a:pt x="0" y="31"/>
+                    <a:pt x="0" y="32"/>
+                    <a:pt x="0" y="33"/>
+                  </a:cubicBezTo>
+                  <a:cubicBezTo>
+                    <a:pt x="0" y="33"/>
+                    <a:pt x="0" y="33"/>
+                    <a:pt x="0" y="33"/>
+                  </a:cubicBezTo>
+                  <a:cubicBezTo>
+                    <a:pt x="0" y="35"/>
+                    <a:pt x="2" y="36"/>
+                    <a:pt x="4" y="35"/>
+                  </a:cubicBezTo>
+                  <a:cubicBezTo>
+                    <a:pt x="8" y="32"/>
+                    <a:pt x="8" y="32"/>
+                    <a:pt x="8" y="32"/>
+                  </a:cubicBezTo>
+                  <a:cubicBezTo>
+                    <a:pt x="42" y="7"/>
+                    <a:pt x="42" y="7"/>
+                    <a:pt x="42" y="7"/>
+                  </a:cubicBezTo>
+                  <a:cubicBezTo>
+                    <a:pt x="76" y="32"/>
+                    <a:pt x="76" y="32"/>
+                    <a:pt x="76" y="32"/>
+                  </a:cubicBezTo>
+                  <a:cubicBezTo>
+                    <a:pt x="80" y="35"/>
+                    <a:pt x="80" y="35"/>
+                    <a:pt x="80" y="35"/>
+                  </a:cubicBezTo>
+                  <a:cubicBezTo>
+                    <a:pt x="82" y="36"/>
+                    <a:pt x="84" y="35"/>
+                    <a:pt x="84" y="33"/>
+                  </a:cubicBezTo>
+                  <a:cubicBezTo>
+                    <a:pt x="84" y="33"/>
+                    <a:pt x="84" y="33"/>
+                    <a:pt x="84" y="33"/>
+                  </a:cubicBezTo>
+                  <a:cubicBezTo>
+                    <a:pt x="84" y="32"/>
+                    <a:pt x="84" y="31"/>
+                    <a:pt x="83" y="31"/>
+                  </a:cubicBezTo>
+                  <a:close/>
+                </a:path>
+              </a:pathLst>
+            </a:custGeom>
+            <a:grpFill/>
+            <a:ln>
+              <a:noFill/>
+            </a:ln>
+          </p:spPr>
+          <p:txBody>
+            <a:bodyPr vert="horz" wrap="square" lIns="65024" tIns="32512" rIns="65024" bIns="32512" numCol="1" anchor="t" anchorCtr="0" compatLnSpc="1"/>
+            <a:lstStyle/>
+            <a:p>
+              <a:endParaRPr lang="zh-CN" altLang="en-US" sz="1280">
+                <a:solidFill>
+                  <a:prstClr val="black"/>
+                </a:solidFill>
+                <a:latin typeface="Arial" panose="020B0604020202020204" pitchFamily="34" charset="0"/>
+                <a:cs typeface="Arial" panose="020B0604020202020204" pitchFamily="34" charset="0"/>
+              </a:endParaRPr>
+            </a:p>
+          </p:txBody>
+        </p:sp>
+      </p:grpSp>
+      <p:grpSp>
+        <p:nvGrpSpPr>
+          <p:cNvPr id="64" name="组合 35">
+            <a:extLst>
+              <a:ext uri="{FF2B5EF4-FFF2-40B4-BE49-F238E27FC236}">
+                <a16:creationId xmlns:a16="http://schemas.microsoft.com/office/drawing/2014/main" id="{70F7B631-9F4F-06BE-5C3C-E9B885BB03DA}"/>
+              </a:ext>
+            </a:extLst>
+          </p:cNvPr>
+          <p:cNvGrpSpPr/>
+          <p:nvPr/>
+        </p:nvGrpSpPr>
+        <p:grpSpPr>
+          <a:xfrm>
+            <a:off x="10058088" y="3819068"/>
+            <a:ext cx="1519968" cy="1064619"/>
+            <a:chOff x="2544072" y="1830603"/>
+            <a:chExt cx="2137455" cy="1497122"/>
+          </a:xfrm>
+        </p:grpSpPr>
+        <p:sp>
+          <p:nvSpPr>
+            <p:cNvPr id="65" name="矩形 36">
+              <a:extLst>
+                <a:ext uri="{FF2B5EF4-FFF2-40B4-BE49-F238E27FC236}">
+                  <a16:creationId xmlns:a16="http://schemas.microsoft.com/office/drawing/2014/main" id="{DB2919F7-39F2-8D1F-7B67-CB161C4730C2}"/>
+                </a:ext>
+              </a:extLst>
+            </p:cNvPr>
+            <p:cNvSpPr/>
+            <p:nvPr/>
+          </p:nvSpPr>
+          <p:spPr>
+            <a:xfrm>
+              <a:off x="2617090" y="2211523"/>
+              <a:ext cx="1991412" cy="1116202"/>
+            </a:xfrm>
+            <a:prstGeom prst="rect">
+              <a:avLst/>
+            </a:prstGeom>
+          </p:spPr>
+          <p:txBody>
+            <a:bodyPr wrap="square">
+              <a:spAutoFit/>
+            </a:bodyPr>
+            <a:lstStyle/>
+            <a:p>
+              <a:pPr algn="ctr">
+                <a:lnSpc>
+                  <a:spcPct val="130000"/>
+                </a:lnSpc>
+              </a:pPr>
+              <a:r>
+                <a:rPr lang="en-US" altLang="zh-CN" sz="900" dirty="0">
+                  <a:solidFill>
+                    <a:schemeClr val="bg1">
+                      <a:lumMod val="95000"/>
+                    </a:schemeClr>
+                  </a:solidFill>
+                  <a:latin typeface="Arial" panose="020B0604020202020204" pitchFamily="34" charset="0"/>
+                  <a:ea typeface="微软雅黑 Light" panose="020B0502040204020203" pitchFamily="34" charset="-122"/>
+                  <a:cs typeface="Arial" panose="020B0604020202020204" pitchFamily="34" charset="0"/>
+                </a:rPr>
+                <a:t>Adaptive Design</a:t>
+              </a:r>
+            </a:p>
+            <a:p>
+              <a:pPr algn="ctr">
+                <a:lnSpc>
+                  <a:spcPct val="130000"/>
+                </a:lnSpc>
+              </a:pPr>
+              <a:r>
+                <a:rPr lang="en-US" altLang="zh-CN" sz="900" dirty="0">
+                  <a:solidFill>
+                    <a:schemeClr val="bg1">
+                      <a:lumMod val="95000"/>
+                    </a:schemeClr>
+                  </a:solidFill>
+                  <a:latin typeface="Arial" panose="020B0604020202020204" pitchFamily="34" charset="0"/>
+                  <a:ea typeface="微软雅黑 Light" panose="020B0502040204020203" pitchFamily="34" charset="-122"/>
+                  <a:cs typeface="Arial" panose="020B0604020202020204" pitchFamily="34" charset="0"/>
+                </a:rPr>
+                <a:t>Complex Sequential</a:t>
+              </a:r>
+            </a:p>
+            <a:p>
+              <a:pPr algn="ctr">
+                <a:lnSpc>
+                  <a:spcPct val="130000"/>
+                </a:lnSpc>
+              </a:pPr>
+              <a:r>
+                <a:rPr lang="en-US" altLang="zh-CN" sz="900" dirty="0">
+                  <a:solidFill>
+                    <a:schemeClr val="bg1">
+                      <a:lumMod val="95000"/>
+                    </a:schemeClr>
+                  </a:solidFill>
+                  <a:latin typeface="Arial" panose="020B0604020202020204" pitchFamily="34" charset="0"/>
+                  <a:ea typeface="微软雅黑 Light" panose="020B0502040204020203" pitchFamily="34" charset="-122"/>
+                  <a:cs typeface="Arial" panose="020B0604020202020204" pitchFamily="34" charset="0"/>
+                </a:rPr>
+                <a:t>Externally Controlled Trials</a:t>
+              </a:r>
+            </a:p>
+          </p:txBody>
+        </p:sp>
+        <p:sp>
+          <p:nvSpPr>
+            <p:cNvPr id="66" name="矩形 37">
+              <a:extLst>
+                <a:ext uri="{FF2B5EF4-FFF2-40B4-BE49-F238E27FC236}">
+                  <a16:creationId xmlns:a16="http://schemas.microsoft.com/office/drawing/2014/main" id="{27EF581C-C613-619D-D4E0-B00D83E02772}"/>
+                </a:ext>
+              </a:extLst>
+            </p:cNvPr>
+            <p:cNvSpPr/>
+            <p:nvPr/>
+          </p:nvSpPr>
+          <p:spPr>
+            <a:xfrm>
+              <a:off x="2544072" y="1830603"/>
+              <a:ext cx="2137455" cy="437591"/>
+            </a:xfrm>
+            <a:prstGeom prst="rect">
+              <a:avLst/>
+            </a:prstGeom>
+          </p:spPr>
+          <p:txBody>
+            <a:bodyPr wrap="none">
+              <a:spAutoFit/>
+            </a:bodyPr>
+            <a:lstStyle/>
+            <a:p>
+              <a:pPr algn="ctr"/>
+              <a:r>
+                <a:rPr lang="en-US" altLang="zh-CN" sz="1422" dirty="0">
+                  <a:solidFill>
+                    <a:prstClr val="white"/>
+                  </a:solidFill>
+                  <a:latin typeface="Arial" panose="020B0604020202020204" pitchFamily="34" charset="0"/>
+                  <a:ea typeface="迷你简菱心" panose="02010609000101010101" pitchFamily="49" charset="-122"/>
+                  <a:cs typeface="Arial" panose="020B0604020202020204" pitchFamily="34" charset="0"/>
+                </a:rPr>
+                <a:t>Complex Design</a:t>
+              </a:r>
+              <a:endParaRPr lang="zh-CN" altLang="en-US" sz="1422" dirty="0">
+                <a:solidFill>
+                  <a:prstClr val="white"/>
+                </a:solidFill>
+                <a:latin typeface="Arial" panose="020B0604020202020204" pitchFamily="34" charset="0"/>
+                <a:ea typeface="迷你简菱心" panose="02010609000101010101" pitchFamily="49" charset="-122"/>
+                <a:cs typeface="Arial" panose="020B0604020202020204" pitchFamily="34" charset="0"/>
+              </a:endParaRPr>
+            </a:p>
+          </p:txBody>
+        </p:sp>
+      </p:grpSp>
+      <p:pic>
+        <p:nvPicPr>
+          <p:cNvPr id="67" name="Picture 66">
+            <a:extLst>
+              <a:ext uri="{FF2B5EF4-FFF2-40B4-BE49-F238E27FC236}">
+                <a16:creationId xmlns:a16="http://schemas.microsoft.com/office/drawing/2014/main" id="{EBEA3F5E-BA2D-D226-FE45-DE564920DAB1}"/>
+              </a:ext>
+            </a:extLst>
+          </p:cNvPr>
+          <p:cNvPicPr>
+            <a:picLocks noChangeAspect="1"/>
+          </p:cNvPicPr>
+          <p:nvPr/>
+        </p:nvPicPr>
+        <p:blipFill>
+          <a:blip r:embed="rId2"/>
+          <a:stretch>
+            <a:fillRect/>
+          </a:stretch>
+        </p:blipFill>
+        <p:spPr>
+          <a:xfrm>
+            <a:off x="8599816" y="2206814"/>
+            <a:ext cx="689641" cy="727429"/>
+          </a:xfrm>
+          <a:prstGeom prst="rect">
+            <a:avLst/>
+          </a:prstGeom>
+        </p:spPr>
+      </p:pic>
+      <p:sp>
+        <p:nvSpPr>
+          <p:cNvPr id="68" name="Freeform 26">
+            <a:extLst>
+              <a:ext uri="{FF2B5EF4-FFF2-40B4-BE49-F238E27FC236}">
+                <a16:creationId xmlns:a16="http://schemas.microsoft.com/office/drawing/2014/main" id="{7169430E-E1C1-FFB4-AA17-E4FE9455F237}"/>
+              </a:ext>
+            </a:extLst>
+          </p:cNvPr>
+          <p:cNvSpPr>
+            <a:spLocks noEditPoints="1"/>
+          </p:cNvSpPr>
+          <p:nvPr/>
+        </p:nvSpPr>
+        <p:spPr bwMode="auto">
+          <a:xfrm>
+            <a:off x="1148388" y="2334793"/>
+            <a:ext cx="484709" cy="426960"/>
+          </a:xfrm>
+          <a:custGeom>
+            <a:avLst/>
+            <a:gdLst>
+              <a:gd name="T0" fmla="*/ 139 w 577"/>
+              <a:gd name="T1" fmla="*/ 87 h 609"/>
+              <a:gd name="T2" fmla="*/ 27 w 577"/>
+              <a:gd name="T3" fmla="*/ 87 h 609"/>
+              <a:gd name="T4" fmla="*/ 27 w 577"/>
+              <a:gd name="T5" fmla="*/ 48 h 609"/>
+              <a:gd name="T6" fmla="*/ 139 w 577"/>
+              <a:gd name="T7" fmla="*/ 48 h 609"/>
+              <a:gd name="T8" fmla="*/ 139 w 577"/>
+              <a:gd name="T9" fmla="*/ 87 h 609"/>
+              <a:gd name="T10" fmla="*/ 139 w 577"/>
+              <a:gd name="T11" fmla="*/ 179 h 609"/>
+              <a:gd name="T12" fmla="*/ 27 w 577"/>
+              <a:gd name="T13" fmla="*/ 179 h 609"/>
+              <a:gd name="T14" fmla="*/ 27 w 577"/>
+              <a:gd name="T15" fmla="*/ 140 h 609"/>
+              <a:gd name="T16" fmla="*/ 139 w 577"/>
+              <a:gd name="T17" fmla="*/ 140 h 609"/>
+              <a:gd name="T18" fmla="*/ 139 w 577"/>
+              <a:gd name="T19" fmla="*/ 179 h 609"/>
+              <a:gd name="T20" fmla="*/ 139 w 577"/>
+              <a:gd name="T21" fmla="*/ 271 h 609"/>
+              <a:gd name="T22" fmla="*/ 27 w 577"/>
+              <a:gd name="T23" fmla="*/ 271 h 609"/>
+              <a:gd name="T24" fmla="*/ 27 w 577"/>
+              <a:gd name="T25" fmla="*/ 232 h 609"/>
+              <a:gd name="T26" fmla="*/ 139 w 577"/>
+              <a:gd name="T27" fmla="*/ 232 h 609"/>
+              <a:gd name="T28" fmla="*/ 139 w 577"/>
+              <a:gd name="T29" fmla="*/ 271 h 609"/>
+              <a:gd name="T30" fmla="*/ 0 w 577"/>
+              <a:gd name="T31" fmla="*/ 609 h 609"/>
+              <a:gd name="T32" fmla="*/ 166 w 577"/>
+              <a:gd name="T33" fmla="*/ 609 h 609"/>
+              <a:gd name="T34" fmla="*/ 166 w 577"/>
+              <a:gd name="T35" fmla="*/ 0 h 609"/>
+              <a:gd name="T36" fmla="*/ 0 w 577"/>
+              <a:gd name="T37" fmla="*/ 0 h 609"/>
+              <a:gd name="T38" fmla="*/ 0 w 577"/>
+              <a:gd name="T39" fmla="*/ 609 h 609"/>
+              <a:gd name="T40" fmla="*/ 344 w 577"/>
+              <a:gd name="T41" fmla="*/ 87 h 609"/>
+              <a:gd name="T42" fmla="*/ 232 w 577"/>
+              <a:gd name="T43" fmla="*/ 87 h 609"/>
+              <a:gd name="T44" fmla="*/ 232 w 577"/>
+              <a:gd name="T45" fmla="*/ 48 h 609"/>
+              <a:gd name="T46" fmla="*/ 344 w 577"/>
+              <a:gd name="T47" fmla="*/ 48 h 609"/>
+              <a:gd name="T48" fmla="*/ 344 w 577"/>
+              <a:gd name="T49" fmla="*/ 87 h 609"/>
+              <a:gd name="T50" fmla="*/ 344 w 577"/>
+              <a:gd name="T51" fmla="*/ 179 h 609"/>
+              <a:gd name="T52" fmla="*/ 232 w 577"/>
+              <a:gd name="T53" fmla="*/ 179 h 609"/>
+              <a:gd name="T54" fmla="*/ 232 w 577"/>
+              <a:gd name="T55" fmla="*/ 140 h 609"/>
+              <a:gd name="T56" fmla="*/ 344 w 577"/>
+              <a:gd name="T57" fmla="*/ 140 h 609"/>
+              <a:gd name="T58" fmla="*/ 344 w 577"/>
+              <a:gd name="T59" fmla="*/ 179 h 609"/>
+              <a:gd name="T60" fmla="*/ 344 w 577"/>
+              <a:gd name="T61" fmla="*/ 271 h 609"/>
+              <a:gd name="T62" fmla="*/ 232 w 577"/>
+              <a:gd name="T63" fmla="*/ 271 h 609"/>
+              <a:gd name="T64" fmla="*/ 232 w 577"/>
+              <a:gd name="T65" fmla="*/ 232 h 609"/>
+              <a:gd name="T66" fmla="*/ 344 w 577"/>
+              <a:gd name="T67" fmla="*/ 232 h 609"/>
+              <a:gd name="T68" fmla="*/ 344 w 577"/>
+              <a:gd name="T69" fmla="*/ 271 h 609"/>
+              <a:gd name="T70" fmla="*/ 205 w 577"/>
+              <a:gd name="T71" fmla="*/ 609 h 609"/>
+              <a:gd name="T72" fmla="*/ 371 w 577"/>
+              <a:gd name="T73" fmla="*/ 609 h 609"/>
+              <a:gd name="T74" fmla="*/ 371 w 577"/>
+              <a:gd name="T75" fmla="*/ 0 h 609"/>
+              <a:gd name="T76" fmla="*/ 205 w 577"/>
+              <a:gd name="T77" fmla="*/ 0 h 609"/>
+              <a:gd name="T78" fmla="*/ 205 w 577"/>
+              <a:gd name="T79" fmla="*/ 609 h 609"/>
+              <a:gd name="T80" fmla="*/ 549 w 577"/>
+              <a:gd name="T81" fmla="*/ 87 h 609"/>
+              <a:gd name="T82" fmla="*/ 437 w 577"/>
+              <a:gd name="T83" fmla="*/ 87 h 609"/>
+              <a:gd name="T84" fmla="*/ 437 w 577"/>
+              <a:gd name="T85" fmla="*/ 48 h 609"/>
+              <a:gd name="T86" fmla="*/ 549 w 577"/>
+              <a:gd name="T87" fmla="*/ 48 h 609"/>
+              <a:gd name="T88" fmla="*/ 549 w 577"/>
+              <a:gd name="T89" fmla="*/ 87 h 609"/>
+              <a:gd name="T90" fmla="*/ 549 w 577"/>
+              <a:gd name="T91" fmla="*/ 179 h 609"/>
+              <a:gd name="T92" fmla="*/ 437 w 577"/>
+              <a:gd name="T93" fmla="*/ 179 h 609"/>
+              <a:gd name="T94" fmla="*/ 437 w 577"/>
+              <a:gd name="T95" fmla="*/ 140 h 609"/>
+              <a:gd name="T96" fmla="*/ 549 w 577"/>
+              <a:gd name="T97" fmla="*/ 140 h 609"/>
+              <a:gd name="T98" fmla="*/ 549 w 577"/>
+              <a:gd name="T99" fmla="*/ 179 h 609"/>
+              <a:gd name="T100" fmla="*/ 549 w 577"/>
+              <a:gd name="T101" fmla="*/ 271 h 609"/>
+              <a:gd name="T102" fmla="*/ 437 w 577"/>
+              <a:gd name="T103" fmla="*/ 271 h 609"/>
+              <a:gd name="T104" fmla="*/ 437 w 577"/>
+              <a:gd name="T105" fmla="*/ 232 h 609"/>
+              <a:gd name="T106" fmla="*/ 549 w 577"/>
+              <a:gd name="T107" fmla="*/ 232 h 609"/>
+              <a:gd name="T108" fmla="*/ 549 w 577"/>
+              <a:gd name="T109" fmla="*/ 271 h 609"/>
+              <a:gd name="T110" fmla="*/ 410 w 577"/>
+              <a:gd name="T111" fmla="*/ 609 h 609"/>
+              <a:gd name="T112" fmla="*/ 577 w 577"/>
+              <a:gd name="T113" fmla="*/ 609 h 609"/>
+              <a:gd name="T114" fmla="*/ 577 w 577"/>
+              <a:gd name="T115" fmla="*/ 0 h 609"/>
+              <a:gd name="T116" fmla="*/ 410 w 577"/>
+              <a:gd name="T117" fmla="*/ 0 h 609"/>
+              <a:gd name="T118" fmla="*/ 410 w 577"/>
+              <a:gd name="T119" fmla="*/ 609 h 609"/>
+            </a:gdLst>
+            <a:ahLst/>
+            <a:cxnLst>
+              <a:cxn ang="0">
+                <a:pos x="T0" y="T1"/>
+              </a:cxn>
+              <a:cxn ang="0">
+                <a:pos x="T2" y="T3"/>
+              </a:cxn>
+              <a:cxn ang="0">
+                <a:pos x="T4" y="T5"/>
+              </a:cxn>
+              <a:cxn ang="0">
+                <a:pos x="T6" y="T7"/>
+              </a:cxn>
+              <a:cxn ang="0">
+                <a:pos x="T8" y="T9"/>
+              </a:cxn>
+              <a:cxn ang="0">
+                <a:pos x="T10" y="T11"/>
+              </a:cxn>
+              <a:cxn ang="0">
+                <a:pos x="T12" y="T13"/>
+              </a:cxn>
+              <a:cxn ang="0">
+                <a:pos x="T14" y="T15"/>
+              </a:cxn>
+              <a:cxn ang="0">
+                <a:pos x="T16" y="T17"/>
+              </a:cxn>
+              <a:cxn ang="0">
+                <a:pos x="T18" y="T19"/>
+              </a:cxn>
+              <a:cxn ang="0">
+                <a:pos x="T20" y="T21"/>
+              </a:cxn>
+              <a:cxn ang="0">
+                <a:pos x="T22" y="T23"/>
+              </a:cxn>
+              <a:cxn ang="0">
+                <a:pos x="T24" y="T25"/>
+              </a:cxn>
+              <a:cxn ang="0">
+                <a:pos x="T26" y="T27"/>
+              </a:cxn>
+              <a:cxn ang="0">
+                <a:pos x="T28" y="T29"/>
+              </a:cxn>
+              <a:cxn ang="0">
+                <a:pos x="T30" y="T31"/>
+              </a:cxn>
+              <a:cxn ang="0">
+                <a:pos x="T32" y="T33"/>
+              </a:cxn>
+              <a:cxn ang="0">
+                <a:pos x="T34" y="T35"/>
+              </a:cxn>
+              <a:cxn ang="0">
+                <a:pos x="T36" y="T37"/>
+              </a:cxn>
+              <a:cxn ang="0">
+                <a:pos x="T38" y="T39"/>
+              </a:cxn>
+              <a:cxn ang="0">
+                <a:pos x="T40" y="T41"/>
+              </a:cxn>
+              <a:cxn ang="0">
+                <a:pos x="T42" y="T43"/>
+              </a:cxn>
+              <a:cxn ang="0">
+                <a:pos x="T44" y="T45"/>
+              </a:cxn>
+              <a:cxn ang="0">
+                <a:pos x="T46" y="T47"/>
+              </a:cxn>
+              <a:cxn ang="0">
+                <a:pos x="T48" y="T49"/>
+              </a:cxn>
+              <a:cxn ang="0">
+                <a:pos x="T50" y="T51"/>
+              </a:cxn>
+              <a:cxn ang="0">
+                <a:pos x="T52" y="T53"/>
+              </a:cxn>
+              <a:cxn ang="0">
+                <a:pos x="T54" y="T55"/>
+              </a:cxn>
+              <a:cxn ang="0">
+                <a:pos x="T56" y="T57"/>
+              </a:cxn>
+              <a:cxn ang="0">
+                <a:pos x="T58" y="T59"/>
+              </a:cxn>
+              <a:cxn ang="0">
+                <a:pos x="T60" y="T61"/>
+              </a:cxn>
+              <a:cxn ang="0">
+                <a:pos x="T62" y="T63"/>
+              </a:cxn>
+              <a:cxn ang="0">
+                <a:pos x="T64" y="T65"/>
+              </a:cxn>
+              <a:cxn ang="0">
+                <a:pos x="T66" y="T67"/>
+              </a:cxn>
+              <a:cxn ang="0">
+                <a:pos x="T68" y="T69"/>
+              </a:cxn>
+              <a:cxn ang="0">
+                <a:pos x="T70" y="T71"/>
+              </a:cxn>
+              <a:cxn ang="0">
+                <a:pos x="T72" y="T73"/>
+              </a:cxn>
+              <a:cxn ang="0">
+                <a:pos x="T74" y="T75"/>
+              </a:cxn>
+              <a:cxn ang="0">
+                <a:pos x="T76" y="T77"/>
+              </a:cxn>
+              <a:cxn ang="0">
+                <a:pos x="T78" y="T79"/>
+              </a:cxn>
+              <a:cxn ang="0">
+                <a:pos x="T80" y="T81"/>
+              </a:cxn>
+              <a:cxn ang="0">
+                <a:pos x="T82" y="T83"/>
+              </a:cxn>
+              <a:cxn ang="0">
+                <a:pos x="T84" y="T85"/>
+              </a:cxn>
+              <a:cxn ang="0">
+                <a:pos x="T86" y="T87"/>
+              </a:cxn>
+              <a:cxn ang="0">
+                <a:pos x="T88" y="T89"/>
+              </a:cxn>
+              <a:cxn ang="0">
+                <a:pos x="T90" y="T91"/>
+              </a:cxn>
+              <a:cxn ang="0">
+                <a:pos x="T92" y="T93"/>
+              </a:cxn>
+              <a:cxn ang="0">
+                <a:pos x="T94" y="T95"/>
+              </a:cxn>
+              <a:cxn ang="0">
+                <a:pos x="T96" y="T97"/>
+              </a:cxn>
+              <a:cxn ang="0">
+                <a:pos x="T98" y="T99"/>
+              </a:cxn>
+              <a:cxn ang="0">
+                <a:pos x="T100" y="T101"/>
+              </a:cxn>
+              <a:cxn ang="0">
+                <a:pos x="T102" y="T103"/>
+              </a:cxn>
+              <a:cxn ang="0">
+                <a:pos x="T104" y="T105"/>
+              </a:cxn>
+              <a:cxn ang="0">
+                <a:pos x="T106" y="T107"/>
+              </a:cxn>
+              <a:cxn ang="0">
+                <a:pos x="T108" y="T109"/>
+              </a:cxn>
+              <a:cxn ang="0">
+                <a:pos x="T110" y="T111"/>
+              </a:cxn>
+              <a:cxn ang="0">
+                <a:pos x="T112" y="T113"/>
+              </a:cxn>
+              <a:cxn ang="0">
+                <a:pos x="T114" y="T115"/>
+              </a:cxn>
+              <a:cxn ang="0">
+                <a:pos x="T116" y="T117"/>
+              </a:cxn>
+              <a:cxn ang="0">
+                <a:pos x="T118" y="T119"/>
+              </a:cxn>
+            </a:cxnLst>
+            <a:rect l="0" t="0" r="r" b="b"/>
+            <a:pathLst>
+              <a:path w="577" h="609">
+                <a:moveTo>
+                  <a:pt x="139" y="87"/>
+                </a:moveTo>
+                <a:lnTo>
+                  <a:pt x="27" y="87"/>
+                </a:lnTo>
+                <a:lnTo>
+                  <a:pt x="27" y="48"/>
+                </a:lnTo>
+                <a:lnTo>
+                  <a:pt x="139" y="48"/>
+                </a:lnTo>
+                <a:lnTo>
+                  <a:pt x="139" y="87"/>
+                </a:lnTo>
+                <a:close/>
+                <a:moveTo>
+                  <a:pt x="139" y="179"/>
+                </a:moveTo>
+                <a:lnTo>
+                  <a:pt x="27" y="179"/>
+                </a:lnTo>
+                <a:lnTo>
+                  <a:pt x="27" y="140"/>
+                </a:lnTo>
+                <a:lnTo>
+                  <a:pt x="139" y="140"/>
+                </a:lnTo>
+                <a:lnTo>
+                  <a:pt x="139" y="179"/>
+                </a:lnTo>
+                <a:close/>
+                <a:moveTo>
+                  <a:pt x="139" y="271"/>
+                </a:moveTo>
+                <a:lnTo>
+                  <a:pt x="27" y="271"/>
+                </a:lnTo>
+                <a:lnTo>
+                  <a:pt x="27" y="232"/>
+                </a:lnTo>
+                <a:lnTo>
+                  <a:pt x="139" y="232"/>
+                </a:lnTo>
+                <a:lnTo>
+                  <a:pt x="139" y="271"/>
+                </a:lnTo>
+                <a:close/>
+                <a:moveTo>
+                  <a:pt x="0" y="609"/>
+                </a:moveTo>
+                <a:lnTo>
+                  <a:pt x="166" y="609"/>
+                </a:lnTo>
+                <a:lnTo>
+                  <a:pt x="166" y="0"/>
+                </a:lnTo>
+                <a:lnTo>
+                  <a:pt x="0" y="0"/>
+                </a:lnTo>
+                <a:lnTo>
+                  <a:pt x="0" y="609"/>
+                </a:lnTo>
+                <a:close/>
+                <a:moveTo>
+                  <a:pt x="344" y="87"/>
+                </a:moveTo>
+                <a:lnTo>
+                  <a:pt x="232" y="87"/>
+                </a:lnTo>
+                <a:lnTo>
+                  <a:pt x="232" y="48"/>
+                </a:lnTo>
+                <a:lnTo>
+                  <a:pt x="344" y="48"/>
+                </a:lnTo>
+                <a:lnTo>
+                  <a:pt x="344" y="87"/>
+                </a:lnTo>
+                <a:close/>
+                <a:moveTo>
+                  <a:pt x="344" y="179"/>
+                </a:moveTo>
+                <a:lnTo>
+                  <a:pt x="232" y="179"/>
+                </a:lnTo>
+                <a:lnTo>
+                  <a:pt x="232" y="140"/>
+                </a:lnTo>
+                <a:lnTo>
+                  <a:pt x="344" y="140"/>
+                </a:lnTo>
+                <a:lnTo>
+                  <a:pt x="344" y="179"/>
+                </a:lnTo>
+                <a:close/>
+                <a:moveTo>
+                  <a:pt x="344" y="271"/>
+                </a:moveTo>
+                <a:lnTo>
+                  <a:pt x="232" y="271"/>
+                </a:lnTo>
+                <a:lnTo>
+                  <a:pt x="232" y="232"/>
+                </a:lnTo>
+                <a:lnTo>
+                  <a:pt x="344" y="232"/>
+                </a:lnTo>
+                <a:lnTo>
+                  <a:pt x="344" y="271"/>
+                </a:lnTo>
+                <a:close/>
+                <a:moveTo>
+                  <a:pt x="205" y="609"/>
+                </a:moveTo>
+                <a:lnTo>
+                  <a:pt x="371" y="609"/>
+                </a:lnTo>
+                <a:lnTo>
+                  <a:pt x="371" y="0"/>
+                </a:lnTo>
+                <a:lnTo>
+                  <a:pt x="205" y="0"/>
+                </a:lnTo>
+                <a:lnTo>
+                  <a:pt x="205" y="609"/>
+                </a:lnTo>
+                <a:close/>
+                <a:moveTo>
+                  <a:pt x="549" y="87"/>
+                </a:moveTo>
+                <a:lnTo>
+                  <a:pt x="437" y="87"/>
+                </a:lnTo>
+                <a:lnTo>
+                  <a:pt x="437" y="48"/>
+                </a:lnTo>
+                <a:lnTo>
+                  <a:pt x="549" y="48"/>
+                </a:lnTo>
+                <a:lnTo>
+                  <a:pt x="549" y="87"/>
+                </a:lnTo>
+                <a:close/>
+                <a:moveTo>
+                  <a:pt x="549" y="179"/>
+                </a:moveTo>
+                <a:lnTo>
+                  <a:pt x="437" y="179"/>
+                </a:lnTo>
+                <a:lnTo>
+                  <a:pt x="437" y="140"/>
+                </a:lnTo>
+                <a:lnTo>
+                  <a:pt x="549" y="140"/>
+                </a:lnTo>
+                <a:lnTo>
+                  <a:pt x="549" y="179"/>
+                </a:lnTo>
+                <a:close/>
+                <a:moveTo>
+                  <a:pt x="549" y="271"/>
+                </a:moveTo>
+                <a:lnTo>
+                  <a:pt x="437" y="271"/>
+                </a:lnTo>
+                <a:lnTo>
+                  <a:pt x="437" y="232"/>
+                </a:lnTo>
+                <a:lnTo>
+                  <a:pt x="549" y="232"/>
+                </a:lnTo>
+                <a:lnTo>
+                  <a:pt x="549" y="271"/>
+                </a:lnTo>
+                <a:close/>
+                <a:moveTo>
+                  <a:pt x="410" y="609"/>
+                </a:moveTo>
+                <a:lnTo>
+                  <a:pt x="577" y="609"/>
+                </a:lnTo>
+                <a:lnTo>
+                  <a:pt x="577" y="0"/>
+                </a:lnTo>
+                <a:lnTo>
+                  <a:pt x="410" y="0"/>
+                </a:lnTo>
+                <a:lnTo>
+                  <a:pt x="410" y="609"/>
+                </a:lnTo>
+                <a:close/>
+              </a:path>
+            </a:pathLst>
+          </a:custGeom>
+          <a:solidFill>
+            <a:srgbClr val="344F56"/>
+          </a:solidFill>
+          <a:ln>
+            <a:noFill/>
+          </a:ln>
+          <a:effectLst>
+            <a:outerShdw blurRad="63500" algn="ctr" rotWithShape="0">
+              <a:prstClr val="black">
+                <a:alpha val="40000"/>
+              </a:prstClr>
+            </a:outerShdw>
+          </a:effectLst>
+        </p:spPr>
+        <p:txBody>
+          <a:bodyPr vert="horz" wrap="square" lIns="65024" tIns="32512" rIns="65024" bIns="32512" numCol="1" anchor="t" anchorCtr="0" compatLnSpc="1"/>
+          <a:lstStyle/>
+          <a:p>
+            <a:pPr defTabSz="650230">
+              <a:defRPr/>
+            </a:pPr>
+            <a:endParaRPr lang="zh-CN" altLang="en-US" sz="1280" kern="0">
+              <a:solidFill>
+                <a:srgbClr val="ED7D31"/>
+              </a:solidFill>
+              <a:latin typeface="Arial" panose="020B0604020202020204" pitchFamily="34" charset="0"/>
+              <a:cs typeface="Arial" panose="020B0604020202020204" pitchFamily="34" charset="0"/>
+            </a:endParaRPr>
+          </a:p>
+        </p:txBody>
+      </p:sp>
+    </p:spTree>
+    <p:extLst>
+      <p:ext uri="{BB962C8B-B14F-4D97-AF65-F5344CB8AC3E}">
+        <p14:creationId xmlns:p14="http://schemas.microsoft.com/office/powerpoint/2010/main" val="675940020"/>
+      </p:ext>
+    </p:extLst>
+  </p:cSld>
+  <p:clrMapOvr>
+    <a:masterClrMapping/>
+  </p:clrMapOvr>
+</p:sld>
+</file>
+
+<file path=ppt/slides/slide5.xml><?xml version="1.0" encoding="utf-8"?>
+<p:sld xmlns:a="http://schemas.openxmlformats.org/drawingml/2006/main" xmlns:r="http://schemas.openxmlformats.org/officeDocument/2006/relationships" xmlns:p="http://schemas.openxmlformats.org/presentationml/2006/main">
+  <p:cSld>
+    <p:spTree>
+      <p:nvGrpSpPr>
+        <p:cNvPr id="1" name=""/>
+        <p:cNvGrpSpPr/>
+        <p:nvPr/>
+      </p:nvGrpSpPr>
+      <p:grpSpPr>
+        <a:xfrm>
+          <a:off x="0" y="0"/>
+          <a:ext cx="0" cy="0"/>
+          <a:chOff x="0" y="0"/>
+          <a:chExt cx="0" cy="0"/>
+        </a:xfrm>
+      </p:grpSpPr>
+      <p:sp>
+        <p:nvSpPr>
+          <p:cNvPr id="17" name="Rectangle 16">
+            <a:extLst>
+              <a:ext uri="{FF2B5EF4-FFF2-40B4-BE49-F238E27FC236}">
+                <a16:creationId xmlns:a16="http://schemas.microsoft.com/office/drawing/2014/main" id="{37DAADDE-8074-D513-33A3-050484DF4527}"/>
+              </a:ext>
+            </a:extLst>
+          </p:cNvPr>
+          <p:cNvSpPr/>
+          <p:nvPr/>
+        </p:nvSpPr>
+        <p:spPr>
+          <a:xfrm>
+            <a:off x="0" y="0"/>
+            <a:ext cx="12192000" cy="904009"/>
+          </a:xfrm>
+          <a:prstGeom prst="rect">
+            <a:avLst/>
+          </a:prstGeom>
+          <a:solidFill>
+            <a:srgbClr val="CBBDE6"/>
+          </a:solidFill>
+        </p:spPr>
+        <p:style>
+          <a:lnRef idx="2">
+            <a:schemeClr val="accent1">
+              <a:shade val="15000"/>
+            </a:schemeClr>
+          </a:lnRef>
+          <a:fillRef idx="1">
+            <a:schemeClr val="accent1"/>
+          </a:fillRef>
+          <a:effectRef idx="0">
+            <a:schemeClr val="accent1"/>
+          </a:effectRef>
+          <a:fontRef idx="minor">
+            <a:schemeClr val="lt1"/>
+          </a:fontRef>
+        </p:style>
+        <p:txBody>
+          <a:bodyPr rtlCol="0" anchor="ctr"/>
+          <a:lstStyle/>
+          <a:p>
+            <a:pPr algn="ctr"/>
+            <a:endParaRPr lang="en-US"/>
+          </a:p>
+        </p:txBody>
+      </p:sp>
+      <p:sp>
+        <p:nvSpPr>
+          <p:cNvPr id="7" name="Picture Placeholder 9">
+            <a:extLst>
+              <a:ext uri="{FF2B5EF4-FFF2-40B4-BE49-F238E27FC236}">
+                <a16:creationId xmlns:a16="http://schemas.microsoft.com/office/drawing/2014/main" id="{E7A25D3B-90FB-999A-458F-7BA1C652466E}"/>
+              </a:ext>
+            </a:extLst>
+          </p:cNvPr>
+          <p:cNvSpPr txBox="1">
+            <a:spLocks/>
+          </p:cNvSpPr>
+          <p:nvPr/>
+        </p:nvSpPr>
+        <p:spPr>
+          <a:xfrm>
+            <a:off x="0" y="0"/>
+            <a:ext cx="12192000" cy="6858000"/>
+          </a:xfrm>
+          <a:prstGeom prst="rect">
+            <a:avLst/>
+          </a:prstGeom>
+          <a:solidFill>
+            <a:schemeClr val="bg1">
+              <a:lumMod val="95000"/>
+              <a:alpha val="50000"/>
+            </a:schemeClr>
+          </a:solidFill>
+        </p:spPr>
+        <p:txBody>
+          <a:bodyPr/>
+          <a:lstStyle>
+            <a:lvl1pPr marL="0" indent="0" algn="l" defTabSz="914400" rtl="0" eaLnBrk="1" latinLnBrk="0" hangingPunct="1">
+              <a:lnSpc>
+                <a:spcPct val="90000"/>
+              </a:lnSpc>
+              <a:spcBef>
+                <a:spcPts val="1000"/>
+              </a:spcBef>
+              <a:buFont typeface="Arial" panose="020B0604020202020204" pitchFamily="34" charset="0"/>
+              <a:buNone/>
+              <a:defRPr sz="2000" kern="1200">
+                <a:solidFill>
+                  <a:schemeClr val="bg1">
+                    <a:lumMod val="75000"/>
+                  </a:schemeClr>
+                </a:solidFill>
+                <a:latin typeface="+mn-lt"/>
+                <a:ea typeface="+mn-ea"/>
+                <a:cs typeface="+mn-cs"/>
+              </a:defRPr>
+            </a:lvl1pPr>
+            <a:lvl2pPr marL="685800" indent="-228600" algn="l" defTabSz="914400" rtl="0" eaLnBrk="1" latinLnBrk="0" hangingPunct="1">
+              <a:lnSpc>
+                <a:spcPct val="90000"/>
+              </a:lnSpc>
+              <a:spcBef>
+                <a:spcPts val="500"/>
+              </a:spcBef>
+              <a:buFont typeface="Arial" panose="020B0604020202020204" pitchFamily="34" charset="0"/>
+              <a:buChar char="•"/>
+              <a:defRPr sz="2400" kern="1200">
+                <a:solidFill>
+                  <a:schemeClr val="tx1"/>
+                </a:solidFill>
+                <a:latin typeface="+mn-lt"/>
+                <a:ea typeface="+mn-ea"/>
+                <a:cs typeface="+mn-cs"/>
+              </a:defRPr>
+            </a:lvl2pPr>
+            <a:lvl3pPr marL="1143000" indent="-228600" algn="l" defTabSz="914400" rtl="0" eaLnBrk="1" latinLnBrk="0" hangingPunct="1">
+              <a:lnSpc>
+                <a:spcPct val="90000"/>
+              </a:lnSpc>
+              <a:spcBef>
+                <a:spcPts val="500"/>
+              </a:spcBef>
+              <a:buFont typeface="Arial" panose="020B0604020202020204" pitchFamily="34" charset="0"/>
+              <a:buChar char="•"/>
+              <a:defRPr sz="2000" kern="1200">
+                <a:solidFill>
+                  <a:schemeClr val="tx1"/>
+                </a:solidFill>
+                <a:latin typeface="+mn-lt"/>
+                <a:ea typeface="+mn-ea"/>
+                <a:cs typeface="+mn-cs"/>
+              </a:defRPr>
+            </a:lvl3pPr>
+            <a:lvl4pPr marL="1600200" indent="-228600" algn="l" defTabSz="914400" rtl="0" eaLnBrk="1" latinLnBrk="0" hangingPunct="1">
+              <a:lnSpc>
+                <a:spcPct val="90000"/>
+              </a:lnSpc>
+              <a:spcBef>
+                <a:spcPts val="500"/>
+              </a:spcBef>
+              <a:buFont typeface="Arial" panose="020B0604020202020204" pitchFamily="34" charset="0"/>
+              <a:buChar char="•"/>
+              <a:defRPr sz="1800" kern="1200">
+                <a:solidFill>
+                  <a:schemeClr val="tx1"/>
+                </a:solidFill>
+                <a:latin typeface="+mn-lt"/>
+                <a:ea typeface="+mn-ea"/>
+                <a:cs typeface="+mn-cs"/>
+              </a:defRPr>
+            </a:lvl4pPr>
+            <a:lvl5pPr marL="2057400" indent="-228600" algn="l" defTabSz="914400" rtl="0" eaLnBrk="1" latinLnBrk="0" hangingPunct="1">
+              <a:lnSpc>
+                <a:spcPct val="90000"/>
+              </a:lnSpc>
+              <a:spcBef>
+                <a:spcPts val="500"/>
+              </a:spcBef>
+              <a:buFont typeface="Arial" panose="020B0604020202020204" pitchFamily="34" charset="0"/>
+              <a:buChar char="•"/>
+              <a:defRPr sz="1800" kern="1200">
+                <a:solidFill>
+                  <a:schemeClr val="tx1"/>
+                </a:solidFill>
+                <a:latin typeface="+mn-lt"/>
+                <a:ea typeface="+mn-ea"/>
+                <a:cs typeface="+mn-cs"/>
+              </a:defRPr>
+            </a:lvl5pPr>
+            <a:lvl6pPr marL="2514600" indent="-228600" algn="l" defTabSz="914400" rtl="0" eaLnBrk="1" latinLnBrk="0" hangingPunct="1">
+              <a:lnSpc>
+                <a:spcPct val="90000"/>
+              </a:lnSpc>
+              <a:spcBef>
+                <a:spcPts val="500"/>
+              </a:spcBef>
+              <a:buFont typeface="Arial" panose="020B0604020202020204" pitchFamily="34" charset="0"/>
+              <a:buChar char="•"/>
+              <a:defRPr sz="1800" kern="1200">
+                <a:solidFill>
+                  <a:schemeClr val="tx1"/>
+                </a:solidFill>
+                <a:latin typeface="+mn-lt"/>
+                <a:ea typeface="+mn-ea"/>
+                <a:cs typeface="+mn-cs"/>
+              </a:defRPr>
+            </a:lvl6pPr>
+            <a:lvl7pPr marL="2971800" indent="-228600" algn="l" defTabSz="914400" rtl="0" eaLnBrk="1" latinLnBrk="0" hangingPunct="1">
+              <a:lnSpc>
+                <a:spcPct val="90000"/>
+              </a:lnSpc>
+              <a:spcBef>
+                <a:spcPts val="500"/>
+              </a:spcBef>
+              <a:buFont typeface="Arial" panose="020B0604020202020204" pitchFamily="34" charset="0"/>
+              <a:buChar char="•"/>
+              <a:defRPr sz="1800" kern="1200">
+                <a:solidFill>
+                  <a:schemeClr val="tx1"/>
+                </a:solidFill>
+                <a:latin typeface="+mn-lt"/>
+                <a:ea typeface="+mn-ea"/>
+                <a:cs typeface="+mn-cs"/>
+              </a:defRPr>
+            </a:lvl7pPr>
+            <a:lvl8pPr marL="3429000" indent="-228600" algn="l" defTabSz="914400" rtl="0" eaLnBrk="1" latinLnBrk="0" hangingPunct="1">
+              <a:lnSpc>
+                <a:spcPct val="90000"/>
+              </a:lnSpc>
+              <a:spcBef>
+                <a:spcPts val="500"/>
+              </a:spcBef>
+              <a:buFont typeface="Arial" panose="020B0604020202020204" pitchFamily="34" charset="0"/>
+              <a:buChar char="•"/>
+              <a:defRPr sz="1800" kern="1200">
+                <a:solidFill>
+                  <a:schemeClr val="tx1"/>
+                </a:solidFill>
+                <a:latin typeface="+mn-lt"/>
+                <a:ea typeface="+mn-ea"/>
+                <a:cs typeface="+mn-cs"/>
+              </a:defRPr>
+            </a:lvl8pPr>
+            <a:lvl9pPr marL="3886200" indent="-228600" algn="l" defTabSz="914400" rtl="0" eaLnBrk="1" latinLnBrk="0" hangingPunct="1">
+              <a:lnSpc>
+                <a:spcPct val="90000"/>
+              </a:lnSpc>
+              <a:spcBef>
+                <a:spcPts val="500"/>
+              </a:spcBef>
+              <a:buFont typeface="Arial" panose="020B0604020202020204" pitchFamily="34" charset="0"/>
+              <a:buChar char="•"/>
+              <a:defRPr sz="1800" kern="1200">
+                <a:solidFill>
+                  <a:schemeClr val="tx1"/>
+                </a:solidFill>
+                <a:latin typeface="+mn-lt"/>
+                <a:ea typeface="+mn-ea"/>
+                <a:cs typeface="+mn-cs"/>
+              </a:defRPr>
+            </a:lvl9pPr>
+          </a:lstStyle>
+          <a:p>
+            <a:r>
+              <a:rPr lang="en-US" sz="3200" dirty="0">
+                <a:solidFill>
+                  <a:srgbClr val="0B2C4D"/>
+                </a:solidFill>
+                <a:latin typeface="Arial" panose="020B0604020202020204" pitchFamily="34" charset="0"/>
+                <a:cs typeface="Arial" panose="020B0604020202020204" pitchFamily="34" charset="0"/>
+              </a:rPr>
+              <a:t>Sample Size Calculation</a:t>
+            </a:r>
+          </a:p>
+        </p:txBody>
+      </p:sp>
+      <p:pic>
+        <p:nvPicPr>
+          <p:cNvPr id="5" name="Picture 4" descr="A close-up of a blue and white text&#10;&#10;Description automatically generated">
+            <a:extLst>
+              <a:ext uri="{FF2B5EF4-FFF2-40B4-BE49-F238E27FC236}">
+                <a16:creationId xmlns:a16="http://schemas.microsoft.com/office/drawing/2014/main" id="{EAB25BDA-EDA6-2550-76DB-B44476DEB1A5}"/>
+              </a:ext>
+            </a:extLst>
+          </p:cNvPr>
+          <p:cNvPicPr>
+            <a:picLocks noChangeAspect="1"/>
+          </p:cNvPicPr>
+          <p:nvPr/>
+        </p:nvPicPr>
+        <p:blipFill>
+          <a:blip r:embed="rId2">
+            <a:extLst>
+              <a:ext uri="{28A0092B-C50C-407E-A947-70E740481C1C}">
+                <a14:useLocalDpi xmlns:a14="http://schemas.microsoft.com/office/drawing/2010/main" val="0"/>
+              </a:ext>
+            </a:extLst>
+          </a:blip>
+          <a:stretch>
+            <a:fillRect/>
+          </a:stretch>
+        </p:blipFill>
+        <p:spPr>
+          <a:xfrm>
+            <a:off x="1276813" y="1226127"/>
+            <a:ext cx="9638374" cy="5032489"/>
+          </a:xfrm>
+          <a:prstGeom prst="rect">
+            <a:avLst/>
+          </a:prstGeom>
+        </p:spPr>
+      </p:pic>
+    </p:spTree>
+    <p:extLst>
+      <p:ext uri="{BB962C8B-B14F-4D97-AF65-F5344CB8AC3E}">
+        <p14:creationId xmlns:p14="http://schemas.microsoft.com/office/powerpoint/2010/main" val="885712775"/>
+      </p:ext>
+    </p:extLst>
+  </p:cSld>
+  <p:clrMapOvr>
+    <a:masterClrMapping/>
+  </p:clrMapOvr>
+</p:sld>
+</file>
+
+<file path=ppt/slides/slide6.xml><?xml version="1.0" encoding="utf-8"?>
+<p:sld xmlns:a="http://schemas.openxmlformats.org/drawingml/2006/main" xmlns:r="http://schemas.openxmlformats.org/officeDocument/2006/relationships" xmlns:p="http://schemas.openxmlformats.org/presentationml/2006/main">
+  <p:cSld>
+    <p:spTree>
+      <p:nvGrpSpPr>
+        <p:cNvPr id="1" name=""/>
+        <p:cNvGrpSpPr/>
+        <p:nvPr/>
+      </p:nvGrpSpPr>
+      <p:grpSpPr>
+        <a:xfrm>
+          <a:off x="0" y="0"/>
+          <a:ext cx="0" cy="0"/>
+          <a:chOff x="0" y="0"/>
+          <a:chExt cx="0" cy="0"/>
+        </a:xfrm>
+      </p:grpSpPr>
+      <p:sp>
+        <p:nvSpPr>
+          <p:cNvPr id="17" name="Rectangle 16">
+            <a:extLst>
+              <a:ext uri="{FF2B5EF4-FFF2-40B4-BE49-F238E27FC236}">
+                <a16:creationId xmlns:a16="http://schemas.microsoft.com/office/drawing/2014/main" id="{37DAADDE-8074-D513-33A3-050484DF4527}"/>
+              </a:ext>
+            </a:extLst>
+          </p:cNvPr>
+          <p:cNvSpPr/>
+          <p:nvPr/>
+        </p:nvSpPr>
+        <p:spPr>
+          <a:xfrm>
+            <a:off x="0" y="-18915"/>
+            <a:ext cx="12192000" cy="904009"/>
+          </a:xfrm>
+          <a:prstGeom prst="rect">
+            <a:avLst/>
+          </a:prstGeom>
+          <a:solidFill>
+            <a:srgbClr val="CBBDE6"/>
+          </a:solidFill>
+        </p:spPr>
+        <p:style>
+          <a:lnRef idx="2">
+            <a:schemeClr val="accent1">
+              <a:shade val="15000"/>
+            </a:schemeClr>
+          </a:lnRef>
+          <a:fillRef idx="1">
+            <a:schemeClr val="accent1"/>
+          </a:fillRef>
+          <a:effectRef idx="0">
+            <a:schemeClr val="accent1"/>
+          </a:effectRef>
+          <a:fontRef idx="minor">
+            <a:schemeClr val="lt1"/>
+          </a:fontRef>
+        </p:style>
+        <p:txBody>
+          <a:bodyPr rtlCol="0" anchor="ctr"/>
+          <a:lstStyle/>
+          <a:p>
+            <a:pPr algn="ctr"/>
+            <a:endParaRPr lang="en-US"/>
+          </a:p>
+        </p:txBody>
+      </p:sp>
+      <p:sp>
+        <p:nvSpPr>
+          <p:cNvPr id="7" name="Picture Placeholder 9">
+            <a:extLst>
+              <a:ext uri="{FF2B5EF4-FFF2-40B4-BE49-F238E27FC236}">
+                <a16:creationId xmlns:a16="http://schemas.microsoft.com/office/drawing/2014/main" id="{E7A25D3B-90FB-999A-458F-7BA1C652466E}"/>
+              </a:ext>
+            </a:extLst>
+          </p:cNvPr>
+          <p:cNvSpPr txBox="1">
+            <a:spLocks/>
+          </p:cNvSpPr>
+          <p:nvPr/>
+        </p:nvSpPr>
+        <p:spPr>
+          <a:xfrm>
+            <a:off x="0" y="-18915"/>
+            <a:ext cx="12192000" cy="6858000"/>
+          </a:xfrm>
+          <a:prstGeom prst="rect">
+            <a:avLst/>
+          </a:prstGeom>
+          <a:solidFill>
+            <a:schemeClr val="bg1">
+              <a:lumMod val="95000"/>
+              <a:alpha val="50000"/>
+            </a:schemeClr>
+          </a:solidFill>
+        </p:spPr>
+        <p:txBody>
+          <a:bodyPr/>
+          <a:lstStyle>
+            <a:lvl1pPr marL="0" indent="0" algn="l" defTabSz="914400" rtl="0" eaLnBrk="1" latinLnBrk="0" hangingPunct="1">
+              <a:lnSpc>
+                <a:spcPct val="90000"/>
+              </a:lnSpc>
+              <a:spcBef>
+                <a:spcPts val="1000"/>
+              </a:spcBef>
+              <a:buFont typeface="Arial" panose="020B0604020202020204" pitchFamily="34" charset="0"/>
+              <a:buNone/>
+              <a:defRPr sz="2000" kern="1200">
+                <a:solidFill>
+                  <a:schemeClr val="bg1">
+                    <a:lumMod val="75000"/>
+                  </a:schemeClr>
+                </a:solidFill>
+                <a:latin typeface="+mn-lt"/>
+                <a:ea typeface="+mn-ea"/>
+                <a:cs typeface="+mn-cs"/>
+              </a:defRPr>
+            </a:lvl1pPr>
+            <a:lvl2pPr marL="685800" indent="-228600" algn="l" defTabSz="914400" rtl="0" eaLnBrk="1" latinLnBrk="0" hangingPunct="1">
+              <a:lnSpc>
+                <a:spcPct val="90000"/>
+              </a:lnSpc>
+              <a:spcBef>
+                <a:spcPts val="500"/>
+              </a:spcBef>
+              <a:buFont typeface="Arial" panose="020B0604020202020204" pitchFamily="34" charset="0"/>
+              <a:buChar char="•"/>
+              <a:defRPr sz="2400" kern="1200">
+                <a:solidFill>
+                  <a:schemeClr val="tx1"/>
+                </a:solidFill>
+                <a:latin typeface="+mn-lt"/>
+                <a:ea typeface="+mn-ea"/>
+                <a:cs typeface="+mn-cs"/>
+              </a:defRPr>
+            </a:lvl2pPr>
+            <a:lvl3pPr marL="1143000" indent="-228600" algn="l" defTabSz="914400" rtl="0" eaLnBrk="1" latinLnBrk="0" hangingPunct="1">
+              <a:lnSpc>
+                <a:spcPct val="90000"/>
+              </a:lnSpc>
+              <a:spcBef>
+                <a:spcPts val="500"/>
+              </a:spcBef>
+              <a:buFont typeface="Arial" panose="020B0604020202020204" pitchFamily="34" charset="0"/>
+              <a:buChar char="•"/>
+              <a:defRPr sz="2000" kern="1200">
+                <a:solidFill>
+                  <a:schemeClr val="tx1"/>
+                </a:solidFill>
+                <a:latin typeface="+mn-lt"/>
+                <a:ea typeface="+mn-ea"/>
+                <a:cs typeface="+mn-cs"/>
+              </a:defRPr>
+            </a:lvl3pPr>
+            <a:lvl4pPr marL="1600200" indent="-228600" algn="l" defTabSz="914400" rtl="0" eaLnBrk="1" latinLnBrk="0" hangingPunct="1">
+              <a:lnSpc>
+                <a:spcPct val="90000"/>
+              </a:lnSpc>
+              <a:spcBef>
+                <a:spcPts val="500"/>
+              </a:spcBef>
+              <a:buFont typeface="Arial" panose="020B0604020202020204" pitchFamily="34" charset="0"/>
+              <a:buChar char="•"/>
+              <a:defRPr sz="1800" kern="1200">
+                <a:solidFill>
+                  <a:schemeClr val="tx1"/>
+                </a:solidFill>
+                <a:latin typeface="+mn-lt"/>
+                <a:ea typeface="+mn-ea"/>
+                <a:cs typeface="+mn-cs"/>
+              </a:defRPr>
+            </a:lvl4pPr>
+            <a:lvl5pPr marL="2057400" indent="-228600" algn="l" defTabSz="914400" rtl="0" eaLnBrk="1" latinLnBrk="0" hangingPunct="1">
+              <a:lnSpc>
+                <a:spcPct val="90000"/>
+              </a:lnSpc>
+              <a:spcBef>
+                <a:spcPts val="500"/>
+              </a:spcBef>
+              <a:buFont typeface="Arial" panose="020B0604020202020204" pitchFamily="34" charset="0"/>
+              <a:buChar char="•"/>
+              <a:defRPr sz="1800" kern="1200">
+                <a:solidFill>
+                  <a:schemeClr val="tx1"/>
+                </a:solidFill>
+                <a:latin typeface="+mn-lt"/>
+                <a:ea typeface="+mn-ea"/>
+                <a:cs typeface="+mn-cs"/>
+              </a:defRPr>
+            </a:lvl5pPr>
+            <a:lvl6pPr marL="2514600" indent="-228600" algn="l" defTabSz="914400" rtl="0" eaLnBrk="1" latinLnBrk="0" hangingPunct="1">
+              <a:lnSpc>
+                <a:spcPct val="90000"/>
+              </a:lnSpc>
+              <a:spcBef>
+                <a:spcPts val="500"/>
+              </a:spcBef>
+              <a:buFont typeface="Arial" panose="020B0604020202020204" pitchFamily="34" charset="0"/>
+              <a:buChar char="•"/>
+              <a:defRPr sz="1800" kern="1200">
+                <a:solidFill>
+                  <a:schemeClr val="tx1"/>
+                </a:solidFill>
+                <a:latin typeface="+mn-lt"/>
+                <a:ea typeface="+mn-ea"/>
+                <a:cs typeface="+mn-cs"/>
+              </a:defRPr>
+            </a:lvl6pPr>
+            <a:lvl7pPr marL="2971800" indent="-228600" algn="l" defTabSz="914400" rtl="0" eaLnBrk="1" latinLnBrk="0" hangingPunct="1">
+              <a:lnSpc>
+                <a:spcPct val="90000"/>
+              </a:lnSpc>
+              <a:spcBef>
+                <a:spcPts val="500"/>
+              </a:spcBef>
+              <a:buFont typeface="Arial" panose="020B0604020202020204" pitchFamily="34" charset="0"/>
+              <a:buChar char="•"/>
+              <a:defRPr sz="1800" kern="1200">
+                <a:solidFill>
+                  <a:schemeClr val="tx1"/>
+                </a:solidFill>
+                <a:latin typeface="+mn-lt"/>
+                <a:ea typeface="+mn-ea"/>
+                <a:cs typeface="+mn-cs"/>
+              </a:defRPr>
+            </a:lvl7pPr>
+            <a:lvl8pPr marL="3429000" indent="-228600" algn="l" defTabSz="914400" rtl="0" eaLnBrk="1" latinLnBrk="0" hangingPunct="1">
+              <a:lnSpc>
+                <a:spcPct val="90000"/>
+              </a:lnSpc>
+              <a:spcBef>
+                <a:spcPts val="500"/>
+              </a:spcBef>
+              <a:buFont typeface="Arial" panose="020B0604020202020204" pitchFamily="34" charset="0"/>
+              <a:buChar char="•"/>
+              <a:defRPr sz="1800" kern="1200">
+                <a:solidFill>
+                  <a:schemeClr val="tx1"/>
+                </a:solidFill>
+                <a:latin typeface="+mn-lt"/>
+                <a:ea typeface="+mn-ea"/>
+                <a:cs typeface="+mn-cs"/>
+              </a:defRPr>
+            </a:lvl8pPr>
+            <a:lvl9pPr marL="3886200" indent="-228600" algn="l" defTabSz="914400" rtl="0" eaLnBrk="1" latinLnBrk="0" hangingPunct="1">
+              <a:lnSpc>
+                <a:spcPct val="90000"/>
+              </a:lnSpc>
+              <a:spcBef>
+                <a:spcPts val="500"/>
+              </a:spcBef>
+              <a:buFont typeface="Arial" panose="020B0604020202020204" pitchFamily="34" charset="0"/>
+              <a:buChar char="•"/>
+              <a:defRPr sz="1800" kern="1200">
+                <a:solidFill>
+                  <a:schemeClr val="tx1"/>
+                </a:solidFill>
+                <a:latin typeface="+mn-lt"/>
+                <a:ea typeface="+mn-ea"/>
+                <a:cs typeface="+mn-cs"/>
+              </a:defRPr>
+            </a:lvl9pPr>
+          </a:lstStyle>
+          <a:p>
+            <a:r>
+              <a:rPr lang="en-US" sz="3200" dirty="0">
+                <a:solidFill>
+                  <a:srgbClr val="0B2C4D"/>
+                </a:solidFill>
+                <a:latin typeface="Arial" panose="020B0604020202020204" pitchFamily="34" charset="0"/>
+                <a:cs typeface="Arial" panose="020B0604020202020204" pitchFamily="34" charset="0"/>
+              </a:rPr>
+              <a:t>Statistical Analysis</a:t>
+            </a:r>
+          </a:p>
+        </p:txBody>
+      </p:sp>
+      <p:sp>
+        <p:nvSpPr>
+          <p:cNvPr id="39" name="Google Shape;415;p22">
+            <a:extLst>
+              <a:ext uri="{FF2B5EF4-FFF2-40B4-BE49-F238E27FC236}">
+                <a16:creationId xmlns:a16="http://schemas.microsoft.com/office/drawing/2014/main" id="{E2CFD3BB-B1F2-83B0-2DEF-22CFA1B2746B}"/>
+              </a:ext>
+            </a:extLst>
+          </p:cNvPr>
+          <p:cNvSpPr/>
+          <p:nvPr/>
+        </p:nvSpPr>
+        <p:spPr>
+          <a:xfrm>
+            <a:off x="2142975" y="1704584"/>
+            <a:ext cx="1598100" cy="742873"/>
+          </a:xfrm>
+          <a:prstGeom prst="chevron">
+            <a:avLst>
+              <a:gd name="adj" fmla="val 50000"/>
+            </a:avLst>
+          </a:prstGeom>
+          <a:noFill/>
+          <a:ln w="19050" cap="flat" cmpd="sng">
+            <a:solidFill>
+              <a:srgbClr val="FFCE7D"/>
+            </a:solidFill>
+            <a:prstDash val="solid"/>
+            <a:round/>
+            <a:headEnd type="none" w="sm" len="sm"/>
+            <a:tailEnd type="none" w="sm" len="sm"/>
+          </a:ln>
+        </p:spPr>
+        <p:txBody>
+          <a:bodyPr spcFirstLastPara="1" wrap="square" lIns="91425" tIns="91425" rIns="91425" bIns="91425" anchor="ctr" anchorCtr="0">
+            <a:noAutofit/>
+          </a:bodyPr>
+          <a:lstStyle/>
+          <a:p>
+            <a:pPr marL="0" marR="0" lvl="0" indent="0" defTabSz="914400" eaLnBrk="1" fontAlgn="auto" latinLnBrk="0" hangingPunct="1">
+              <a:lnSpc>
+                <a:spcPct val="100000"/>
+              </a:lnSpc>
+              <a:spcBef>
+                <a:spcPts val="0"/>
+              </a:spcBef>
+              <a:spcAft>
+                <a:spcPts val="0"/>
+              </a:spcAft>
+              <a:buClr>
+                <a:srgbClr val="000000"/>
+              </a:buClr>
+              <a:buSzTx/>
+              <a:buFont typeface="Arial"/>
+              <a:buNone/>
+              <a:tabLst/>
+              <a:defRPr/>
+            </a:pPr>
+            <a:endParaRPr kumimoji="0" sz="1400" b="0" i="0" u="none" strike="noStrike" kern="0" cap="none" spc="0" normalizeH="0" baseline="0" noProof="0">
+              <a:ln>
+                <a:noFill/>
+              </a:ln>
+              <a:solidFill>
+                <a:srgbClr val="000000"/>
+              </a:solidFill>
+              <a:effectLst/>
+              <a:uLnTx/>
+              <a:uFillTx/>
+              <a:cs typeface="Arial"/>
+              <a:sym typeface="Arial"/>
+            </a:endParaRPr>
+          </a:p>
+        </p:txBody>
+      </p:sp>
+      <p:sp>
+        <p:nvSpPr>
+          <p:cNvPr id="40" name="Google Shape;416;p22">
+            <a:extLst>
+              <a:ext uri="{FF2B5EF4-FFF2-40B4-BE49-F238E27FC236}">
+                <a16:creationId xmlns:a16="http://schemas.microsoft.com/office/drawing/2014/main" id="{51A893B8-0F76-C3A2-F50A-F94EECF02991}"/>
+              </a:ext>
+            </a:extLst>
+          </p:cNvPr>
+          <p:cNvSpPr/>
+          <p:nvPr/>
+        </p:nvSpPr>
+        <p:spPr>
+          <a:xfrm>
+            <a:off x="3674435" y="1704584"/>
+            <a:ext cx="1598100" cy="742873"/>
+          </a:xfrm>
+          <a:prstGeom prst="chevron">
+            <a:avLst>
+              <a:gd name="adj" fmla="val 50000"/>
+            </a:avLst>
+          </a:prstGeom>
+          <a:noFill/>
+          <a:ln w="19050" cap="flat" cmpd="sng">
+            <a:solidFill>
+              <a:srgbClr val="FFB174"/>
+            </a:solidFill>
+            <a:prstDash val="solid"/>
+            <a:round/>
+            <a:headEnd type="none" w="sm" len="sm"/>
+            <a:tailEnd type="none" w="sm" len="sm"/>
+          </a:ln>
+        </p:spPr>
+        <p:txBody>
+          <a:bodyPr spcFirstLastPara="1" wrap="square" lIns="91425" tIns="91425" rIns="91425" bIns="91425" anchor="ctr" anchorCtr="0">
+            <a:noAutofit/>
+          </a:bodyPr>
+          <a:lstStyle/>
+          <a:p>
+            <a:pPr marL="0" marR="0" lvl="0" indent="0" defTabSz="914400" eaLnBrk="1" fontAlgn="auto" latinLnBrk="0" hangingPunct="1">
+              <a:lnSpc>
+                <a:spcPct val="100000"/>
+              </a:lnSpc>
+              <a:spcBef>
+                <a:spcPts val="0"/>
+              </a:spcBef>
+              <a:spcAft>
+                <a:spcPts val="0"/>
+              </a:spcAft>
+              <a:buClr>
+                <a:srgbClr val="000000"/>
+              </a:buClr>
+              <a:buSzTx/>
+              <a:buFont typeface="Arial"/>
+              <a:buNone/>
+              <a:tabLst/>
+              <a:defRPr/>
+            </a:pPr>
+            <a:endParaRPr kumimoji="0" sz="1400" b="0" i="0" u="none" strike="noStrike" kern="0" cap="none" spc="0" normalizeH="0" baseline="0" noProof="0">
+              <a:ln>
+                <a:noFill/>
+              </a:ln>
+              <a:solidFill>
+                <a:srgbClr val="000000"/>
+              </a:solidFill>
+              <a:effectLst/>
+              <a:uLnTx/>
+              <a:uFillTx/>
+              <a:cs typeface="Arial"/>
+              <a:sym typeface="Arial"/>
+            </a:endParaRPr>
+          </a:p>
+        </p:txBody>
+      </p:sp>
+      <p:sp>
+        <p:nvSpPr>
+          <p:cNvPr id="41" name="Google Shape;417;p22">
+            <a:extLst>
+              <a:ext uri="{FF2B5EF4-FFF2-40B4-BE49-F238E27FC236}">
+                <a16:creationId xmlns:a16="http://schemas.microsoft.com/office/drawing/2014/main" id="{B31ADB30-626F-60CF-6A61-1F666542E66E}"/>
+              </a:ext>
+            </a:extLst>
+          </p:cNvPr>
+          <p:cNvSpPr/>
+          <p:nvPr/>
+        </p:nvSpPr>
+        <p:spPr>
+          <a:xfrm>
+            <a:off x="5218703" y="1704584"/>
+            <a:ext cx="1598100" cy="742873"/>
+          </a:xfrm>
+          <a:prstGeom prst="chevron">
+            <a:avLst>
+              <a:gd name="adj" fmla="val 50000"/>
+            </a:avLst>
+          </a:prstGeom>
+          <a:noFill/>
+          <a:ln w="19050" cap="flat" cmpd="sng">
+            <a:solidFill>
+              <a:srgbClr val="FF6666"/>
+            </a:solidFill>
+            <a:prstDash val="solid"/>
+            <a:round/>
+            <a:headEnd type="none" w="sm" len="sm"/>
+            <a:tailEnd type="none" w="sm" len="sm"/>
+          </a:ln>
+        </p:spPr>
+        <p:txBody>
+          <a:bodyPr spcFirstLastPara="1" wrap="square" lIns="91425" tIns="91425" rIns="91425" bIns="91425" anchor="ctr" anchorCtr="0">
+            <a:noAutofit/>
+          </a:bodyPr>
+          <a:lstStyle/>
+          <a:p>
+            <a:pPr marL="0" marR="0" lvl="0" indent="0" defTabSz="914400" eaLnBrk="1" fontAlgn="auto" latinLnBrk="0" hangingPunct="1">
+              <a:lnSpc>
+                <a:spcPct val="100000"/>
+              </a:lnSpc>
+              <a:spcBef>
+                <a:spcPts val="0"/>
+              </a:spcBef>
+              <a:spcAft>
+                <a:spcPts val="0"/>
+              </a:spcAft>
+              <a:buClr>
+                <a:srgbClr val="000000"/>
+              </a:buClr>
+              <a:buSzTx/>
+              <a:buFont typeface="Arial"/>
+              <a:buNone/>
+              <a:tabLst/>
+              <a:defRPr/>
+            </a:pPr>
+            <a:endParaRPr kumimoji="0" sz="1400" b="0" i="0" u="none" strike="noStrike" kern="0" cap="none" spc="0" normalizeH="0" baseline="0" noProof="0">
+              <a:ln>
+                <a:noFill/>
+              </a:ln>
+              <a:solidFill>
+                <a:srgbClr val="000000"/>
+              </a:solidFill>
+              <a:effectLst/>
+              <a:uLnTx/>
+              <a:uFillTx/>
+              <a:cs typeface="Arial"/>
+              <a:sym typeface="Arial"/>
+            </a:endParaRPr>
+          </a:p>
+        </p:txBody>
+      </p:sp>
+      <p:sp>
+        <p:nvSpPr>
+          <p:cNvPr id="42" name="Google Shape;418;p22">
+            <a:extLst>
+              <a:ext uri="{FF2B5EF4-FFF2-40B4-BE49-F238E27FC236}">
+                <a16:creationId xmlns:a16="http://schemas.microsoft.com/office/drawing/2014/main" id="{7D7E652C-5799-FBE2-AEC2-129B70A3EB6F}"/>
+              </a:ext>
+            </a:extLst>
+          </p:cNvPr>
+          <p:cNvSpPr/>
+          <p:nvPr/>
+        </p:nvSpPr>
+        <p:spPr>
+          <a:xfrm>
+            <a:off x="6752164" y="1704584"/>
+            <a:ext cx="1598100" cy="742873"/>
+          </a:xfrm>
+          <a:prstGeom prst="chevron">
+            <a:avLst>
+              <a:gd name="adj" fmla="val 50000"/>
+            </a:avLst>
+          </a:prstGeom>
+          <a:noFill/>
+          <a:ln w="19050" cap="flat" cmpd="sng">
+            <a:solidFill>
+              <a:srgbClr val="C9274F"/>
+            </a:solidFill>
+            <a:prstDash val="solid"/>
+            <a:round/>
+            <a:headEnd type="none" w="sm" len="sm"/>
+            <a:tailEnd type="none" w="sm" len="sm"/>
+          </a:ln>
+        </p:spPr>
+        <p:txBody>
+          <a:bodyPr spcFirstLastPara="1" wrap="square" lIns="91425" tIns="91425" rIns="91425" bIns="91425" anchor="ctr" anchorCtr="0">
+            <a:noAutofit/>
+          </a:bodyPr>
+          <a:lstStyle/>
+          <a:p>
+            <a:pPr marL="0" marR="0" lvl="0" indent="0" defTabSz="914400" eaLnBrk="1" fontAlgn="auto" latinLnBrk="0" hangingPunct="1">
+              <a:lnSpc>
+                <a:spcPct val="100000"/>
+              </a:lnSpc>
+              <a:spcBef>
+                <a:spcPts val="0"/>
+              </a:spcBef>
+              <a:spcAft>
+                <a:spcPts val="0"/>
+              </a:spcAft>
+              <a:buClr>
+                <a:srgbClr val="000000"/>
+              </a:buClr>
+              <a:buSzTx/>
+              <a:buFont typeface="Arial"/>
+              <a:buNone/>
+              <a:tabLst/>
+              <a:defRPr/>
+            </a:pPr>
+            <a:endParaRPr kumimoji="0" sz="1400" b="0" i="0" u="none" strike="noStrike" kern="0" cap="none" spc="0" normalizeH="0" baseline="0" noProof="0">
+              <a:ln>
+                <a:noFill/>
+              </a:ln>
+              <a:solidFill>
+                <a:srgbClr val="000000"/>
+              </a:solidFill>
+              <a:effectLst/>
+              <a:uLnTx/>
+              <a:uFillTx/>
+              <a:cs typeface="Arial"/>
+              <a:sym typeface="Arial"/>
+            </a:endParaRPr>
+          </a:p>
+        </p:txBody>
+      </p:sp>
+      <p:sp>
+        <p:nvSpPr>
+          <p:cNvPr id="43" name="Google Shape;419;p22">
+            <a:extLst>
+              <a:ext uri="{FF2B5EF4-FFF2-40B4-BE49-F238E27FC236}">
+                <a16:creationId xmlns:a16="http://schemas.microsoft.com/office/drawing/2014/main" id="{202440FF-2B44-D0A6-C33D-2428E898A711}"/>
+              </a:ext>
+            </a:extLst>
+          </p:cNvPr>
+          <p:cNvSpPr/>
+          <p:nvPr/>
+        </p:nvSpPr>
+        <p:spPr>
+          <a:xfrm>
+            <a:off x="8296432" y="1704584"/>
+            <a:ext cx="1598100" cy="742873"/>
+          </a:xfrm>
+          <a:prstGeom prst="chevron">
+            <a:avLst>
+              <a:gd name="adj" fmla="val 50000"/>
+            </a:avLst>
+          </a:prstGeom>
+          <a:noFill/>
+          <a:ln w="19050" cap="flat" cmpd="sng">
+            <a:solidFill>
+              <a:srgbClr val="651428"/>
+            </a:solidFill>
+            <a:prstDash val="solid"/>
+            <a:round/>
+            <a:headEnd type="none" w="sm" len="sm"/>
+            <a:tailEnd type="none" w="sm" len="sm"/>
+          </a:ln>
+        </p:spPr>
+        <p:txBody>
+          <a:bodyPr spcFirstLastPara="1" wrap="square" lIns="91425" tIns="91425" rIns="91425" bIns="91425" anchor="ctr" anchorCtr="0">
+            <a:noAutofit/>
+          </a:bodyPr>
+          <a:lstStyle/>
+          <a:p>
+            <a:pPr marL="0" marR="0" lvl="0" indent="0" defTabSz="914400" eaLnBrk="1" fontAlgn="auto" latinLnBrk="0" hangingPunct="1">
+              <a:lnSpc>
+                <a:spcPct val="100000"/>
+              </a:lnSpc>
+              <a:spcBef>
+                <a:spcPts val="0"/>
+              </a:spcBef>
+              <a:spcAft>
+                <a:spcPts val="0"/>
+              </a:spcAft>
+              <a:buClr>
+                <a:srgbClr val="000000"/>
+              </a:buClr>
+              <a:buSzTx/>
+              <a:buFont typeface="Arial"/>
+              <a:buNone/>
+              <a:tabLst/>
+              <a:defRPr/>
+            </a:pPr>
+            <a:endParaRPr kumimoji="0" sz="1400" b="0" i="0" u="none" strike="noStrike" kern="0" cap="none" spc="0" normalizeH="0" baseline="0" noProof="0">
+              <a:ln>
+                <a:noFill/>
+              </a:ln>
+              <a:solidFill>
+                <a:srgbClr val="000000"/>
+              </a:solidFill>
+              <a:effectLst/>
+              <a:uLnTx/>
+              <a:uFillTx/>
+              <a:cs typeface="Arial"/>
+              <a:sym typeface="Arial"/>
+            </a:endParaRPr>
+          </a:p>
+        </p:txBody>
+      </p:sp>
+      <p:sp>
+        <p:nvSpPr>
+          <p:cNvPr id="46" name="Google Shape;422;p22">
+            <a:extLst>
+              <a:ext uri="{FF2B5EF4-FFF2-40B4-BE49-F238E27FC236}">
+                <a16:creationId xmlns:a16="http://schemas.microsoft.com/office/drawing/2014/main" id="{B7A396AE-E6B4-4F48-BF70-B928EDE629AD}"/>
+              </a:ext>
+            </a:extLst>
+          </p:cNvPr>
+          <p:cNvSpPr txBox="1"/>
+          <p:nvPr/>
+        </p:nvSpPr>
+        <p:spPr>
+          <a:xfrm>
+            <a:off x="2568375" y="1928378"/>
+            <a:ext cx="1207200" cy="302231"/>
+          </a:xfrm>
+          <a:prstGeom prst="rect">
+            <a:avLst/>
+          </a:prstGeom>
+          <a:noFill/>
+          <a:ln>
+            <a:noFill/>
+          </a:ln>
+        </p:spPr>
+        <p:txBody>
+          <a:bodyPr spcFirstLastPara="1" wrap="square" lIns="91425" tIns="91425" rIns="91425" bIns="91425" anchor="ctr" anchorCtr="0">
+            <a:noAutofit/>
+          </a:bodyPr>
+          <a:lstStyle/>
+          <a:p>
+            <a:pPr defTabSz="914400">
+              <a:buClr>
+                <a:srgbClr val="000000"/>
+              </a:buClr>
+              <a:buFont typeface="Arial"/>
+              <a:buNone/>
+            </a:pPr>
+            <a:r>
+              <a:rPr lang="en-US" sz="1400" b="1" kern="0" dirty="0">
+                <a:solidFill>
+                  <a:srgbClr val="FFCE7D"/>
+                </a:solidFill>
+                <a:latin typeface="Fira Sans Extra Condensed"/>
+                <a:ea typeface="Fira Sans Extra Condensed"/>
+                <a:cs typeface="Fira Sans Extra Condensed"/>
+                <a:sym typeface="Fira Sans Extra Condensed"/>
+              </a:rPr>
+              <a:t>Logistic Regression</a:t>
+            </a:r>
+            <a:endParaRPr sz="1400" b="1" kern="0" dirty="0">
+              <a:solidFill>
+                <a:srgbClr val="FFCE7D"/>
+              </a:solidFill>
+              <a:latin typeface="Fira Sans Extra Condensed"/>
+              <a:ea typeface="Fira Sans Extra Condensed"/>
+              <a:cs typeface="Fira Sans Extra Condensed"/>
+              <a:sym typeface="Fira Sans Extra Condensed"/>
+            </a:endParaRPr>
+          </a:p>
+        </p:txBody>
+      </p:sp>
+      <p:sp>
+        <p:nvSpPr>
+          <p:cNvPr id="47" name="Google Shape;423;p22">
+            <a:extLst>
+              <a:ext uri="{FF2B5EF4-FFF2-40B4-BE49-F238E27FC236}">
+                <a16:creationId xmlns:a16="http://schemas.microsoft.com/office/drawing/2014/main" id="{298CBA2D-E849-0676-2E0D-BDBC00441D1F}"/>
+              </a:ext>
+            </a:extLst>
+          </p:cNvPr>
+          <p:cNvSpPr txBox="1"/>
+          <p:nvPr/>
+        </p:nvSpPr>
+        <p:spPr>
+          <a:xfrm>
+            <a:off x="4192694" y="1932914"/>
+            <a:ext cx="1394100" cy="302231"/>
+          </a:xfrm>
+          <a:prstGeom prst="rect">
+            <a:avLst/>
+          </a:prstGeom>
+          <a:noFill/>
+          <a:ln>
+            <a:noFill/>
+          </a:ln>
+        </p:spPr>
+        <p:txBody>
+          <a:bodyPr spcFirstLastPara="1" wrap="square" lIns="91425" tIns="91425" rIns="91425" bIns="91425" anchor="ctr" anchorCtr="0">
+            <a:noAutofit/>
+          </a:bodyPr>
+          <a:lstStyle/>
+          <a:p>
+            <a:pPr defTabSz="914400">
+              <a:buClr>
+                <a:srgbClr val="000000"/>
+              </a:buClr>
+              <a:buFont typeface="Arial"/>
+              <a:buNone/>
+            </a:pPr>
+            <a:r>
+              <a:rPr lang="en-US" sz="1400" b="1" kern="0" dirty="0">
+                <a:solidFill>
+                  <a:srgbClr val="FFB174"/>
+                </a:solidFill>
+                <a:latin typeface="Fira Sans Extra Condensed"/>
+                <a:ea typeface="Fira Sans Extra Condensed"/>
+                <a:cs typeface="Fira Sans Extra Condensed"/>
+                <a:sym typeface="Fira Sans Extra Condensed"/>
+              </a:rPr>
+              <a:t>Mixed </a:t>
+            </a:r>
+          </a:p>
+          <a:p>
+            <a:pPr defTabSz="914400">
+              <a:buClr>
+                <a:srgbClr val="000000"/>
+              </a:buClr>
+              <a:buFont typeface="Arial"/>
+              <a:buNone/>
+            </a:pPr>
+            <a:r>
+              <a:rPr lang="en-US" sz="1400" b="1" kern="0" dirty="0">
+                <a:solidFill>
+                  <a:srgbClr val="FFB174"/>
+                </a:solidFill>
+                <a:latin typeface="Fira Sans Extra Condensed"/>
+                <a:ea typeface="Fira Sans Extra Condensed"/>
+                <a:cs typeface="Fira Sans Extra Condensed"/>
+                <a:sym typeface="Fira Sans Extra Condensed"/>
+              </a:rPr>
+              <a:t>Model</a:t>
+            </a:r>
+            <a:endParaRPr sz="1400" b="1" kern="0" dirty="0">
+              <a:solidFill>
+                <a:srgbClr val="FFB174"/>
+              </a:solidFill>
+              <a:latin typeface="Fira Sans Extra Condensed"/>
+              <a:ea typeface="Fira Sans Extra Condensed"/>
+              <a:cs typeface="Fira Sans Extra Condensed"/>
+              <a:sym typeface="Fira Sans Extra Condensed"/>
+            </a:endParaRPr>
+          </a:p>
+        </p:txBody>
+      </p:sp>
+      <p:sp>
+        <p:nvSpPr>
+          <p:cNvPr id="48" name="Google Shape;424;p22">
+            <a:extLst>
+              <a:ext uri="{FF2B5EF4-FFF2-40B4-BE49-F238E27FC236}">
+                <a16:creationId xmlns:a16="http://schemas.microsoft.com/office/drawing/2014/main" id="{605CC24D-170A-C13D-6C5D-67D2E9D420ED}"/>
+              </a:ext>
+            </a:extLst>
+          </p:cNvPr>
+          <p:cNvSpPr txBox="1"/>
+          <p:nvPr/>
+        </p:nvSpPr>
+        <p:spPr>
+          <a:xfrm>
+            <a:off x="5645160" y="1924903"/>
+            <a:ext cx="1394100" cy="302231"/>
+          </a:xfrm>
+          <a:prstGeom prst="rect">
+            <a:avLst/>
+          </a:prstGeom>
+          <a:noFill/>
+          <a:ln>
+            <a:noFill/>
+          </a:ln>
+        </p:spPr>
+        <p:txBody>
+          <a:bodyPr spcFirstLastPara="1" wrap="square" lIns="91425" tIns="91425" rIns="91425" bIns="91425" anchor="ctr" anchorCtr="0">
+            <a:noAutofit/>
+          </a:bodyPr>
+          <a:lstStyle/>
+          <a:p>
+            <a:pPr defTabSz="914400">
+              <a:buClr>
+                <a:srgbClr val="000000"/>
+              </a:buClr>
+              <a:buFont typeface="Arial"/>
+              <a:buNone/>
+            </a:pPr>
+            <a:r>
+              <a:rPr lang="en-US" sz="1400" b="1" kern="0" dirty="0">
+                <a:solidFill>
+                  <a:srgbClr val="FF6666"/>
+                </a:solidFill>
+                <a:latin typeface="Fira Sans Extra Condensed"/>
+                <a:ea typeface="Fira Sans Extra Condensed"/>
+                <a:cs typeface="Fira Sans Extra Condensed"/>
+                <a:sym typeface="Fira Sans Extra Condensed"/>
+              </a:rPr>
+              <a:t>Survival </a:t>
+            </a:r>
+          </a:p>
+          <a:p>
+            <a:pPr defTabSz="914400">
+              <a:buClr>
+                <a:srgbClr val="000000"/>
+              </a:buClr>
+              <a:buFont typeface="Arial"/>
+              <a:buNone/>
+            </a:pPr>
+            <a:r>
+              <a:rPr lang="en-US" sz="1400" b="1" kern="0" dirty="0">
+                <a:solidFill>
+                  <a:srgbClr val="FF6666"/>
+                </a:solidFill>
+                <a:latin typeface="Fira Sans Extra Condensed"/>
+                <a:ea typeface="Fira Sans Extra Condensed"/>
+                <a:cs typeface="Fira Sans Extra Condensed"/>
+                <a:sym typeface="Fira Sans Extra Condensed"/>
+              </a:rPr>
+              <a:t>Analysis</a:t>
+            </a:r>
+            <a:endParaRPr sz="1400" b="1" kern="0" dirty="0">
+              <a:solidFill>
+                <a:srgbClr val="FF6666"/>
+              </a:solidFill>
+              <a:latin typeface="Fira Sans Extra Condensed"/>
+              <a:ea typeface="Fira Sans Extra Condensed"/>
+              <a:cs typeface="Fira Sans Extra Condensed"/>
+              <a:sym typeface="Fira Sans Extra Condensed"/>
+            </a:endParaRPr>
+          </a:p>
+        </p:txBody>
+      </p:sp>
+      <p:sp>
+        <p:nvSpPr>
+          <p:cNvPr id="49" name="Google Shape;425;p22">
+            <a:extLst>
+              <a:ext uri="{FF2B5EF4-FFF2-40B4-BE49-F238E27FC236}">
+                <a16:creationId xmlns:a16="http://schemas.microsoft.com/office/drawing/2014/main" id="{3A8F1A62-586C-38EF-2874-031580FF3815}"/>
+              </a:ext>
+            </a:extLst>
+          </p:cNvPr>
+          <p:cNvSpPr txBox="1"/>
+          <p:nvPr/>
+        </p:nvSpPr>
+        <p:spPr>
+          <a:xfrm>
+            <a:off x="7285123" y="1924902"/>
+            <a:ext cx="1394100" cy="302231"/>
+          </a:xfrm>
+          <a:prstGeom prst="rect">
+            <a:avLst/>
+          </a:prstGeom>
+          <a:noFill/>
+          <a:ln>
+            <a:noFill/>
+          </a:ln>
+        </p:spPr>
+        <p:txBody>
+          <a:bodyPr spcFirstLastPara="1" wrap="square" lIns="91425" tIns="91425" rIns="91425" bIns="91425" anchor="ctr" anchorCtr="0">
+            <a:noAutofit/>
+          </a:bodyPr>
+          <a:lstStyle/>
+          <a:p>
+            <a:pPr defTabSz="914400">
+              <a:buClr>
+                <a:srgbClr val="000000"/>
+              </a:buClr>
+              <a:buFont typeface="Arial"/>
+              <a:buNone/>
+            </a:pPr>
+            <a:r>
+              <a:rPr lang="en" sz="1400" b="1" kern="0" dirty="0">
+                <a:solidFill>
+                  <a:srgbClr val="C9274F"/>
+                </a:solidFill>
+                <a:latin typeface="Fira Sans Extra Condensed"/>
+                <a:ea typeface="Fira Sans Extra Condensed"/>
+                <a:cs typeface="Fira Sans Extra Condensed"/>
+                <a:sym typeface="Fira Sans Extra Condensed"/>
+              </a:rPr>
+              <a:t>Other </a:t>
+            </a:r>
+          </a:p>
+          <a:p>
+            <a:pPr defTabSz="914400">
+              <a:buClr>
+                <a:srgbClr val="000000"/>
+              </a:buClr>
+              <a:buFont typeface="Arial"/>
+              <a:buNone/>
+            </a:pPr>
+            <a:r>
+              <a:rPr lang="en" sz="1400" b="1" kern="0" dirty="0">
+                <a:solidFill>
+                  <a:srgbClr val="C9274F"/>
+                </a:solidFill>
+                <a:latin typeface="Fira Sans Extra Condensed"/>
+                <a:ea typeface="Fira Sans Extra Condensed"/>
+                <a:cs typeface="Fira Sans Extra Condensed"/>
+                <a:sym typeface="Fira Sans Extra Condensed"/>
+              </a:rPr>
+              <a:t>Analysis</a:t>
+            </a:r>
+            <a:endParaRPr sz="1400" b="1" kern="0" dirty="0">
+              <a:solidFill>
+                <a:srgbClr val="C9274F"/>
+              </a:solidFill>
+              <a:latin typeface="Fira Sans Extra Condensed"/>
+              <a:ea typeface="Fira Sans Extra Condensed"/>
+              <a:cs typeface="Fira Sans Extra Condensed"/>
+              <a:sym typeface="Fira Sans Extra Condensed"/>
+            </a:endParaRPr>
+          </a:p>
+        </p:txBody>
+      </p:sp>
+      <p:sp>
+        <p:nvSpPr>
+          <p:cNvPr id="50" name="Google Shape;426;p22">
+            <a:extLst>
+              <a:ext uri="{FF2B5EF4-FFF2-40B4-BE49-F238E27FC236}">
+                <a16:creationId xmlns:a16="http://schemas.microsoft.com/office/drawing/2014/main" id="{1C556819-C8DD-7021-E5DD-D44127EC9829}"/>
+              </a:ext>
+            </a:extLst>
+          </p:cNvPr>
+          <p:cNvSpPr txBox="1"/>
+          <p:nvPr/>
+        </p:nvSpPr>
+        <p:spPr>
+          <a:xfrm>
+            <a:off x="8757361" y="1924901"/>
+            <a:ext cx="1394100" cy="302231"/>
+          </a:xfrm>
+          <a:prstGeom prst="rect">
+            <a:avLst/>
+          </a:prstGeom>
+          <a:noFill/>
+          <a:ln>
+            <a:noFill/>
+          </a:ln>
+        </p:spPr>
+        <p:txBody>
+          <a:bodyPr spcFirstLastPara="1" wrap="square" lIns="91425" tIns="91425" rIns="91425" bIns="91425" anchor="ctr" anchorCtr="0">
+            <a:noAutofit/>
+          </a:bodyPr>
+          <a:lstStyle/>
+          <a:p>
+            <a:pPr defTabSz="914400">
+              <a:buClr>
+                <a:srgbClr val="000000"/>
+              </a:buClr>
+              <a:buFont typeface="Arial"/>
+              <a:buNone/>
+            </a:pPr>
+            <a:r>
+              <a:rPr lang="en-US" sz="1400" b="1" kern="0" dirty="0">
+                <a:solidFill>
+                  <a:srgbClr val="651428"/>
+                </a:solidFill>
+                <a:latin typeface="Fira Sans Extra Condensed"/>
+                <a:ea typeface="Fira Sans Extra Condensed"/>
+                <a:cs typeface="Fira Sans Extra Condensed"/>
+                <a:sym typeface="Fira Sans Extra Condensed"/>
+              </a:rPr>
+              <a:t>Machine </a:t>
+            </a:r>
+          </a:p>
+          <a:p>
+            <a:pPr defTabSz="914400">
+              <a:buClr>
+                <a:srgbClr val="000000"/>
+              </a:buClr>
+              <a:buFont typeface="Arial"/>
+              <a:buNone/>
+            </a:pPr>
+            <a:r>
+              <a:rPr lang="en-US" sz="1400" b="1" kern="0" dirty="0">
+                <a:solidFill>
+                  <a:srgbClr val="651428"/>
+                </a:solidFill>
+                <a:latin typeface="Fira Sans Extra Condensed"/>
+                <a:ea typeface="Fira Sans Extra Condensed"/>
+                <a:cs typeface="Fira Sans Extra Condensed"/>
+                <a:sym typeface="Fira Sans Extra Condensed"/>
+              </a:rPr>
+              <a:t>Learning</a:t>
+            </a:r>
+            <a:endParaRPr sz="1400" b="1" kern="0" dirty="0">
+              <a:solidFill>
+                <a:srgbClr val="651428"/>
+              </a:solidFill>
+              <a:latin typeface="Fira Sans Extra Condensed"/>
+              <a:ea typeface="Fira Sans Extra Condensed"/>
+              <a:cs typeface="Fira Sans Extra Condensed"/>
+              <a:sym typeface="Fira Sans Extra Condensed"/>
+            </a:endParaRPr>
+          </a:p>
+        </p:txBody>
+      </p:sp>
+      <p:sp>
+        <p:nvSpPr>
+          <p:cNvPr id="51" name="Google Shape;427;p22">
+            <a:extLst>
+              <a:ext uri="{FF2B5EF4-FFF2-40B4-BE49-F238E27FC236}">
+                <a16:creationId xmlns:a16="http://schemas.microsoft.com/office/drawing/2014/main" id="{7F7A9DF8-6AD6-BE5D-F2EE-AC7926DD5212}"/>
+              </a:ext>
+            </a:extLst>
+          </p:cNvPr>
+          <p:cNvSpPr txBox="1"/>
+          <p:nvPr/>
+        </p:nvSpPr>
+        <p:spPr>
+          <a:xfrm>
+            <a:off x="2199675" y="2715175"/>
+            <a:ext cx="1541400" cy="399600"/>
+          </a:xfrm>
+          <a:prstGeom prst="rect">
+            <a:avLst/>
+          </a:prstGeom>
+          <a:noFill/>
+          <a:ln>
+            <a:noFill/>
+          </a:ln>
+        </p:spPr>
+        <p:txBody>
+          <a:bodyPr spcFirstLastPara="1" wrap="square" lIns="91425" tIns="91425" rIns="91425" bIns="91425" anchor="ctr" anchorCtr="0">
+            <a:noAutofit/>
+          </a:bodyPr>
+          <a:lstStyle/>
+          <a:p>
+            <a:pPr defTabSz="914400">
+              <a:buClr>
+                <a:srgbClr val="000000"/>
+              </a:buClr>
+              <a:buFont typeface="Arial"/>
+              <a:buNone/>
+            </a:pPr>
+            <a:r>
+              <a:rPr lang="en-US" sz="1100" kern="0" dirty="0">
+                <a:solidFill>
+                  <a:srgbClr val="000000"/>
+                </a:solidFill>
+                <a:latin typeface="Roboto"/>
+                <a:ea typeface="Roboto"/>
+                <a:cs typeface="Roboto"/>
+                <a:sym typeface="Roboto"/>
+              </a:rPr>
+              <a:t>ROC and cutoff analysis</a:t>
+            </a:r>
+            <a:endParaRPr sz="1100" kern="0" dirty="0">
+              <a:solidFill>
+                <a:srgbClr val="000000"/>
+              </a:solidFill>
+              <a:latin typeface="Roboto"/>
+              <a:ea typeface="Roboto"/>
+              <a:cs typeface="Roboto"/>
+              <a:sym typeface="Roboto"/>
+            </a:endParaRPr>
+          </a:p>
+        </p:txBody>
+      </p:sp>
+      <p:sp>
+        <p:nvSpPr>
+          <p:cNvPr id="52" name="Google Shape;428;p22">
+            <a:extLst>
+              <a:ext uri="{FF2B5EF4-FFF2-40B4-BE49-F238E27FC236}">
+                <a16:creationId xmlns:a16="http://schemas.microsoft.com/office/drawing/2014/main" id="{BBB6C094-8521-F872-B5E2-D563B8908D95}"/>
+              </a:ext>
+            </a:extLst>
+          </p:cNvPr>
+          <p:cNvSpPr txBox="1"/>
+          <p:nvPr/>
+        </p:nvSpPr>
+        <p:spPr>
+          <a:xfrm>
+            <a:off x="3775575" y="2715175"/>
+            <a:ext cx="1541400" cy="399600"/>
+          </a:xfrm>
+          <a:prstGeom prst="rect">
+            <a:avLst/>
+          </a:prstGeom>
+          <a:noFill/>
+          <a:ln>
+            <a:noFill/>
+          </a:ln>
+        </p:spPr>
+        <p:txBody>
+          <a:bodyPr spcFirstLastPara="1" wrap="square" lIns="91425" tIns="91425" rIns="91425" bIns="91425" anchor="ctr" anchorCtr="0">
+            <a:noAutofit/>
+          </a:bodyPr>
+          <a:lstStyle/>
+          <a:p>
+            <a:pPr defTabSz="914400">
+              <a:buClr>
+                <a:srgbClr val="000000"/>
+              </a:buClr>
+              <a:buSzPts val="1100"/>
+              <a:buFont typeface="Arial"/>
+              <a:buNone/>
+            </a:pPr>
+            <a:r>
+              <a:rPr lang="en-US" sz="1100" kern="0" dirty="0">
+                <a:solidFill>
+                  <a:srgbClr val="000000"/>
+                </a:solidFill>
+                <a:latin typeface="Roboto"/>
+                <a:ea typeface="Roboto"/>
+                <a:cs typeface="Roboto"/>
+                <a:sym typeface="Roboto"/>
+              </a:rPr>
+              <a:t>Mixed Models for Repeated Measures</a:t>
+            </a:r>
+            <a:endParaRPr sz="1100" kern="0" dirty="0">
+              <a:solidFill>
+                <a:srgbClr val="000000"/>
+              </a:solidFill>
+              <a:latin typeface="Roboto"/>
+              <a:ea typeface="Roboto"/>
+              <a:cs typeface="Roboto"/>
+              <a:sym typeface="Roboto"/>
+            </a:endParaRPr>
+          </a:p>
+        </p:txBody>
+      </p:sp>
+      <p:sp>
+        <p:nvSpPr>
+          <p:cNvPr id="53" name="Google Shape;429;p22">
+            <a:extLst>
+              <a:ext uri="{FF2B5EF4-FFF2-40B4-BE49-F238E27FC236}">
+                <a16:creationId xmlns:a16="http://schemas.microsoft.com/office/drawing/2014/main" id="{411B201C-3289-C37A-47F6-FF2ECD4DBB63}"/>
+              </a:ext>
+            </a:extLst>
+          </p:cNvPr>
+          <p:cNvSpPr txBox="1"/>
+          <p:nvPr/>
+        </p:nvSpPr>
+        <p:spPr>
+          <a:xfrm>
+            <a:off x="5325300" y="2715175"/>
+            <a:ext cx="1541400" cy="399600"/>
+          </a:xfrm>
+          <a:prstGeom prst="rect">
+            <a:avLst/>
+          </a:prstGeom>
+          <a:noFill/>
+          <a:ln>
+            <a:noFill/>
+          </a:ln>
+        </p:spPr>
+        <p:txBody>
+          <a:bodyPr spcFirstLastPara="1" wrap="square" lIns="91425" tIns="91425" rIns="91425" bIns="91425" anchor="ctr" anchorCtr="0">
+            <a:noAutofit/>
+          </a:bodyPr>
+          <a:lstStyle/>
+          <a:p>
+            <a:pPr defTabSz="914400">
+              <a:buClr>
+                <a:srgbClr val="000000"/>
+              </a:buClr>
+              <a:buSzPts val="1100"/>
+              <a:buFont typeface="Arial"/>
+              <a:buNone/>
+            </a:pPr>
+            <a:r>
+              <a:rPr lang="en-US" sz="1100" kern="0" dirty="0">
+                <a:solidFill>
+                  <a:srgbClr val="000000"/>
+                </a:solidFill>
+                <a:latin typeface="Roboto"/>
+                <a:ea typeface="Roboto"/>
+                <a:cs typeface="Roboto"/>
+                <a:sym typeface="Roboto"/>
+              </a:rPr>
+              <a:t>Kaplan-Meier/Nelson-Aalen Estimator </a:t>
+            </a:r>
+            <a:endParaRPr sz="1100" kern="0" dirty="0">
+              <a:solidFill>
+                <a:srgbClr val="000000"/>
+              </a:solidFill>
+              <a:latin typeface="Roboto"/>
+              <a:ea typeface="Roboto"/>
+              <a:cs typeface="Roboto"/>
+              <a:sym typeface="Roboto"/>
+            </a:endParaRPr>
+          </a:p>
+        </p:txBody>
+      </p:sp>
+      <p:sp>
+        <p:nvSpPr>
+          <p:cNvPr id="54" name="Google Shape;430;p22">
+            <a:extLst>
+              <a:ext uri="{FF2B5EF4-FFF2-40B4-BE49-F238E27FC236}">
+                <a16:creationId xmlns:a16="http://schemas.microsoft.com/office/drawing/2014/main" id="{18521DE7-F424-2BA9-D908-A5171714C36E}"/>
+              </a:ext>
+            </a:extLst>
+          </p:cNvPr>
+          <p:cNvSpPr txBox="1"/>
+          <p:nvPr/>
+        </p:nvSpPr>
+        <p:spPr>
+          <a:xfrm>
+            <a:off x="6901200" y="2715175"/>
+            <a:ext cx="1541400" cy="399600"/>
+          </a:xfrm>
+          <a:prstGeom prst="rect">
+            <a:avLst/>
+          </a:prstGeom>
+          <a:noFill/>
+          <a:ln>
+            <a:noFill/>
+          </a:ln>
+        </p:spPr>
+        <p:txBody>
+          <a:bodyPr spcFirstLastPara="1" wrap="square" lIns="91425" tIns="91425" rIns="91425" bIns="91425" anchor="ctr" anchorCtr="0">
+            <a:noAutofit/>
+          </a:bodyPr>
+          <a:lstStyle/>
+          <a:p>
+            <a:pPr defTabSz="914400">
+              <a:buClr>
+                <a:srgbClr val="000000"/>
+              </a:buClr>
+              <a:buSzPts val="1100"/>
+              <a:buFont typeface="Arial"/>
+              <a:buNone/>
+            </a:pPr>
+            <a:r>
+              <a:rPr lang="en-US" sz="1100" kern="0" dirty="0">
+                <a:solidFill>
+                  <a:srgbClr val="000000"/>
+                </a:solidFill>
+                <a:latin typeface="Roboto"/>
+                <a:ea typeface="Roboto"/>
+                <a:cs typeface="Roboto"/>
+                <a:sym typeface="Roboto"/>
+              </a:rPr>
+              <a:t>ANOVA and Multiple Test</a:t>
+            </a:r>
+            <a:endParaRPr sz="1100" kern="0" dirty="0">
+              <a:solidFill>
+                <a:srgbClr val="000000"/>
+              </a:solidFill>
+              <a:latin typeface="Roboto"/>
+              <a:ea typeface="Roboto"/>
+              <a:cs typeface="Roboto"/>
+              <a:sym typeface="Roboto"/>
+            </a:endParaRPr>
+          </a:p>
+        </p:txBody>
+      </p:sp>
+      <p:sp>
+        <p:nvSpPr>
+          <p:cNvPr id="55" name="Google Shape;431;p22">
+            <a:extLst>
+              <a:ext uri="{FF2B5EF4-FFF2-40B4-BE49-F238E27FC236}">
+                <a16:creationId xmlns:a16="http://schemas.microsoft.com/office/drawing/2014/main" id="{B6EF80C8-0A3D-CD18-05DE-2E99A081FAFC}"/>
+              </a:ext>
+            </a:extLst>
+          </p:cNvPr>
+          <p:cNvSpPr txBox="1"/>
+          <p:nvPr/>
+        </p:nvSpPr>
+        <p:spPr>
+          <a:xfrm>
+            <a:off x="8450925" y="2715174"/>
+            <a:ext cx="1541400" cy="514183"/>
+          </a:xfrm>
+          <a:prstGeom prst="rect">
+            <a:avLst/>
+          </a:prstGeom>
+          <a:noFill/>
+          <a:ln>
+            <a:noFill/>
+          </a:ln>
+        </p:spPr>
+        <p:txBody>
+          <a:bodyPr spcFirstLastPara="1" wrap="square" lIns="91425" tIns="91425" rIns="91425" bIns="91425" anchor="ctr" anchorCtr="0">
+            <a:noAutofit/>
+          </a:bodyPr>
+          <a:lstStyle/>
+          <a:p>
+            <a:pPr defTabSz="914400">
+              <a:buClr>
+                <a:srgbClr val="000000"/>
+              </a:buClr>
+              <a:buSzPts val="1100"/>
+              <a:buFont typeface="Arial"/>
+              <a:buNone/>
+            </a:pPr>
+            <a:r>
+              <a:rPr lang="en-US" sz="1100" kern="0" dirty="0">
+                <a:solidFill>
+                  <a:srgbClr val="000000"/>
+                </a:solidFill>
+                <a:latin typeface="Roboto"/>
+                <a:ea typeface="Roboto"/>
+                <a:cs typeface="Roboto"/>
+                <a:sym typeface="Roboto"/>
+              </a:rPr>
+              <a:t>Ridge/Lasso Regression, Elastic Net Regularization</a:t>
+            </a:r>
+            <a:endParaRPr sz="1100" kern="0" dirty="0">
+              <a:solidFill>
+                <a:srgbClr val="000000"/>
+              </a:solidFill>
+              <a:latin typeface="Roboto"/>
+              <a:ea typeface="Roboto"/>
+              <a:cs typeface="Roboto"/>
+              <a:sym typeface="Roboto"/>
+            </a:endParaRPr>
+          </a:p>
+        </p:txBody>
+      </p:sp>
+      <p:sp>
+        <p:nvSpPr>
+          <p:cNvPr id="56" name="Google Shape;432;p22">
+            <a:extLst>
+              <a:ext uri="{FF2B5EF4-FFF2-40B4-BE49-F238E27FC236}">
+                <a16:creationId xmlns:a16="http://schemas.microsoft.com/office/drawing/2014/main" id="{93DDE465-6733-91AF-E85F-1E515F9C9ED0}"/>
+              </a:ext>
+            </a:extLst>
+          </p:cNvPr>
+          <p:cNvSpPr txBox="1"/>
+          <p:nvPr/>
+        </p:nvSpPr>
+        <p:spPr>
+          <a:xfrm>
+            <a:off x="2199675" y="3181449"/>
+            <a:ext cx="1541400" cy="647971"/>
+          </a:xfrm>
+          <a:prstGeom prst="rect">
+            <a:avLst/>
+          </a:prstGeom>
+          <a:noFill/>
+          <a:ln>
+            <a:noFill/>
+          </a:ln>
+        </p:spPr>
+        <p:txBody>
+          <a:bodyPr spcFirstLastPara="1" wrap="square" lIns="91425" tIns="91425" rIns="91425" bIns="91425" anchor="ctr" anchorCtr="0">
+            <a:noAutofit/>
+          </a:bodyPr>
+          <a:lstStyle/>
+          <a:p>
+            <a:pPr defTabSz="914400">
+              <a:buClr>
+                <a:srgbClr val="000000"/>
+              </a:buClr>
+              <a:buFont typeface="Arial"/>
+              <a:buNone/>
+            </a:pPr>
+            <a:r>
+              <a:rPr lang="en-US" sz="1100" kern="0" dirty="0">
+                <a:solidFill>
+                  <a:srgbClr val="000000"/>
+                </a:solidFill>
+                <a:latin typeface="Roboto"/>
+                <a:ea typeface="Roboto"/>
+                <a:cs typeface="Roboto"/>
+                <a:sym typeface="Roboto"/>
+              </a:rPr>
+              <a:t>Logit Model, Probit Model</a:t>
+            </a:r>
+          </a:p>
+          <a:p>
+            <a:pPr defTabSz="914400">
+              <a:buClr>
+                <a:srgbClr val="000000"/>
+              </a:buClr>
+              <a:buFont typeface="Arial"/>
+              <a:buNone/>
+            </a:pPr>
+            <a:r>
+              <a:rPr lang="en-US" sz="1100" kern="0" dirty="0">
+                <a:solidFill>
+                  <a:srgbClr val="000000"/>
+                </a:solidFill>
+                <a:latin typeface="Roboto"/>
+                <a:ea typeface="Roboto"/>
+                <a:cs typeface="Roboto"/>
+                <a:sym typeface="Roboto"/>
+              </a:rPr>
+              <a:t>Complementary log-log-model</a:t>
+            </a:r>
+            <a:endParaRPr sz="1100" kern="0" dirty="0">
+              <a:solidFill>
+                <a:srgbClr val="000000"/>
+              </a:solidFill>
+              <a:latin typeface="Roboto"/>
+              <a:ea typeface="Roboto"/>
+              <a:cs typeface="Roboto"/>
+              <a:sym typeface="Roboto"/>
+            </a:endParaRPr>
+          </a:p>
+        </p:txBody>
+      </p:sp>
+      <p:sp>
+        <p:nvSpPr>
+          <p:cNvPr id="57" name="Google Shape;433;p22">
+            <a:extLst>
+              <a:ext uri="{FF2B5EF4-FFF2-40B4-BE49-F238E27FC236}">
+                <a16:creationId xmlns:a16="http://schemas.microsoft.com/office/drawing/2014/main" id="{A71BDDB6-1844-25C8-4D36-5D005A6F9E81}"/>
+              </a:ext>
+            </a:extLst>
+          </p:cNvPr>
+          <p:cNvSpPr txBox="1"/>
+          <p:nvPr/>
+        </p:nvSpPr>
+        <p:spPr>
+          <a:xfrm>
+            <a:off x="3775575" y="3181450"/>
+            <a:ext cx="1541400" cy="522528"/>
+          </a:xfrm>
+          <a:prstGeom prst="rect">
+            <a:avLst/>
+          </a:prstGeom>
+          <a:noFill/>
+          <a:ln>
+            <a:noFill/>
+          </a:ln>
+        </p:spPr>
+        <p:txBody>
+          <a:bodyPr spcFirstLastPara="1" wrap="square" lIns="91425" tIns="91425" rIns="91425" bIns="91425" anchor="ctr" anchorCtr="0">
+            <a:noAutofit/>
+          </a:bodyPr>
+          <a:lstStyle/>
+          <a:p>
+            <a:pPr defTabSz="914400">
+              <a:buClr>
+                <a:srgbClr val="000000"/>
+              </a:buClr>
+              <a:buFont typeface="Arial"/>
+              <a:buNone/>
+            </a:pPr>
+            <a:r>
+              <a:rPr lang="en-US" sz="1100" kern="0" dirty="0">
+                <a:solidFill>
+                  <a:srgbClr val="000000"/>
+                </a:solidFill>
+                <a:latin typeface="Roboto"/>
+                <a:ea typeface="Roboto"/>
+                <a:cs typeface="Roboto"/>
+                <a:sym typeface="Roboto"/>
+              </a:rPr>
+              <a:t>Generalized Estimating Equation (GEE)</a:t>
+            </a:r>
+            <a:endParaRPr sz="1100" kern="0" dirty="0">
+              <a:solidFill>
+                <a:srgbClr val="000000"/>
+              </a:solidFill>
+              <a:latin typeface="Roboto"/>
+              <a:ea typeface="Roboto"/>
+              <a:cs typeface="Roboto"/>
+              <a:sym typeface="Roboto"/>
+            </a:endParaRPr>
+          </a:p>
+        </p:txBody>
+      </p:sp>
+      <p:sp>
+        <p:nvSpPr>
+          <p:cNvPr id="58" name="Google Shape;434;p22">
+            <a:extLst>
+              <a:ext uri="{FF2B5EF4-FFF2-40B4-BE49-F238E27FC236}">
+                <a16:creationId xmlns:a16="http://schemas.microsoft.com/office/drawing/2014/main" id="{6B1285AE-166D-65BF-5410-C1BD9A4A4CF8}"/>
+              </a:ext>
+            </a:extLst>
+          </p:cNvPr>
+          <p:cNvSpPr txBox="1"/>
+          <p:nvPr/>
+        </p:nvSpPr>
+        <p:spPr>
+          <a:xfrm>
+            <a:off x="5325300" y="3181450"/>
+            <a:ext cx="1541400" cy="399600"/>
+          </a:xfrm>
+          <a:prstGeom prst="rect">
+            <a:avLst/>
+          </a:prstGeom>
+          <a:noFill/>
+          <a:ln>
+            <a:noFill/>
+          </a:ln>
+        </p:spPr>
+        <p:txBody>
+          <a:bodyPr spcFirstLastPara="1" wrap="square" lIns="91425" tIns="91425" rIns="91425" bIns="91425" anchor="ctr" anchorCtr="0">
+            <a:noAutofit/>
+          </a:bodyPr>
+          <a:lstStyle/>
+          <a:p>
+            <a:pPr defTabSz="914400">
+              <a:buClr>
+                <a:srgbClr val="000000"/>
+              </a:buClr>
+              <a:buFont typeface="Arial"/>
+              <a:buNone/>
+            </a:pPr>
+            <a:r>
+              <a:rPr lang="en-US" sz="1100" kern="0" dirty="0">
+                <a:solidFill>
+                  <a:srgbClr val="000000"/>
+                </a:solidFill>
+                <a:latin typeface="Roboto"/>
+                <a:ea typeface="Roboto"/>
+                <a:cs typeface="Roboto"/>
+                <a:sym typeface="Roboto"/>
+              </a:rPr>
+              <a:t>Exponential/Weibull Regression  Model</a:t>
+            </a:r>
+            <a:endParaRPr sz="1100" kern="0" dirty="0">
+              <a:solidFill>
+                <a:srgbClr val="000000"/>
+              </a:solidFill>
+              <a:latin typeface="Roboto"/>
+              <a:ea typeface="Roboto"/>
+              <a:cs typeface="Roboto"/>
+              <a:sym typeface="Roboto"/>
+            </a:endParaRPr>
+          </a:p>
+        </p:txBody>
+      </p:sp>
+      <p:sp>
+        <p:nvSpPr>
+          <p:cNvPr id="59" name="Google Shape;435;p22">
+            <a:extLst>
+              <a:ext uri="{FF2B5EF4-FFF2-40B4-BE49-F238E27FC236}">
+                <a16:creationId xmlns:a16="http://schemas.microsoft.com/office/drawing/2014/main" id="{56E994B8-D6AA-1E9C-E94E-2084FF093701}"/>
+              </a:ext>
+            </a:extLst>
+          </p:cNvPr>
+          <p:cNvSpPr txBox="1"/>
+          <p:nvPr/>
+        </p:nvSpPr>
+        <p:spPr>
+          <a:xfrm>
+            <a:off x="6901200" y="3157453"/>
+            <a:ext cx="1541400" cy="399600"/>
+          </a:xfrm>
+          <a:prstGeom prst="rect">
+            <a:avLst/>
+          </a:prstGeom>
+          <a:noFill/>
+          <a:ln>
+            <a:noFill/>
+          </a:ln>
+        </p:spPr>
+        <p:txBody>
+          <a:bodyPr spcFirstLastPara="1" wrap="square" lIns="91425" tIns="91425" rIns="91425" bIns="91425" anchor="ctr" anchorCtr="0">
+            <a:noAutofit/>
+          </a:bodyPr>
+          <a:lstStyle/>
+          <a:p>
+            <a:pPr defTabSz="914400">
+              <a:buClr>
+                <a:srgbClr val="000000"/>
+              </a:buClr>
+              <a:buFont typeface="Arial"/>
+              <a:buNone/>
+            </a:pPr>
+            <a:r>
+              <a:rPr lang="en-US" sz="1100" kern="0" dirty="0">
+                <a:solidFill>
+                  <a:srgbClr val="000000"/>
+                </a:solidFill>
+                <a:latin typeface="Roboto"/>
+                <a:ea typeface="Roboto"/>
+                <a:cs typeface="Roboto"/>
+                <a:sym typeface="Roboto"/>
+              </a:rPr>
+              <a:t>Non-Parametric Test/Nonparametric Regression</a:t>
+            </a:r>
+            <a:endParaRPr sz="1100" kern="0" dirty="0">
+              <a:solidFill>
+                <a:srgbClr val="000000"/>
+              </a:solidFill>
+              <a:latin typeface="Roboto"/>
+              <a:ea typeface="Roboto"/>
+              <a:cs typeface="Roboto"/>
+              <a:sym typeface="Roboto"/>
+            </a:endParaRPr>
+          </a:p>
+        </p:txBody>
+      </p:sp>
+      <p:sp>
+        <p:nvSpPr>
+          <p:cNvPr id="60" name="Google Shape;436;p22">
+            <a:extLst>
+              <a:ext uri="{FF2B5EF4-FFF2-40B4-BE49-F238E27FC236}">
+                <a16:creationId xmlns:a16="http://schemas.microsoft.com/office/drawing/2014/main" id="{1E3CC18D-5A9E-9AA3-7197-C377FCEAA049}"/>
+              </a:ext>
+            </a:extLst>
+          </p:cNvPr>
+          <p:cNvSpPr txBox="1"/>
+          <p:nvPr/>
+        </p:nvSpPr>
+        <p:spPr>
+          <a:xfrm>
+            <a:off x="8450925" y="3381250"/>
+            <a:ext cx="1541400" cy="399600"/>
+          </a:xfrm>
+          <a:prstGeom prst="rect">
+            <a:avLst/>
+          </a:prstGeom>
+          <a:noFill/>
+          <a:ln>
+            <a:noFill/>
+          </a:ln>
+        </p:spPr>
+        <p:txBody>
+          <a:bodyPr spcFirstLastPara="1" wrap="square" lIns="91425" tIns="91425" rIns="91425" bIns="91425" anchor="ctr" anchorCtr="0">
+            <a:noAutofit/>
+          </a:bodyPr>
+          <a:lstStyle/>
+          <a:p>
+            <a:pPr defTabSz="914400">
+              <a:buClr>
+                <a:srgbClr val="000000"/>
+              </a:buClr>
+              <a:buFont typeface="Arial"/>
+              <a:buNone/>
+            </a:pPr>
+            <a:r>
+              <a:rPr lang="en-US" sz="1100" kern="0" dirty="0">
+                <a:solidFill>
+                  <a:srgbClr val="000000"/>
+                </a:solidFill>
+                <a:latin typeface="Roboto"/>
+                <a:ea typeface="Roboto"/>
+                <a:cs typeface="Roboto"/>
+                <a:sym typeface="Roboto"/>
+              </a:rPr>
+              <a:t>Decision Tree Model, Random Forest</a:t>
+            </a:r>
+          </a:p>
+          <a:p>
+            <a:pPr defTabSz="914400">
+              <a:buClr>
+                <a:srgbClr val="000000"/>
+              </a:buClr>
+              <a:buFont typeface="Arial"/>
+              <a:buNone/>
+            </a:pPr>
+            <a:r>
+              <a:rPr lang="en-US" sz="1100" kern="0" dirty="0">
+                <a:solidFill>
+                  <a:srgbClr val="000000"/>
+                </a:solidFill>
+                <a:latin typeface="Roboto"/>
+                <a:ea typeface="Roboto"/>
+                <a:cs typeface="Roboto"/>
+                <a:sym typeface="Roboto"/>
+              </a:rPr>
+              <a:t>Principal component analysis</a:t>
+            </a:r>
+            <a:endParaRPr sz="1100" kern="0" dirty="0">
+              <a:solidFill>
+                <a:srgbClr val="000000"/>
+              </a:solidFill>
+              <a:latin typeface="Roboto"/>
+              <a:ea typeface="Roboto"/>
+              <a:cs typeface="Roboto"/>
+              <a:sym typeface="Roboto"/>
+            </a:endParaRPr>
+          </a:p>
+        </p:txBody>
+      </p:sp>
+      <p:sp>
+        <p:nvSpPr>
+          <p:cNvPr id="61" name="Google Shape;437;p22">
+            <a:extLst>
+              <a:ext uri="{FF2B5EF4-FFF2-40B4-BE49-F238E27FC236}">
+                <a16:creationId xmlns:a16="http://schemas.microsoft.com/office/drawing/2014/main" id="{867B7C6E-7BB0-A07E-7C10-DF29763DF8DE}"/>
+              </a:ext>
+            </a:extLst>
+          </p:cNvPr>
+          <p:cNvSpPr txBox="1"/>
+          <p:nvPr/>
+        </p:nvSpPr>
+        <p:spPr>
+          <a:xfrm>
+            <a:off x="2199675" y="4306163"/>
+            <a:ext cx="1541400" cy="399600"/>
+          </a:xfrm>
+          <a:prstGeom prst="rect">
+            <a:avLst/>
+          </a:prstGeom>
+          <a:noFill/>
+          <a:ln>
+            <a:noFill/>
+          </a:ln>
+        </p:spPr>
+        <p:txBody>
+          <a:bodyPr spcFirstLastPara="1" wrap="square" lIns="91425" tIns="91425" rIns="91425" bIns="91425" anchor="ctr" anchorCtr="0">
+            <a:noAutofit/>
+          </a:bodyPr>
+          <a:lstStyle/>
+          <a:p>
+            <a:pPr defTabSz="914400">
+              <a:buClr>
+                <a:srgbClr val="000000"/>
+              </a:buClr>
+              <a:buSzPts val="1100"/>
+              <a:buFont typeface="Arial"/>
+              <a:buNone/>
+            </a:pPr>
+            <a:r>
+              <a:rPr lang="en-US" sz="1100" kern="0" dirty="0">
+                <a:solidFill>
+                  <a:srgbClr val="000000"/>
+                </a:solidFill>
+                <a:latin typeface="Roboto"/>
+                <a:ea typeface="Roboto"/>
+                <a:cs typeface="Roboto"/>
+                <a:sym typeface="Roboto"/>
+              </a:rPr>
+              <a:t>Ordinal cumulative logit model </a:t>
+            </a:r>
+            <a:endParaRPr sz="1100" kern="0" dirty="0">
+              <a:solidFill>
+                <a:srgbClr val="000000"/>
+              </a:solidFill>
+              <a:latin typeface="Roboto"/>
+              <a:ea typeface="Roboto"/>
+              <a:cs typeface="Roboto"/>
+              <a:sym typeface="Roboto"/>
+            </a:endParaRPr>
+          </a:p>
+        </p:txBody>
+      </p:sp>
+      <p:sp>
+        <p:nvSpPr>
+          <p:cNvPr id="62" name="Google Shape;438;p22">
+            <a:extLst>
+              <a:ext uri="{FF2B5EF4-FFF2-40B4-BE49-F238E27FC236}">
+                <a16:creationId xmlns:a16="http://schemas.microsoft.com/office/drawing/2014/main" id="{ACCCA348-F0BB-CE3B-4C00-FD4DD667EC4A}"/>
+              </a:ext>
+            </a:extLst>
+          </p:cNvPr>
+          <p:cNvSpPr txBox="1"/>
+          <p:nvPr/>
+        </p:nvSpPr>
+        <p:spPr>
+          <a:xfrm>
+            <a:off x="3775575" y="4306163"/>
+            <a:ext cx="1541400" cy="399600"/>
+          </a:xfrm>
+          <a:prstGeom prst="rect">
+            <a:avLst/>
+          </a:prstGeom>
+          <a:noFill/>
+          <a:ln>
+            <a:noFill/>
+          </a:ln>
+        </p:spPr>
+        <p:txBody>
+          <a:bodyPr spcFirstLastPara="1" wrap="square" lIns="91425" tIns="91425" rIns="91425" bIns="91425" anchor="ctr" anchorCtr="0">
+            <a:noAutofit/>
+          </a:bodyPr>
+          <a:lstStyle/>
+          <a:p>
+            <a:pPr defTabSz="914400">
+              <a:buClr>
+                <a:srgbClr val="000000"/>
+              </a:buClr>
+              <a:buFont typeface="Arial"/>
+              <a:buNone/>
+            </a:pPr>
+            <a:r>
+              <a:rPr lang="en-US" sz="1100" kern="0" dirty="0">
+                <a:solidFill>
+                  <a:srgbClr val="000000"/>
+                </a:solidFill>
+                <a:latin typeface="Roboto"/>
+                <a:ea typeface="Roboto"/>
+                <a:cs typeface="Roboto"/>
+                <a:sym typeface="Roboto"/>
+              </a:rPr>
+              <a:t>Hierarchical (Nested) Model</a:t>
+            </a:r>
+            <a:endParaRPr sz="1100" kern="0" dirty="0">
+              <a:solidFill>
+                <a:srgbClr val="000000"/>
+              </a:solidFill>
+              <a:latin typeface="Roboto"/>
+              <a:ea typeface="Roboto"/>
+              <a:cs typeface="Roboto"/>
+              <a:sym typeface="Roboto"/>
+            </a:endParaRPr>
+          </a:p>
+        </p:txBody>
+      </p:sp>
+      <p:sp>
+        <p:nvSpPr>
+          <p:cNvPr id="63" name="Google Shape;439;p22">
+            <a:extLst>
+              <a:ext uri="{FF2B5EF4-FFF2-40B4-BE49-F238E27FC236}">
+                <a16:creationId xmlns:a16="http://schemas.microsoft.com/office/drawing/2014/main" id="{03C56099-4358-F6AE-B6B9-531C6C6BFCBC}"/>
+              </a:ext>
+            </a:extLst>
+          </p:cNvPr>
+          <p:cNvSpPr txBox="1"/>
+          <p:nvPr/>
+        </p:nvSpPr>
+        <p:spPr>
+          <a:xfrm>
+            <a:off x="5325300" y="4285872"/>
+            <a:ext cx="1541400" cy="399600"/>
+          </a:xfrm>
+          <a:prstGeom prst="rect">
+            <a:avLst/>
+          </a:prstGeom>
+          <a:noFill/>
+          <a:ln>
+            <a:noFill/>
+          </a:ln>
+        </p:spPr>
+        <p:txBody>
+          <a:bodyPr spcFirstLastPara="1" wrap="square" lIns="91425" tIns="91425" rIns="91425" bIns="91425" anchor="ctr" anchorCtr="0">
+            <a:noAutofit/>
+          </a:bodyPr>
+          <a:lstStyle/>
+          <a:p>
+            <a:pPr defTabSz="914400">
+              <a:buClr>
+                <a:srgbClr val="000000"/>
+              </a:buClr>
+              <a:buFont typeface="Arial"/>
+              <a:buNone/>
+            </a:pPr>
+            <a:r>
+              <a:rPr lang="en-US" sz="1100" kern="0" dirty="0">
+                <a:solidFill>
+                  <a:srgbClr val="000000"/>
+                </a:solidFill>
+                <a:latin typeface="Roboto"/>
+                <a:ea typeface="Roboto"/>
+                <a:cs typeface="Roboto"/>
+                <a:sym typeface="Roboto"/>
+              </a:rPr>
+              <a:t>Cox Proportional Hazards Model</a:t>
+            </a:r>
+            <a:endParaRPr sz="1100" kern="0" dirty="0">
+              <a:solidFill>
+                <a:srgbClr val="000000"/>
+              </a:solidFill>
+              <a:latin typeface="Roboto"/>
+              <a:ea typeface="Roboto"/>
+              <a:cs typeface="Roboto"/>
+              <a:sym typeface="Roboto"/>
+            </a:endParaRPr>
+          </a:p>
+        </p:txBody>
+      </p:sp>
+      <p:sp>
+        <p:nvSpPr>
+          <p:cNvPr id="64" name="Google Shape;440;p22">
+            <a:extLst>
+              <a:ext uri="{FF2B5EF4-FFF2-40B4-BE49-F238E27FC236}">
+                <a16:creationId xmlns:a16="http://schemas.microsoft.com/office/drawing/2014/main" id="{FC5E621A-0508-2A4D-0ACB-04CEB143C75D}"/>
+              </a:ext>
+            </a:extLst>
+          </p:cNvPr>
+          <p:cNvSpPr txBox="1"/>
+          <p:nvPr/>
+        </p:nvSpPr>
+        <p:spPr>
+          <a:xfrm>
+            <a:off x="6901200" y="4255693"/>
+            <a:ext cx="1541400" cy="399600"/>
+          </a:xfrm>
+          <a:prstGeom prst="rect">
+            <a:avLst/>
+          </a:prstGeom>
+          <a:noFill/>
+          <a:ln>
+            <a:noFill/>
+          </a:ln>
+        </p:spPr>
+        <p:txBody>
+          <a:bodyPr spcFirstLastPara="1" wrap="square" lIns="91425" tIns="91425" rIns="91425" bIns="91425" anchor="ctr" anchorCtr="0">
+            <a:noAutofit/>
+          </a:bodyPr>
+          <a:lstStyle/>
+          <a:p>
+            <a:pPr defTabSz="914400">
+              <a:buClr>
+                <a:srgbClr val="000000"/>
+              </a:buClr>
+              <a:buFont typeface="Arial"/>
+              <a:buNone/>
+            </a:pPr>
+            <a:r>
+              <a:rPr lang="en-US" sz="1100" kern="0" dirty="0">
+                <a:solidFill>
+                  <a:srgbClr val="000000"/>
+                </a:solidFill>
+                <a:latin typeface="Roboto"/>
+                <a:ea typeface="Roboto"/>
+                <a:cs typeface="Roboto"/>
+                <a:sym typeface="Roboto"/>
+              </a:rPr>
+              <a:t>Multiple Imputation</a:t>
+            </a:r>
+            <a:br>
+              <a:rPr lang="en-US" sz="1100" kern="0" dirty="0">
+                <a:solidFill>
+                  <a:srgbClr val="000000"/>
+                </a:solidFill>
+                <a:latin typeface="Roboto"/>
+                <a:ea typeface="Roboto"/>
+                <a:cs typeface="Roboto"/>
+                <a:sym typeface="Roboto"/>
+              </a:rPr>
+            </a:br>
+            <a:r>
+              <a:rPr lang="en-US" sz="1100" kern="0" dirty="0">
+                <a:solidFill>
+                  <a:srgbClr val="000000"/>
+                </a:solidFill>
+                <a:latin typeface="Roboto"/>
+                <a:ea typeface="Roboto"/>
+                <a:cs typeface="Roboto"/>
+                <a:sym typeface="Roboto"/>
+              </a:rPr>
+              <a:t>Bayes' Theorem</a:t>
+            </a:r>
+            <a:endParaRPr sz="1100" kern="0" dirty="0">
+              <a:solidFill>
+                <a:srgbClr val="000000"/>
+              </a:solidFill>
+              <a:latin typeface="Roboto"/>
+              <a:ea typeface="Roboto"/>
+              <a:cs typeface="Roboto"/>
+              <a:sym typeface="Roboto"/>
+            </a:endParaRPr>
+          </a:p>
+        </p:txBody>
+      </p:sp>
+      <p:sp>
+        <p:nvSpPr>
+          <p:cNvPr id="65" name="Google Shape;441;p22">
+            <a:extLst>
+              <a:ext uri="{FF2B5EF4-FFF2-40B4-BE49-F238E27FC236}">
+                <a16:creationId xmlns:a16="http://schemas.microsoft.com/office/drawing/2014/main" id="{5BEC5C0A-C06D-F70E-E84F-BBB6E62E95B0}"/>
+              </a:ext>
+            </a:extLst>
+          </p:cNvPr>
+          <p:cNvSpPr txBox="1"/>
+          <p:nvPr/>
+        </p:nvSpPr>
+        <p:spPr>
+          <a:xfrm>
+            <a:off x="8450925" y="4306163"/>
+            <a:ext cx="1541400" cy="399600"/>
+          </a:xfrm>
+          <a:prstGeom prst="rect">
+            <a:avLst/>
+          </a:prstGeom>
+          <a:noFill/>
+          <a:ln>
+            <a:noFill/>
+          </a:ln>
+        </p:spPr>
+        <p:txBody>
+          <a:bodyPr spcFirstLastPara="1" wrap="square" lIns="91425" tIns="91425" rIns="91425" bIns="91425" anchor="ctr" anchorCtr="0">
+            <a:noAutofit/>
+          </a:bodyPr>
+          <a:lstStyle/>
+          <a:p>
+            <a:pPr defTabSz="914400">
+              <a:buClr>
+                <a:srgbClr val="000000"/>
+              </a:buClr>
+              <a:buFont typeface="Arial"/>
+              <a:buNone/>
+            </a:pPr>
+            <a:r>
+              <a:rPr lang="en-US" sz="1100" kern="0" dirty="0">
+                <a:solidFill>
+                  <a:srgbClr val="000000"/>
+                </a:solidFill>
+                <a:latin typeface="Roboto"/>
+                <a:ea typeface="Roboto"/>
+                <a:cs typeface="Roboto"/>
+                <a:sym typeface="Roboto"/>
+              </a:rPr>
+              <a:t>Support vector machine, K-nearest neighbors</a:t>
+            </a:r>
+            <a:endParaRPr sz="1100" kern="0" dirty="0">
+              <a:solidFill>
+                <a:srgbClr val="000000"/>
+              </a:solidFill>
+              <a:latin typeface="Roboto"/>
+              <a:ea typeface="Roboto"/>
+              <a:cs typeface="Roboto"/>
+              <a:sym typeface="Roboto"/>
+            </a:endParaRPr>
+          </a:p>
+        </p:txBody>
+      </p:sp>
+      <p:sp>
+        <p:nvSpPr>
+          <p:cNvPr id="66" name="Google Shape;442;p22">
+            <a:extLst>
+              <a:ext uri="{FF2B5EF4-FFF2-40B4-BE49-F238E27FC236}">
+                <a16:creationId xmlns:a16="http://schemas.microsoft.com/office/drawing/2014/main" id="{15C8BD4A-D670-376C-C86E-04CD865DD7DD}"/>
+              </a:ext>
+            </a:extLst>
+          </p:cNvPr>
+          <p:cNvSpPr txBox="1"/>
+          <p:nvPr/>
+        </p:nvSpPr>
+        <p:spPr>
+          <a:xfrm>
+            <a:off x="2199675" y="4772438"/>
+            <a:ext cx="1541400" cy="399600"/>
+          </a:xfrm>
+          <a:prstGeom prst="rect">
+            <a:avLst/>
+          </a:prstGeom>
+          <a:noFill/>
+          <a:ln>
+            <a:noFill/>
+          </a:ln>
+        </p:spPr>
+        <p:txBody>
+          <a:bodyPr spcFirstLastPara="1" wrap="square" lIns="91425" tIns="91425" rIns="91425" bIns="91425" anchor="ctr" anchorCtr="0">
+            <a:noAutofit/>
+          </a:bodyPr>
+          <a:lstStyle/>
+          <a:p>
+            <a:pPr defTabSz="914400">
+              <a:buClr>
+                <a:srgbClr val="000000"/>
+              </a:buClr>
+              <a:buFont typeface="Arial"/>
+              <a:buNone/>
+            </a:pPr>
+            <a:r>
+              <a:rPr lang="en-US" sz="1100" kern="0" dirty="0">
+                <a:solidFill>
+                  <a:srgbClr val="000000"/>
+                </a:solidFill>
+                <a:latin typeface="Roboto"/>
+                <a:ea typeface="Roboto"/>
+                <a:cs typeface="Roboto"/>
+                <a:sym typeface="Roboto"/>
+              </a:rPr>
+              <a:t>Logistic regression for clustered data</a:t>
+            </a:r>
+            <a:endParaRPr sz="1100" kern="0" dirty="0">
+              <a:solidFill>
+                <a:srgbClr val="000000"/>
+              </a:solidFill>
+              <a:latin typeface="Roboto"/>
+              <a:ea typeface="Roboto"/>
+              <a:cs typeface="Roboto"/>
+              <a:sym typeface="Roboto"/>
+            </a:endParaRPr>
+          </a:p>
+        </p:txBody>
+      </p:sp>
+      <p:sp>
+        <p:nvSpPr>
+          <p:cNvPr id="67" name="Google Shape;443;p22">
+            <a:extLst>
+              <a:ext uri="{FF2B5EF4-FFF2-40B4-BE49-F238E27FC236}">
+                <a16:creationId xmlns:a16="http://schemas.microsoft.com/office/drawing/2014/main" id="{0BC836C0-A785-7361-5BF9-E5367F63D555}"/>
+              </a:ext>
+            </a:extLst>
+          </p:cNvPr>
+          <p:cNvSpPr txBox="1"/>
+          <p:nvPr/>
+        </p:nvSpPr>
+        <p:spPr>
+          <a:xfrm>
+            <a:off x="3775575" y="4772438"/>
+            <a:ext cx="1541400" cy="399600"/>
+          </a:xfrm>
+          <a:prstGeom prst="rect">
+            <a:avLst/>
+          </a:prstGeom>
+          <a:noFill/>
+          <a:ln>
+            <a:noFill/>
+          </a:ln>
+        </p:spPr>
+        <p:txBody>
+          <a:bodyPr spcFirstLastPara="1" wrap="square" lIns="91425" tIns="91425" rIns="91425" bIns="91425" anchor="ctr" anchorCtr="0">
+            <a:noAutofit/>
+          </a:bodyPr>
+          <a:lstStyle/>
+          <a:p>
+            <a:pPr defTabSz="914400">
+              <a:buClr>
+                <a:srgbClr val="000000"/>
+              </a:buClr>
+              <a:buFont typeface="Arial"/>
+              <a:buNone/>
+            </a:pPr>
+            <a:r>
+              <a:rPr lang="en-US" sz="1100" kern="0" dirty="0">
+                <a:solidFill>
+                  <a:srgbClr val="000000"/>
+                </a:solidFill>
+                <a:latin typeface="Roboto"/>
+                <a:ea typeface="Roboto"/>
+                <a:cs typeface="Roboto"/>
+                <a:sym typeface="Roboto"/>
+              </a:rPr>
+              <a:t>Generalized linear mixed model</a:t>
+            </a:r>
+            <a:endParaRPr sz="1100" kern="0" dirty="0">
+              <a:solidFill>
+                <a:srgbClr val="000000"/>
+              </a:solidFill>
+              <a:latin typeface="Roboto"/>
+              <a:ea typeface="Roboto"/>
+              <a:cs typeface="Roboto"/>
+              <a:sym typeface="Roboto"/>
+            </a:endParaRPr>
+          </a:p>
+        </p:txBody>
+      </p:sp>
+      <p:sp>
+        <p:nvSpPr>
+          <p:cNvPr id="68" name="Google Shape;444;p22">
+            <a:extLst>
+              <a:ext uri="{FF2B5EF4-FFF2-40B4-BE49-F238E27FC236}">
+                <a16:creationId xmlns:a16="http://schemas.microsoft.com/office/drawing/2014/main" id="{6D55DA37-54FF-60C5-259F-2292A6BB561A}"/>
+              </a:ext>
+            </a:extLst>
+          </p:cNvPr>
+          <p:cNvSpPr txBox="1"/>
+          <p:nvPr/>
+        </p:nvSpPr>
+        <p:spPr>
+          <a:xfrm>
+            <a:off x="5316599" y="4772438"/>
+            <a:ext cx="1541400" cy="399600"/>
+          </a:xfrm>
+          <a:prstGeom prst="rect">
+            <a:avLst/>
+          </a:prstGeom>
+          <a:noFill/>
+          <a:ln>
+            <a:noFill/>
+          </a:ln>
+        </p:spPr>
+        <p:txBody>
+          <a:bodyPr spcFirstLastPara="1" wrap="square" lIns="91425" tIns="91425" rIns="91425" bIns="91425" anchor="ctr" anchorCtr="0">
+            <a:noAutofit/>
+          </a:bodyPr>
+          <a:lstStyle/>
+          <a:p>
+            <a:pPr defTabSz="914400">
+              <a:buClr>
+                <a:srgbClr val="000000"/>
+              </a:buClr>
+              <a:buFont typeface="Arial"/>
+              <a:buNone/>
+            </a:pPr>
+            <a:r>
+              <a:rPr lang="en-US" sz="1100" kern="0" dirty="0">
+                <a:solidFill>
+                  <a:srgbClr val="000000"/>
+                </a:solidFill>
+                <a:latin typeface="Roboto"/>
+                <a:ea typeface="Roboto"/>
+                <a:cs typeface="Roboto"/>
+                <a:sym typeface="Roboto"/>
+              </a:rPr>
+              <a:t>Time-Dependent Covariates/Competing Risk</a:t>
+            </a:r>
+            <a:endParaRPr sz="1100" kern="0" dirty="0">
+              <a:solidFill>
+                <a:srgbClr val="000000"/>
+              </a:solidFill>
+              <a:latin typeface="Roboto"/>
+              <a:ea typeface="Roboto"/>
+              <a:cs typeface="Roboto"/>
+              <a:sym typeface="Roboto"/>
+            </a:endParaRPr>
+          </a:p>
+        </p:txBody>
+      </p:sp>
+      <p:sp>
+        <p:nvSpPr>
+          <p:cNvPr id="69" name="Google Shape;445;p22">
+            <a:extLst>
+              <a:ext uri="{FF2B5EF4-FFF2-40B4-BE49-F238E27FC236}">
+                <a16:creationId xmlns:a16="http://schemas.microsoft.com/office/drawing/2014/main" id="{D78DC03F-FE8F-D693-09D3-688C65CE15D1}"/>
+              </a:ext>
+            </a:extLst>
+          </p:cNvPr>
+          <p:cNvSpPr txBox="1"/>
+          <p:nvPr/>
+        </p:nvSpPr>
+        <p:spPr>
+          <a:xfrm>
+            <a:off x="6901200" y="4541130"/>
+            <a:ext cx="1541400" cy="399600"/>
+          </a:xfrm>
+          <a:prstGeom prst="rect">
+            <a:avLst/>
+          </a:prstGeom>
+          <a:noFill/>
+          <a:ln>
+            <a:noFill/>
+          </a:ln>
+        </p:spPr>
+        <p:txBody>
+          <a:bodyPr spcFirstLastPara="1" wrap="square" lIns="91425" tIns="91425" rIns="91425" bIns="91425" anchor="ctr" anchorCtr="0">
+            <a:noAutofit/>
+          </a:bodyPr>
+          <a:lstStyle/>
+          <a:p>
+            <a:pPr defTabSz="914400">
+              <a:buClr>
+                <a:srgbClr val="000000"/>
+              </a:buClr>
+              <a:buFont typeface="Arial"/>
+              <a:buNone/>
+            </a:pPr>
+            <a:r>
+              <a:rPr lang="en-US" sz="1100" kern="0" dirty="0">
+                <a:solidFill>
+                  <a:srgbClr val="000000"/>
+                </a:solidFill>
+                <a:latin typeface="Roboto"/>
+                <a:ea typeface="Roboto"/>
+                <a:cs typeface="Roboto"/>
+                <a:sym typeface="Roboto"/>
+              </a:rPr>
+              <a:t>Time Series Analysis</a:t>
+            </a:r>
+            <a:endParaRPr sz="1100" kern="0" dirty="0">
+              <a:solidFill>
+                <a:srgbClr val="000000"/>
+              </a:solidFill>
+              <a:latin typeface="Roboto"/>
+              <a:ea typeface="Roboto"/>
+              <a:cs typeface="Roboto"/>
+              <a:sym typeface="Roboto"/>
+            </a:endParaRPr>
+          </a:p>
+        </p:txBody>
+      </p:sp>
+      <p:sp>
+        <p:nvSpPr>
+          <p:cNvPr id="70" name="Google Shape;446;p22">
+            <a:extLst>
+              <a:ext uri="{FF2B5EF4-FFF2-40B4-BE49-F238E27FC236}">
+                <a16:creationId xmlns:a16="http://schemas.microsoft.com/office/drawing/2014/main" id="{2CDD034E-6020-0D0F-4C4A-47F61E694274}"/>
+              </a:ext>
+            </a:extLst>
+          </p:cNvPr>
+          <p:cNvSpPr txBox="1"/>
+          <p:nvPr/>
+        </p:nvSpPr>
+        <p:spPr>
+          <a:xfrm>
+            <a:off x="8450925" y="4847368"/>
+            <a:ext cx="1541400" cy="399600"/>
+          </a:xfrm>
+          <a:prstGeom prst="rect">
+            <a:avLst/>
+          </a:prstGeom>
+          <a:noFill/>
+          <a:ln>
+            <a:noFill/>
+          </a:ln>
+        </p:spPr>
+        <p:txBody>
+          <a:bodyPr spcFirstLastPara="1" wrap="square" lIns="91425" tIns="91425" rIns="91425" bIns="91425" anchor="ctr" anchorCtr="0">
+            <a:noAutofit/>
+          </a:bodyPr>
+          <a:lstStyle/>
+          <a:p>
+            <a:pPr defTabSz="914400">
+              <a:buClr>
+                <a:srgbClr val="000000"/>
+              </a:buClr>
+              <a:buFont typeface="Arial"/>
+              <a:buNone/>
+            </a:pPr>
+            <a:r>
+              <a:rPr lang="en-US" sz="1100" kern="0" dirty="0">
+                <a:solidFill>
+                  <a:srgbClr val="000000"/>
+                </a:solidFill>
+                <a:latin typeface="Roboto"/>
+                <a:ea typeface="Roboto"/>
+                <a:cs typeface="Roboto"/>
+                <a:sym typeface="Roboto"/>
+              </a:rPr>
+              <a:t>Hierarchical clustering, K-means clustering</a:t>
+            </a:r>
+            <a:endParaRPr sz="1100" kern="0" dirty="0">
+              <a:solidFill>
+                <a:srgbClr val="000000"/>
+              </a:solidFill>
+              <a:latin typeface="Roboto"/>
+              <a:ea typeface="Roboto"/>
+              <a:cs typeface="Roboto"/>
+              <a:sym typeface="Roboto"/>
+            </a:endParaRPr>
+          </a:p>
+        </p:txBody>
+      </p:sp>
+      <p:cxnSp>
+        <p:nvCxnSpPr>
+          <p:cNvPr id="71" name="Google Shape;447;p22">
+            <a:extLst>
+              <a:ext uri="{FF2B5EF4-FFF2-40B4-BE49-F238E27FC236}">
+                <a16:creationId xmlns:a16="http://schemas.microsoft.com/office/drawing/2014/main" id="{DD773046-2626-55B2-07B0-FD884FDB3C5E}"/>
+              </a:ext>
+            </a:extLst>
+          </p:cNvPr>
+          <p:cNvCxnSpPr/>
+          <p:nvPr/>
+        </p:nvCxnSpPr>
+        <p:spPr>
+          <a:xfrm>
+            <a:off x="2316709" y="4021362"/>
+            <a:ext cx="7429500" cy="0"/>
+          </a:xfrm>
+          <a:prstGeom prst="straightConnector1">
+            <a:avLst/>
+          </a:prstGeom>
+          <a:noFill/>
+          <a:ln w="19050" cap="flat" cmpd="sng">
+            <a:solidFill>
+              <a:srgbClr val="B7B7B7"/>
+            </a:solidFill>
+            <a:prstDash val="dash"/>
+            <a:round/>
+            <a:headEnd type="none" w="med" len="med"/>
+            <a:tailEnd type="none" w="med" len="med"/>
+          </a:ln>
+        </p:spPr>
+      </p:cxnSp>
+      <p:sp>
+        <p:nvSpPr>
+          <p:cNvPr id="72" name="Google Shape;435;p22">
+            <a:extLst>
+              <a:ext uri="{FF2B5EF4-FFF2-40B4-BE49-F238E27FC236}">
+                <a16:creationId xmlns:a16="http://schemas.microsoft.com/office/drawing/2014/main" id="{A9055FAB-8B4C-C177-DC68-F734274354E3}"/>
+              </a:ext>
+            </a:extLst>
+          </p:cNvPr>
+          <p:cNvSpPr txBox="1"/>
+          <p:nvPr/>
+        </p:nvSpPr>
+        <p:spPr>
+          <a:xfrm>
+            <a:off x="6909525" y="3558724"/>
+            <a:ext cx="1541400" cy="399600"/>
+          </a:xfrm>
+          <a:prstGeom prst="rect">
+            <a:avLst/>
+          </a:prstGeom>
+          <a:noFill/>
+          <a:ln>
+            <a:noFill/>
+          </a:ln>
+        </p:spPr>
+        <p:txBody>
+          <a:bodyPr spcFirstLastPara="1" wrap="square" lIns="91425" tIns="91425" rIns="91425" bIns="91425" anchor="ctr" anchorCtr="0">
+            <a:noAutofit/>
+          </a:bodyPr>
+          <a:lstStyle/>
+          <a:p>
+            <a:pPr defTabSz="914400">
+              <a:buClr>
+                <a:srgbClr val="000000"/>
+              </a:buClr>
+              <a:buFont typeface="Arial"/>
+              <a:buNone/>
+            </a:pPr>
+            <a:r>
+              <a:rPr lang="en-US" sz="1100" kern="0" dirty="0">
+                <a:solidFill>
+                  <a:srgbClr val="000000"/>
+                </a:solidFill>
+                <a:latin typeface="Roboto"/>
+                <a:ea typeface="Roboto"/>
+                <a:cs typeface="Roboto"/>
+                <a:sym typeface="Roboto"/>
+              </a:rPr>
+              <a:t>Meta Analysis</a:t>
+            </a:r>
+            <a:endParaRPr sz="1100" kern="0" dirty="0">
+              <a:solidFill>
+                <a:srgbClr val="000000"/>
+              </a:solidFill>
+              <a:latin typeface="Roboto"/>
+              <a:ea typeface="Roboto"/>
+              <a:cs typeface="Roboto"/>
+              <a:sym typeface="Roboto"/>
+            </a:endParaRPr>
+          </a:p>
+        </p:txBody>
+      </p:sp>
+      <p:sp>
+        <p:nvSpPr>
+          <p:cNvPr id="73" name="Google Shape;445;p22">
+            <a:extLst>
+              <a:ext uri="{FF2B5EF4-FFF2-40B4-BE49-F238E27FC236}">
+                <a16:creationId xmlns:a16="http://schemas.microsoft.com/office/drawing/2014/main" id="{BF102BF8-03B0-62E4-5390-47C26B8BDF12}"/>
+              </a:ext>
+            </a:extLst>
+          </p:cNvPr>
+          <p:cNvSpPr txBox="1"/>
+          <p:nvPr/>
+        </p:nvSpPr>
+        <p:spPr>
+          <a:xfrm>
+            <a:off x="6909525" y="4869791"/>
+            <a:ext cx="1541400" cy="399600"/>
+          </a:xfrm>
+          <a:prstGeom prst="rect">
+            <a:avLst/>
+          </a:prstGeom>
+          <a:noFill/>
+          <a:ln>
+            <a:noFill/>
+          </a:ln>
+        </p:spPr>
+        <p:txBody>
+          <a:bodyPr spcFirstLastPara="1" wrap="square" lIns="91425" tIns="91425" rIns="91425" bIns="91425" anchor="ctr" anchorCtr="0">
+            <a:noAutofit/>
+          </a:bodyPr>
+          <a:lstStyle/>
+          <a:p>
+            <a:pPr defTabSz="914400">
+              <a:buClr>
+                <a:srgbClr val="000000"/>
+              </a:buClr>
+              <a:buFont typeface="Arial"/>
+              <a:buNone/>
+            </a:pPr>
+            <a:r>
+              <a:rPr lang="en-US" sz="1100" kern="0" dirty="0">
+                <a:solidFill>
+                  <a:srgbClr val="000000"/>
+                </a:solidFill>
+                <a:latin typeface="Roboto"/>
+                <a:ea typeface="Roboto"/>
+                <a:cs typeface="Roboto"/>
+                <a:sym typeface="Roboto"/>
+              </a:rPr>
+              <a:t>SEM and Factor Analysis</a:t>
+            </a:r>
+            <a:endParaRPr sz="1100" kern="0" dirty="0">
+              <a:solidFill>
+                <a:srgbClr val="000000"/>
+              </a:solidFill>
+              <a:latin typeface="Roboto"/>
+              <a:ea typeface="Roboto"/>
+              <a:cs typeface="Roboto"/>
+              <a:sym typeface="Roboto"/>
+            </a:endParaRPr>
+          </a:p>
+        </p:txBody>
+      </p:sp>
+    </p:spTree>
+    <p:extLst>
+      <p:ext uri="{BB962C8B-B14F-4D97-AF65-F5344CB8AC3E}">
+        <p14:creationId xmlns:p14="http://schemas.microsoft.com/office/powerpoint/2010/main" val="641141234"/>
+      </p:ext>
+    </p:extLst>
+  </p:cSld>
+  <p:clrMapOvr>
+    <a:masterClrMapping/>
+  </p:clrMapOvr>
+</p:sld>
+</file>
+
 <file path=ppt/theme/theme1.xml><?xml version="1.0" encoding="utf-8"?>
 <a:theme xmlns:a="http://schemas.openxmlformats.org/drawingml/2006/main" name="Office Theme">
   <a:themeElements>
